--- a/Toni_Powerpoint.pptx
+++ b/Toni_Powerpoint.pptx
@@ -4,19 +4,36 @@
   <p:sldMasterIdLst>
     <p:sldMasterId id="2147483648" r:id="rId1"/>
   </p:sldMasterIdLst>
+  <p:notesMasterIdLst>
+    <p:notesMasterId r:id="rId28"/>
+  </p:notesMasterIdLst>
   <p:sldIdLst>
     <p:sldId id="256" r:id="rId2"/>
     <p:sldId id="257" r:id="rId3"/>
     <p:sldId id="258" r:id="rId4"/>
     <p:sldId id="259" r:id="rId5"/>
-    <p:sldId id="260" r:id="rId6"/>
-    <p:sldId id="261" r:id="rId7"/>
-    <p:sldId id="262" r:id="rId8"/>
-    <p:sldId id="263" r:id="rId9"/>
-    <p:sldId id="264" r:id="rId10"/>
-    <p:sldId id="265" r:id="rId11"/>
-    <p:sldId id="266" r:id="rId12"/>
+    <p:sldId id="262" r:id="rId6"/>
+    <p:sldId id="263" r:id="rId7"/>
+    <p:sldId id="264" r:id="rId8"/>
+    <p:sldId id="260" r:id="rId9"/>
+    <p:sldId id="268" r:id="rId10"/>
+    <p:sldId id="269" r:id="rId11"/>
+    <p:sldId id="270" r:id="rId12"/>
     <p:sldId id="267" r:id="rId13"/>
+    <p:sldId id="265" r:id="rId14"/>
+    <p:sldId id="266" r:id="rId15"/>
+    <p:sldId id="271" r:id="rId16"/>
+    <p:sldId id="272" r:id="rId17"/>
+    <p:sldId id="273" r:id="rId18"/>
+    <p:sldId id="274" r:id="rId19"/>
+    <p:sldId id="275" r:id="rId20"/>
+    <p:sldId id="261" r:id="rId21"/>
+    <p:sldId id="276" r:id="rId22"/>
+    <p:sldId id="277" r:id="rId23"/>
+    <p:sldId id="278" r:id="rId24"/>
+    <p:sldId id="279" r:id="rId25"/>
+    <p:sldId id="280" r:id="rId26"/>
+    <p:sldId id="281" r:id="rId27"/>
   </p:sldIdLst>
   <p:sldSz cx="12192000" cy="6858000"/>
   <p:notesSz cx="6858000" cy="9144000"/>
@@ -121,6 +138,700 @@
     </p:ext>
   </p:extLst>
 </p:presentation>
+</file>
+
+<file path=ppt/notesMasters/notesMaster1.xml><?xml version="1.0" encoding="utf-8"?>
+<p:notesMaster xmlns:a="http://schemas.openxmlformats.org/drawingml/2006/main" xmlns:r="http://schemas.openxmlformats.org/officeDocument/2006/relationships" xmlns:p="http://schemas.openxmlformats.org/presentationml/2006/main">
+  <p:cSld>
+    <p:bg>
+      <p:bgRef idx="1001">
+        <a:schemeClr val="bg1"/>
+      </p:bgRef>
+    </p:bg>
+    <p:spTree>
+      <p:nvGrpSpPr>
+        <p:cNvPr id="1" name=""/>
+        <p:cNvGrpSpPr/>
+        <p:nvPr/>
+      </p:nvGrpSpPr>
+      <p:grpSpPr>
+        <a:xfrm>
+          <a:off x="0" y="0"/>
+          <a:ext cx="0" cy="0"/>
+          <a:chOff x="0" y="0"/>
+          <a:chExt cx="0" cy="0"/>
+        </a:xfrm>
+      </p:grpSpPr>
+      <p:sp>
+        <p:nvSpPr>
+          <p:cNvPr id="2" name="Header Placeholder 1"/>
+          <p:cNvSpPr>
+            <a:spLocks noGrp="1"/>
+          </p:cNvSpPr>
+          <p:nvPr>
+            <p:ph type="hdr" sz="quarter"/>
+          </p:nvPr>
+        </p:nvSpPr>
+        <p:spPr>
+          <a:xfrm>
+            <a:off x="0" y="0"/>
+            <a:ext cx="2971800" cy="458788"/>
+          </a:xfrm>
+          <a:prstGeom prst="rect">
+            <a:avLst/>
+          </a:prstGeom>
+        </p:spPr>
+        <p:txBody>
+          <a:bodyPr vert="horz" lIns="91440" tIns="45720" rIns="91440" bIns="45720" rtlCol="0"/>
+          <a:lstStyle>
+            <a:lvl1pPr algn="l">
+              <a:defRPr sz="1200"/>
+            </a:lvl1pPr>
+          </a:lstStyle>
+          <a:p>
+            <a:endParaRPr lang="en-US"/>
+          </a:p>
+        </p:txBody>
+      </p:sp>
+      <p:sp>
+        <p:nvSpPr>
+          <p:cNvPr id="3" name="Date Placeholder 2"/>
+          <p:cNvSpPr>
+            <a:spLocks noGrp="1"/>
+          </p:cNvSpPr>
+          <p:nvPr>
+            <p:ph type="dt" idx="1"/>
+          </p:nvPr>
+        </p:nvSpPr>
+        <p:spPr>
+          <a:xfrm>
+            <a:off x="3884613" y="0"/>
+            <a:ext cx="2971800" cy="458788"/>
+          </a:xfrm>
+          <a:prstGeom prst="rect">
+            <a:avLst/>
+          </a:prstGeom>
+        </p:spPr>
+        <p:txBody>
+          <a:bodyPr vert="horz" lIns="91440" tIns="45720" rIns="91440" bIns="45720" rtlCol="0"/>
+          <a:lstStyle>
+            <a:lvl1pPr algn="r">
+              <a:defRPr sz="1200"/>
+            </a:lvl1pPr>
+          </a:lstStyle>
+          <a:p>
+            <a:fld id="{E0757C17-B58F-49FA-AB40-29F5001C03D3}" type="datetimeFigureOut">
+              <a:rPr lang="en-US" smtClean="0"/>
+              <a:t>6/13/2018</a:t>
+            </a:fld>
+            <a:endParaRPr lang="en-US"/>
+          </a:p>
+        </p:txBody>
+      </p:sp>
+      <p:sp>
+        <p:nvSpPr>
+          <p:cNvPr id="4" name="Slide Image Placeholder 3"/>
+          <p:cNvSpPr>
+            <a:spLocks noGrp="1" noRot="1" noChangeAspect="1"/>
+          </p:cNvSpPr>
+          <p:nvPr>
+            <p:ph type="sldImg" idx="2"/>
+          </p:nvPr>
+        </p:nvSpPr>
+        <p:spPr>
+          <a:xfrm>
+            <a:off x="685800" y="1143000"/>
+            <a:ext cx="5486400" cy="3086100"/>
+          </a:xfrm>
+          <a:prstGeom prst="rect">
+            <a:avLst/>
+          </a:prstGeom>
+          <a:noFill/>
+          <a:ln w="12700">
+            <a:solidFill>
+              <a:prstClr val="black"/>
+            </a:solidFill>
+          </a:ln>
+        </p:spPr>
+        <p:txBody>
+          <a:bodyPr vert="horz" lIns="91440" tIns="45720" rIns="91440" bIns="45720" rtlCol="0" anchor="ctr"/>
+          <a:lstStyle/>
+          <a:p>
+            <a:endParaRPr lang="en-US"/>
+          </a:p>
+        </p:txBody>
+      </p:sp>
+      <p:sp>
+        <p:nvSpPr>
+          <p:cNvPr id="5" name="Notes Placeholder 4"/>
+          <p:cNvSpPr>
+            <a:spLocks noGrp="1"/>
+          </p:cNvSpPr>
+          <p:nvPr>
+            <p:ph type="body" sz="quarter" idx="3"/>
+          </p:nvPr>
+        </p:nvSpPr>
+        <p:spPr>
+          <a:xfrm>
+            <a:off x="685800" y="4400550"/>
+            <a:ext cx="5486400" cy="3600450"/>
+          </a:xfrm>
+          <a:prstGeom prst="rect">
+            <a:avLst/>
+          </a:prstGeom>
+        </p:spPr>
+        <p:txBody>
+          <a:bodyPr vert="horz" lIns="91440" tIns="45720" rIns="91440" bIns="45720" rtlCol="0"/>
+          <a:lstStyle/>
+          <a:p>
+            <a:pPr lvl="0"/>
+            <a:r>
+              <a:rPr lang="en-US"/>
+              <a:t>Edit Master text styles</a:t>
+            </a:r>
+          </a:p>
+          <a:p>
+            <a:pPr lvl="1"/>
+            <a:r>
+              <a:rPr lang="en-US"/>
+              <a:t>Second level</a:t>
+            </a:r>
+          </a:p>
+          <a:p>
+            <a:pPr lvl="2"/>
+            <a:r>
+              <a:rPr lang="en-US"/>
+              <a:t>Third level</a:t>
+            </a:r>
+          </a:p>
+          <a:p>
+            <a:pPr lvl="3"/>
+            <a:r>
+              <a:rPr lang="en-US"/>
+              <a:t>Fourth level</a:t>
+            </a:r>
+          </a:p>
+          <a:p>
+            <a:pPr lvl="4"/>
+            <a:r>
+              <a:rPr lang="en-US"/>
+              <a:t>Fifth level</a:t>
+            </a:r>
+          </a:p>
+        </p:txBody>
+      </p:sp>
+      <p:sp>
+        <p:nvSpPr>
+          <p:cNvPr id="6" name="Footer Placeholder 5"/>
+          <p:cNvSpPr>
+            <a:spLocks noGrp="1"/>
+          </p:cNvSpPr>
+          <p:nvPr>
+            <p:ph type="ftr" sz="quarter" idx="4"/>
+          </p:nvPr>
+        </p:nvSpPr>
+        <p:spPr>
+          <a:xfrm>
+            <a:off x="0" y="8685213"/>
+            <a:ext cx="2971800" cy="458787"/>
+          </a:xfrm>
+          <a:prstGeom prst="rect">
+            <a:avLst/>
+          </a:prstGeom>
+        </p:spPr>
+        <p:txBody>
+          <a:bodyPr vert="horz" lIns="91440" tIns="45720" rIns="91440" bIns="45720" rtlCol="0" anchor="b"/>
+          <a:lstStyle>
+            <a:lvl1pPr algn="l">
+              <a:defRPr sz="1200"/>
+            </a:lvl1pPr>
+          </a:lstStyle>
+          <a:p>
+            <a:endParaRPr lang="en-US"/>
+          </a:p>
+        </p:txBody>
+      </p:sp>
+      <p:sp>
+        <p:nvSpPr>
+          <p:cNvPr id="7" name="Slide Number Placeholder 6"/>
+          <p:cNvSpPr>
+            <a:spLocks noGrp="1"/>
+          </p:cNvSpPr>
+          <p:nvPr>
+            <p:ph type="sldNum" sz="quarter" idx="5"/>
+          </p:nvPr>
+        </p:nvSpPr>
+        <p:spPr>
+          <a:xfrm>
+            <a:off x="3884613" y="8685213"/>
+            <a:ext cx="2971800" cy="458787"/>
+          </a:xfrm>
+          <a:prstGeom prst="rect">
+            <a:avLst/>
+          </a:prstGeom>
+        </p:spPr>
+        <p:txBody>
+          <a:bodyPr vert="horz" lIns="91440" tIns="45720" rIns="91440" bIns="45720" rtlCol="0" anchor="b"/>
+          <a:lstStyle>
+            <a:lvl1pPr algn="r">
+              <a:defRPr sz="1200"/>
+            </a:lvl1pPr>
+          </a:lstStyle>
+          <a:p>
+            <a:fld id="{118452FE-E218-4C8F-AC38-718F30F6917B}" type="slidenum">
+              <a:rPr lang="en-US" smtClean="0"/>
+              <a:t>‹#›</a:t>
+            </a:fld>
+            <a:endParaRPr lang="en-US"/>
+          </a:p>
+        </p:txBody>
+      </p:sp>
+    </p:spTree>
+    <p:extLst>
+      <p:ext uri="{BB962C8B-B14F-4D97-AF65-F5344CB8AC3E}">
+        <p14:creationId xmlns:p14="http://schemas.microsoft.com/office/powerpoint/2010/main" val="2181927204"/>
+      </p:ext>
+    </p:extLst>
+  </p:cSld>
+  <p:clrMap bg1="lt1" tx1="dk1" bg2="lt2" tx2="dk2" accent1="accent1" accent2="accent2" accent3="accent3" accent4="accent4" accent5="accent5" accent6="accent6" hlink="hlink" folHlink="folHlink"/>
+  <p:notesStyle>
+    <a:lvl1pPr marL="0" algn="l" defTabSz="914400" rtl="0" eaLnBrk="1" latinLnBrk="0" hangingPunct="1">
+      <a:defRPr sz="1200" kern="1200">
+        <a:solidFill>
+          <a:schemeClr val="tx1"/>
+        </a:solidFill>
+        <a:latin typeface="+mn-lt"/>
+        <a:ea typeface="+mn-ea"/>
+        <a:cs typeface="+mn-cs"/>
+      </a:defRPr>
+    </a:lvl1pPr>
+    <a:lvl2pPr marL="457200" algn="l" defTabSz="914400" rtl="0" eaLnBrk="1" latinLnBrk="0" hangingPunct="1">
+      <a:defRPr sz="1200" kern="1200">
+        <a:solidFill>
+          <a:schemeClr val="tx1"/>
+        </a:solidFill>
+        <a:latin typeface="+mn-lt"/>
+        <a:ea typeface="+mn-ea"/>
+        <a:cs typeface="+mn-cs"/>
+      </a:defRPr>
+    </a:lvl2pPr>
+    <a:lvl3pPr marL="914400" algn="l" defTabSz="914400" rtl="0" eaLnBrk="1" latinLnBrk="0" hangingPunct="1">
+      <a:defRPr sz="1200" kern="1200">
+        <a:solidFill>
+          <a:schemeClr val="tx1"/>
+        </a:solidFill>
+        <a:latin typeface="+mn-lt"/>
+        <a:ea typeface="+mn-ea"/>
+        <a:cs typeface="+mn-cs"/>
+      </a:defRPr>
+    </a:lvl3pPr>
+    <a:lvl4pPr marL="1371600" algn="l" defTabSz="914400" rtl="0" eaLnBrk="1" latinLnBrk="0" hangingPunct="1">
+      <a:defRPr sz="1200" kern="1200">
+        <a:solidFill>
+          <a:schemeClr val="tx1"/>
+        </a:solidFill>
+        <a:latin typeface="+mn-lt"/>
+        <a:ea typeface="+mn-ea"/>
+        <a:cs typeface="+mn-cs"/>
+      </a:defRPr>
+    </a:lvl4pPr>
+    <a:lvl5pPr marL="1828800" algn="l" defTabSz="914400" rtl="0" eaLnBrk="1" latinLnBrk="0" hangingPunct="1">
+      <a:defRPr sz="1200" kern="1200">
+        <a:solidFill>
+          <a:schemeClr val="tx1"/>
+        </a:solidFill>
+        <a:latin typeface="+mn-lt"/>
+        <a:ea typeface="+mn-ea"/>
+        <a:cs typeface="+mn-cs"/>
+      </a:defRPr>
+    </a:lvl5pPr>
+    <a:lvl6pPr marL="2286000" algn="l" defTabSz="914400" rtl="0" eaLnBrk="1" latinLnBrk="0" hangingPunct="1">
+      <a:defRPr sz="1200" kern="1200">
+        <a:solidFill>
+          <a:schemeClr val="tx1"/>
+        </a:solidFill>
+        <a:latin typeface="+mn-lt"/>
+        <a:ea typeface="+mn-ea"/>
+        <a:cs typeface="+mn-cs"/>
+      </a:defRPr>
+    </a:lvl6pPr>
+    <a:lvl7pPr marL="2743200" algn="l" defTabSz="914400" rtl="0" eaLnBrk="1" latinLnBrk="0" hangingPunct="1">
+      <a:defRPr sz="1200" kern="1200">
+        <a:solidFill>
+          <a:schemeClr val="tx1"/>
+        </a:solidFill>
+        <a:latin typeface="+mn-lt"/>
+        <a:ea typeface="+mn-ea"/>
+        <a:cs typeface="+mn-cs"/>
+      </a:defRPr>
+    </a:lvl7pPr>
+    <a:lvl8pPr marL="3200400" algn="l" defTabSz="914400" rtl="0" eaLnBrk="1" latinLnBrk="0" hangingPunct="1">
+      <a:defRPr sz="1200" kern="1200">
+        <a:solidFill>
+          <a:schemeClr val="tx1"/>
+        </a:solidFill>
+        <a:latin typeface="+mn-lt"/>
+        <a:ea typeface="+mn-ea"/>
+        <a:cs typeface="+mn-cs"/>
+      </a:defRPr>
+    </a:lvl8pPr>
+    <a:lvl9pPr marL="3657600" algn="l" defTabSz="914400" rtl="0" eaLnBrk="1" latinLnBrk="0" hangingPunct="1">
+      <a:defRPr sz="1200" kern="1200">
+        <a:solidFill>
+          <a:schemeClr val="tx1"/>
+        </a:solidFill>
+        <a:latin typeface="+mn-lt"/>
+        <a:ea typeface="+mn-ea"/>
+        <a:cs typeface="+mn-cs"/>
+      </a:defRPr>
+    </a:lvl9pPr>
+  </p:notesStyle>
+</p:notesMaster>
+</file>
+
+<file path=ppt/notesSlides/notesSlide1.xml><?xml version="1.0" encoding="utf-8"?>
+<p:notes xmlns:a="http://schemas.openxmlformats.org/drawingml/2006/main" xmlns:r="http://schemas.openxmlformats.org/officeDocument/2006/relationships" xmlns:p="http://schemas.openxmlformats.org/presentationml/2006/main">
+  <p:cSld>
+    <p:spTree>
+      <p:nvGrpSpPr>
+        <p:cNvPr id="1" name=""/>
+        <p:cNvGrpSpPr/>
+        <p:nvPr/>
+      </p:nvGrpSpPr>
+      <p:grpSpPr>
+        <a:xfrm>
+          <a:off x="0" y="0"/>
+          <a:ext cx="0" cy="0"/>
+          <a:chOff x="0" y="0"/>
+          <a:chExt cx="0" cy="0"/>
+        </a:xfrm>
+      </p:grpSpPr>
+      <p:sp>
+        <p:nvSpPr>
+          <p:cNvPr id="2" name="Slide Image Placeholder 1"/>
+          <p:cNvSpPr>
+            <a:spLocks noGrp="1" noRot="1" noChangeAspect="1"/>
+          </p:cNvSpPr>
+          <p:nvPr>
+            <p:ph type="sldImg"/>
+          </p:nvPr>
+        </p:nvSpPr>
+        <p:spPr/>
+      </p:sp>
+      <p:sp>
+        <p:nvSpPr>
+          <p:cNvPr id="3" name="Notes Placeholder 2"/>
+          <p:cNvSpPr>
+            <a:spLocks noGrp="1"/>
+          </p:cNvSpPr>
+          <p:nvPr>
+            <p:ph type="body" idx="1"/>
+          </p:nvPr>
+        </p:nvSpPr>
+        <p:spPr/>
+        <p:txBody>
+          <a:bodyPr/>
+          <a:lstStyle/>
+          <a:p>
+            <a:r>
+              <a:rPr lang="en-US" dirty="0"/>
+              <a:t>Discuss</a:t>
+            </a:r>
+          </a:p>
+        </p:txBody>
+      </p:sp>
+      <p:sp>
+        <p:nvSpPr>
+          <p:cNvPr id="4" name="Slide Number Placeholder 3"/>
+          <p:cNvSpPr>
+            <a:spLocks noGrp="1"/>
+          </p:cNvSpPr>
+          <p:nvPr>
+            <p:ph type="sldNum" sz="quarter" idx="10"/>
+          </p:nvPr>
+        </p:nvSpPr>
+        <p:spPr/>
+        <p:txBody>
+          <a:bodyPr/>
+          <a:lstStyle/>
+          <a:p>
+            <a:fld id="{118452FE-E218-4C8F-AC38-718F30F6917B}" type="slidenum">
+              <a:rPr lang="en-US" smtClean="0"/>
+              <a:t>2</a:t>
+            </a:fld>
+            <a:endParaRPr lang="en-US"/>
+          </a:p>
+        </p:txBody>
+      </p:sp>
+    </p:spTree>
+    <p:extLst>
+      <p:ext uri="{BB962C8B-B14F-4D97-AF65-F5344CB8AC3E}">
+        <p14:creationId xmlns:p14="http://schemas.microsoft.com/office/powerpoint/2010/main" val="1475336269"/>
+      </p:ext>
+    </p:extLst>
+  </p:cSld>
+  <p:clrMapOvr>
+    <a:masterClrMapping/>
+  </p:clrMapOvr>
+</p:notes>
+</file>
+
+<file path=ppt/notesSlides/notesSlide2.xml><?xml version="1.0" encoding="utf-8"?>
+<p:notes xmlns:a="http://schemas.openxmlformats.org/drawingml/2006/main" xmlns:r="http://schemas.openxmlformats.org/officeDocument/2006/relationships" xmlns:p="http://schemas.openxmlformats.org/presentationml/2006/main">
+  <p:cSld>
+    <p:spTree>
+      <p:nvGrpSpPr>
+        <p:cNvPr id="1" name=""/>
+        <p:cNvGrpSpPr/>
+        <p:nvPr/>
+      </p:nvGrpSpPr>
+      <p:grpSpPr>
+        <a:xfrm>
+          <a:off x="0" y="0"/>
+          <a:ext cx="0" cy="0"/>
+          <a:chOff x="0" y="0"/>
+          <a:chExt cx="0" cy="0"/>
+        </a:xfrm>
+      </p:grpSpPr>
+      <p:sp>
+        <p:nvSpPr>
+          <p:cNvPr id="2" name="Slide Image Placeholder 1"/>
+          <p:cNvSpPr>
+            <a:spLocks noGrp="1" noRot="1" noChangeAspect="1"/>
+          </p:cNvSpPr>
+          <p:nvPr>
+            <p:ph type="sldImg"/>
+          </p:nvPr>
+        </p:nvSpPr>
+        <p:spPr/>
+      </p:sp>
+      <p:sp>
+        <p:nvSpPr>
+          <p:cNvPr id="3" name="Notes Placeholder 2"/>
+          <p:cNvSpPr>
+            <a:spLocks noGrp="1"/>
+          </p:cNvSpPr>
+          <p:nvPr>
+            <p:ph type="body" idx="1"/>
+          </p:nvPr>
+        </p:nvSpPr>
+        <p:spPr/>
+        <p:txBody>
+          <a:bodyPr/>
+          <a:lstStyle/>
+          <a:p>
+            <a:r>
+              <a:rPr lang="en-US" dirty="0"/>
+              <a:t>D</a:t>
+            </a:r>
+          </a:p>
+        </p:txBody>
+      </p:sp>
+      <p:sp>
+        <p:nvSpPr>
+          <p:cNvPr id="4" name="Slide Number Placeholder 3"/>
+          <p:cNvSpPr>
+            <a:spLocks noGrp="1"/>
+          </p:cNvSpPr>
+          <p:nvPr>
+            <p:ph type="sldNum" sz="quarter" idx="10"/>
+          </p:nvPr>
+        </p:nvSpPr>
+        <p:spPr/>
+        <p:txBody>
+          <a:bodyPr/>
+          <a:lstStyle/>
+          <a:p>
+            <a:fld id="{118452FE-E218-4C8F-AC38-718F30F6917B}" type="slidenum">
+              <a:rPr lang="en-US" smtClean="0"/>
+              <a:t>3</a:t>
+            </a:fld>
+            <a:endParaRPr lang="en-US"/>
+          </a:p>
+        </p:txBody>
+      </p:sp>
+    </p:spTree>
+    <p:extLst>
+      <p:ext uri="{BB962C8B-B14F-4D97-AF65-F5344CB8AC3E}">
+        <p14:creationId xmlns:p14="http://schemas.microsoft.com/office/powerpoint/2010/main" val="3596159502"/>
+      </p:ext>
+    </p:extLst>
+  </p:cSld>
+  <p:clrMapOvr>
+    <a:masterClrMapping/>
+  </p:clrMapOvr>
+</p:notes>
+</file>
+
+<file path=ppt/notesSlides/notesSlide3.xml><?xml version="1.0" encoding="utf-8"?>
+<p:notes xmlns:a="http://schemas.openxmlformats.org/drawingml/2006/main" xmlns:r="http://schemas.openxmlformats.org/officeDocument/2006/relationships" xmlns:p="http://schemas.openxmlformats.org/presentationml/2006/main">
+  <p:cSld>
+    <p:spTree>
+      <p:nvGrpSpPr>
+        <p:cNvPr id="1" name=""/>
+        <p:cNvGrpSpPr/>
+        <p:nvPr/>
+      </p:nvGrpSpPr>
+      <p:grpSpPr>
+        <a:xfrm>
+          <a:off x="0" y="0"/>
+          <a:ext cx="0" cy="0"/>
+          <a:chOff x="0" y="0"/>
+          <a:chExt cx="0" cy="0"/>
+        </a:xfrm>
+      </p:grpSpPr>
+      <p:sp>
+        <p:nvSpPr>
+          <p:cNvPr id="2" name="Slide Image Placeholder 1"/>
+          <p:cNvSpPr>
+            <a:spLocks noGrp="1" noRot="1" noChangeAspect="1"/>
+          </p:cNvSpPr>
+          <p:nvPr>
+            <p:ph type="sldImg"/>
+          </p:nvPr>
+        </p:nvSpPr>
+        <p:spPr/>
+      </p:sp>
+      <p:sp>
+        <p:nvSpPr>
+          <p:cNvPr id="3" name="Notes Placeholder 2"/>
+          <p:cNvSpPr>
+            <a:spLocks noGrp="1"/>
+          </p:cNvSpPr>
+          <p:nvPr>
+            <p:ph type="body" idx="1"/>
+          </p:nvPr>
+        </p:nvSpPr>
+        <p:spPr/>
+        <p:txBody>
+          <a:bodyPr/>
+          <a:lstStyle/>
+          <a:p>
+            <a:r>
+              <a:rPr lang="en-US" dirty="0"/>
+              <a:t>Discuss how we observed each categorical.</a:t>
+            </a:r>
+          </a:p>
+        </p:txBody>
+      </p:sp>
+      <p:sp>
+        <p:nvSpPr>
+          <p:cNvPr id="4" name="Slide Number Placeholder 3"/>
+          <p:cNvSpPr>
+            <a:spLocks noGrp="1"/>
+          </p:cNvSpPr>
+          <p:nvPr>
+            <p:ph type="sldNum" sz="quarter" idx="10"/>
+          </p:nvPr>
+        </p:nvSpPr>
+        <p:spPr/>
+        <p:txBody>
+          <a:bodyPr/>
+          <a:lstStyle/>
+          <a:p>
+            <a:fld id="{118452FE-E218-4C8F-AC38-718F30F6917B}" type="slidenum">
+              <a:rPr lang="en-US" smtClean="0"/>
+              <a:t>7</a:t>
+            </a:fld>
+            <a:endParaRPr lang="en-US"/>
+          </a:p>
+        </p:txBody>
+      </p:sp>
+    </p:spTree>
+    <p:extLst>
+      <p:ext uri="{BB962C8B-B14F-4D97-AF65-F5344CB8AC3E}">
+        <p14:creationId xmlns:p14="http://schemas.microsoft.com/office/powerpoint/2010/main" val="494934001"/>
+      </p:ext>
+    </p:extLst>
+  </p:cSld>
+  <p:clrMapOvr>
+    <a:masterClrMapping/>
+  </p:clrMapOvr>
+</p:notes>
+</file>
+
+<file path=ppt/notesSlides/notesSlide4.xml><?xml version="1.0" encoding="utf-8"?>
+<p:notes xmlns:a="http://schemas.openxmlformats.org/drawingml/2006/main" xmlns:r="http://schemas.openxmlformats.org/officeDocument/2006/relationships" xmlns:p="http://schemas.openxmlformats.org/presentationml/2006/main">
+  <p:cSld>
+    <p:spTree>
+      <p:nvGrpSpPr>
+        <p:cNvPr id="1" name=""/>
+        <p:cNvGrpSpPr/>
+        <p:nvPr/>
+      </p:nvGrpSpPr>
+      <p:grpSpPr>
+        <a:xfrm>
+          <a:off x="0" y="0"/>
+          <a:ext cx="0" cy="0"/>
+          <a:chOff x="0" y="0"/>
+          <a:chExt cx="0" cy="0"/>
+        </a:xfrm>
+      </p:grpSpPr>
+      <p:sp>
+        <p:nvSpPr>
+          <p:cNvPr id="2" name="Slide Image Placeholder 1"/>
+          <p:cNvSpPr>
+            <a:spLocks noGrp="1" noRot="1" noChangeAspect="1"/>
+          </p:cNvSpPr>
+          <p:nvPr>
+            <p:ph type="sldImg"/>
+          </p:nvPr>
+        </p:nvSpPr>
+        <p:spPr/>
+      </p:sp>
+      <p:sp>
+        <p:nvSpPr>
+          <p:cNvPr id="3" name="Notes Placeholder 2"/>
+          <p:cNvSpPr>
+            <a:spLocks noGrp="1"/>
+          </p:cNvSpPr>
+          <p:nvPr>
+            <p:ph type="body" idx="1"/>
+          </p:nvPr>
+        </p:nvSpPr>
+        <p:spPr/>
+        <p:txBody>
+          <a:bodyPr/>
+          <a:lstStyle/>
+          <a:p>
+            <a:endParaRPr lang="en-US" dirty="0"/>
+          </a:p>
+        </p:txBody>
+      </p:sp>
+      <p:sp>
+        <p:nvSpPr>
+          <p:cNvPr id="4" name="Slide Number Placeholder 3"/>
+          <p:cNvSpPr>
+            <a:spLocks noGrp="1"/>
+          </p:cNvSpPr>
+          <p:nvPr>
+            <p:ph type="sldNum" sz="quarter" idx="10"/>
+          </p:nvPr>
+        </p:nvSpPr>
+        <p:spPr/>
+        <p:txBody>
+          <a:bodyPr/>
+          <a:lstStyle/>
+          <a:p>
+            <a:fld id="{118452FE-E218-4C8F-AC38-718F30F6917B}" type="slidenum">
+              <a:rPr lang="en-US" smtClean="0"/>
+              <a:t>15</a:t>
+            </a:fld>
+            <a:endParaRPr lang="en-US"/>
+          </a:p>
+        </p:txBody>
+      </p:sp>
+    </p:spTree>
+    <p:extLst>
+      <p:ext uri="{BB962C8B-B14F-4D97-AF65-F5344CB8AC3E}">
+        <p14:creationId xmlns:p14="http://schemas.microsoft.com/office/powerpoint/2010/main" val="2619763606"/>
+      </p:ext>
+    </p:extLst>
+  </p:cSld>
+  <p:clrMapOvr>
+    <a:masterClrMapping/>
+  </p:clrMapOvr>
+</p:notes>
 </file>
 
 <file path=ppt/slideLayouts/slideLayout1.xml><?xml version="1.0" encoding="utf-8"?>
@@ -2727,14 +3438,6 @@
 <file path=ppt/slides/slide10.xml><?xml version="1.0" encoding="utf-8"?>
 <p:sld xmlns:a="http://schemas.openxmlformats.org/drawingml/2006/main" xmlns:r="http://schemas.openxmlformats.org/officeDocument/2006/relationships" xmlns:p="http://schemas.openxmlformats.org/presentationml/2006/main">
   <p:cSld>
-    <p:bg>
-      <p:bgPr>
-        <a:solidFill>
-          <a:schemeClr val="bg1"/>
-        </a:solidFill>
-        <a:effectLst/>
-      </p:bgPr>
-    </p:bg>
     <p:spTree>
       <p:nvGrpSpPr>
         <p:cNvPr id="1" name=""/>
@@ -2749,48 +3452,12 @@
           <a:chExt cx="0" cy="0"/>
         </a:xfrm>
       </p:grpSpPr>
-      <p:pic>
-        <p:nvPicPr>
-          <p:cNvPr id="5" name="Picture 4" descr="A screenshot of a cell phone&#10;&#10;Description generated with high confidence">
+      <p:sp>
+        <p:nvSpPr>
+          <p:cNvPr id="15" name="Title 14">
             <a:extLst>
               <a:ext uri="{FF2B5EF4-FFF2-40B4-BE49-F238E27FC236}">
-                <a16:creationId xmlns:a16="http://schemas.microsoft.com/office/drawing/2014/main" id="{5C1D28A8-F3BE-4158-9EBF-1B8165EC219B}"/>
-              </a:ext>
-            </a:extLst>
-          </p:cNvPr>
-          <p:cNvPicPr>
-            <a:picLocks noChangeAspect="1"/>
-          </p:cNvPicPr>
-          <p:nvPr/>
-        </p:nvPicPr>
-        <p:blipFill rotWithShape="1">
-          <a:blip r:embed="rId2">
-            <a:extLst>
-              <a:ext uri="{28A0092B-C50C-407E-A947-70E740481C1C}">
-                <a14:useLocalDpi xmlns:a14="http://schemas.microsoft.com/office/drawing/2010/main" val="0"/>
-              </a:ext>
-            </a:extLst>
-          </a:blip>
-          <a:srcRect r="804" b="1"/>
-          <a:stretch/>
-        </p:blipFill>
-        <p:spPr>
-          <a:xfrm>
-            <a:off x="4315967" y="0"/>
-            <a:ext cx="7404615" cy="5971627"/>
-          </a:xfrm>
-          <a:prstGeom prst="rect">
-            <a:avLst/>
-          </a:prstGeom>
-          <a:effectLst/>
-        </p:spPr>
-      </p:pic>
-      <p:sp>
-        <p:nvSpPr>
-          <p:cNvPr id="2" name="Title 1">
-            <a:extLst>
-              <a:ext uri="{FF2B5EF4-FFF2-40B4-BE49-F238E27FC236}">
-                <a16:creationId xmlns:a16="http://schemas.microsoft.com/office/drawing/2014/main" id="{F5E0414B-A4C6-4D36-A403-2AEB39104C15}"/>
+                <a16:creationId xmlns:a16="http://schemas.microsoft.com/office/drawing/2014/main" id="{8315A751-6BA8-4C20-94B6-2411FD3D106B}"/>
               </a:ext>
             </a:extLst>
           </p:cNvPr>
@@ -2801,10 +3468,38 @@
             <p:ph type="title"/>
           </p:nvPr>
         </p:nvSpPr>
+        <p:spPr/>
+        <p:txBody>
+          <a:bodyPr/>
+          <a:lstStyle/>
+          <a:p>
+            <a:r>
+              <a:rPr lang="en-US" dirty="0"/>
+              <a:t>Gender by Age</a:t>
+            </a:r>
+          </a:p>
+        </p:txBody>
+      </p:sp>
+      <p:sp>
+        <p:nvSpPr>
+          <p:cNvPr id="17" name="Content Placeholder 16">
+            <a:extLst>
+              <a:ext uri="{FF2B5EF4-FFF2-40B4-BE49-F238E27FC236}">
+                <a16:creationId xmlns:a16="http://schemas.microsoft.com/office/drawing/2014/main" id="{286A55AE-A257-4DC0-BC79-2EEC6B244ED3}"/>
+              </a:ext>
+            </a:extLst>
+          </p:cNvPr>
+          <p:cNvSpPr>
+            <a:spLocks noGrp="1"/>
+          </p:cNvSpPr>
+          <p:nvPr>
+            <p:ph sz="half" idx="2"/>
+          </p:nvPr>
+        </p:nvSpPr>
         <p:spPr>
           <a:xfrm>
-            <a:off x="648929" y="629266"/>
-            <a:ext cx="3667039" cy="1676603"/>
+            <a:off x="631838" y="4940640"/>
+            <a:ext cx="10454197" cy="1078021"/>
           </a:xfrm>
         </p:spPr>
         <p:txBody>
@@ -2814,116 +3509,116 @@
           <a:lstStyle/>
           <a:p>
             <a:r>
-              <a:rPr lang="en-US" dirty="0"/>
-              <a:t>Data Analysis</a:t>
+              <a:rPr lang="en-US" sz="1600" dirty="0"/>
+              <a:t>Millennials vs. Baby Boomers</a:t>
             </a:r>
           </a:p>
         </p:txBody>
       </p:sp>
-      <p:sp>
-        <p:nvSpPr>
-          <p:cNvPr id="3" name="Content Placeholder 2">
+      <p:pic>
+        <p:nvPicPr>
+          <p:cNvPr id="3" name="Picture 2">
             <a:extLst>
               <a:ext uri="{FF2B5EF4-FFF2-40B4-BE49-F238E27FC236}">
-                <a16:creationId xmlns:a16="http://schemas.microsoft.com/office/drawing/2014/main" id="{95F02679-E861-48E0-A4A4-5C6432B35A18}"/>
+                <a16:creationId xmlns:a16="http://schemas.microsoft.com/office/drawing/2014/main" id="{FC339BFC-199B-426D-9DBF-6CF9CCFB20AF}"/>
               </a:ext>
             </a:extLst>
           </p:cNvPr>
-          <p:cNvSpPr>
-            <a:spLocks noGrp="1"/>
-          </p:cNvSpPr>
-          <p:nvPr>
-            <p:ph idx="1"/>
-          </p:nvPr>
-        </p:nvSpPr>
+          <p:cNvPicPr>
+            <a:picLocks noChangeAspect="1"/>
+          </p:cNvPicPr>
+          <p:nvPr/>
+        </p:nvPicPr>
+        <p:blipFill>
+          <a:blip r:embed="rId2">
+            <a:extLst>
+              <a:ext uri="{28A0092B-C50C-407E-A947-70E740481C1C}">
+                <a14:useLocalDpi xmlns:a14="http://schemas.microsoft.com/office/drawing/2010/main" val="0"/>
+              </a:ext>
+            </a:extLst>
+          </a:blip>
+          <a:stretch>
+            <a:fillRect/>
+          </a:stretch>
+        </p:blipFill>
         <p:spPr>
           <a:xfrm>
-            <a:off x="648930" y="2438400"/>
-            <a:ext cx="3667037" cy="3785419"/>
+            <a:off x="631838" y="1141394"/>
+            <a:ext cx="5140983" cy="3662618"/>
           </a:xfrm>
+          <a:prstGeom prst="rect">
+            <a:avLst/>
+          </a:prstGeom>
+          <a:ln w="12700">
+            <a:solidFill>
+              <a:schemeClr val="bg1">
+                <a:lumMod val="50000"/>
+              </a:schemeClr>
+            </a:solidFill>
+            <a:prstDash val="sysDot"/>
+          </a:ln>
         </p:spPr>
-        <p:txBody>
-          <a:bodyPr>
-            <a:normAutofit/>
-          </a:bodyPr>
-          <a:lstStyle/>
-          <a:p>
-            <a:pPr marL="0" indent="0">
-              <a:buNone/>
-            </a:pPr>
-            <a:r>
-              <a:rPr lang="en-US" sz="1700" b="1" dirty="0"/>
-              <a:t>How does environmental and lifestyle influence Health state?</a:t>
-            </a:r>
-          </a:p>
-          <a:p>
-            <a:pPr marL="0" indent="0">
-              <a:buNone/>
-            </a:pPr>
-            <a:endParaRPr lang="en-US" sz="1700" dirty="0"/>
-          </a:p>
-          <a:p>
-            <a:pPr marL="0" indent="0">
-              <a:buNone/>
-            </a:pPr>
-            <a:r>
-              <a:rPr lang="en-US" sz="1700" dirty="0"/>
-              <a:t>Based on the Bar Chart of the General Health broken down by the Environment, our analysis shows individuals above the 20% Poverty Line are in Good Health.</a:t>
-            </a:r>
-          </a:p>
-          <a:p>
-            <a:pPr marL="0" indent="0">
-              <a:buNone/>
-            </a:pPr>
-            <a:endParaRPr lang="en-US" sz="1700" dirty="0"/>
-          </a:p>
-          <a:p>
-            <a:pPr marL="0" indent="0">
-              <a:buNone/>
-            </a:pPr>
-            <a:r>
-              <a:rPr lang="en-US" sz="1700" dirty="0"/>
-              <a:t>What we found interesting is that the individuals below the 10% Poverty Line had a count between 400 – 600 of Excellent to Very Good Health. </a:t>
-            </a:r>
-          </a:p>
-        </p:txBody>
-      </p:sp>
+      </p:pic>
+      <p:pic>
+        <p:nvPicPr>
+          <p:cNvPr id="5" name="Picture 4">
+            <a:extLst>
+              <a:ext uri="{FF2B5EF4-FFF2-40B4-BE49-F238E27FC236}">
+                <a16:creationId xmlns:a16="http://schemas.microsoft.com/office/drawing/2014/main" id="{051D652D-617F-4D3F-B50C-DB8BDF65194C}"/>
+              </a:ext>
+            </a:extLst>
+          </p:cNvPr>
+          <p:cNvPicPr>
+            <a:picLocks noChangeAspect="1"/>
+          </p:cNvPicPr>
+          <p:nvPr/>
+        </p:nvPicPr>
+        <p:blipFill>
+          <a:blip r:embed="rId3">
+            <a:extLst>
+              <a:ext uri="{28A0092B-C50C-407E-A947-70E740481C1C}">
+                <a14:useLocalDpi xmlns:a14="http://schemas.microsoft.com/office/drawing/2010/main" val="0"/>
+              </a:ext>
+            </a:extLst>
+          </a:blip>
+          <a:stretch>
+            <a:fillRect/>
+          </a:stretch>
+        </p:blipFill>
+        <p:spPr>
+          <a:xfrm>
+            <a:off x="5945052" y="1141394"/>
+            <a:ext cx="5140983" cy="3662618"/>
+          </a:xfrm>
+          <a:prstGeom prst="rect">
+            <a:avLst/>
+          </a:prstGeom>
+          <a:ln w="12700">
+            <a:solidFill>
+              <a:schemeClr val="bg1">
+                <a:lumMod val="50000"/>
+              </a:schemeClr>
+            </a:solidFill>
+            <a:prstDash val="sysDot"/>
+          </a:ln>
+        </p:spPr>
+      </p:pic>
     </p:spTree>
     <p:extLst>
       <p:ext uri="{BB962C8B-B14F-4D97-AF65-F5344CB8AC3E}">
-        <p14:creationId xmlns:p14="http://schemas.microsoft.com/office/powerpoint/2010/main" val="4010338325"/>
+        <p14:creationId xmlns:p14="http://schemas.microsoft.com/office/powerpoint/2010/main" val="3880508328"/>
       </p:ext>
     </p:extLst>
   </p:cSld>
   <p:clrMapOvr>
     <a:masterClrMapping/>
   </p:clrMapOvr>
-  <mc:AlternateContent xmlns:mc="http://schemas.openxmlformats.org/markup-compatibility/2006">
-    <mc:Choice xmlns:p14="http://schemas.microsoft.com/office/powerpoint/2010/main" Requires="p14">
-      <p:transition spd="slow" p14:dur="3400">
-        <p14:reveal/>
-      </p:transition>
-    </mc:Choice>
-    <mc:Fallback>
-      <p:transition spd="slow">
-        <p:fade/>
-      </p:transition>
-    </mc:Fallback>
-  </mc:AlternateContent>
 </p:sld>
 </file>
 
 <file path=ppt/slides/slide11.xml><?xml version="1.0" encoding="utf-8"?>
 <p:sld xmlns:a="http://schemas.openxmlformats.org/drawingml/2006/main" xmlns:r="http://schemas.openxmlformats.org/officeDocument/2006/relationships" xmlns:p="http://schemas.openxmlformats.org/presentationml/2006/main">
   <p:cSld>
-    <p:bg>
-      <p:bgPr>
-        <a:solidFill>
-          <a:schemeClr val="bg1"/>
-        </a:solidFill>
-        <a:effectLst/>
-      </p:bgPr>
-    </p:bg>
     <p:spTree>
       <p:nvGrpSpPr>
         <p:cNvPr id="1" name=""/>
@@ -2938,48 +3633,12 @@
           <a:chExt cx="0" cy="0"/>
         </a:xfrm>
       </p:grpSpPr>
-      <p:pic>
-        <p:nvPicPr>
-          <p:cNvPr id="6" name="Picture 5" descr="A screenshot of a cell phone&#10;&#10;Description generated with high confidence">
+      <p:sp>
+        <p:nvSpPr>
+          <p:cNvPr id="15" name="Title 14">
             <a:extLst>
               <a:ext uri="{FF2B5EF4-FFF2-40B4-BE49-F238E27FC236}">
-                <a16:creationId xmlns:a16="http://schemas.microsoft.com/office/drawing/2014/main" id="{170A4C30-65DD-40A4-8BCF-FA5991F61A97}"/>
-              </a:ext>
-            </a:extLst>
-          </p:cNvPr>
-          <p:cNvPicPr>
-            <a:picLocks noChangeAspect="1"/>
-          </p:cNvPicPr>
-          <p:nvPr/>
-        </p:nvPicPr>
-        <p:blipFill rotWithShape="1">
-          <a:blip r:embed="rId2">
-            <a:extLst>
-              <a:ext uri="{28A0092B-C50C-407E-A947-70E740481C1C}">
-                <a14:useLocalDpi xmlns:a14="http://schemas.microsoft.com/office/drawing/2010/main" val="0"/>
-              </a:ext>
-            </a:extLst>
-          </a:blip>
-          <a:srcRect r="804" b="1"/>
-          <a:stretch/>
-        </p:blipFill>
-        <p:spPr>
-          <a:xfrm>
-            <a:off x="4315967" y="93897"/>
-            <a:ext cx="7334562" cy="5915131"/>
-          </a:xfrm>
-          <a:prstGeom prst="rect">
-            <a:avLst/>
-          </a:prstGeom>
-          <a:effectLst/>
-        </p:spPr>
-      </p:pic>
-      <p:sp>
-        <p:nvSpPr>
-          <p:cNvPr id="2" name="Title 1">
-            <a:extLst>
-              <a:ext uri="{FF2B5EF4-FFF2-40B4-BE49-F238E27FC236}">
-                <a16:creationId xmlns:a16="http://schemas.microsoft.com/office/drawing/2014/main" id="{F5E0414B-A4C6-4D36-A403-2AEB39104C15}"/>
+                <a16:creationId xmlns:a16="http://schemas.microsoft.com/office/drawing/2014/main" id="{8315A751-6BA8-4C20-94B6-2411FD3D106B}"/>
               </a:ext>
             </a:extLst>
           </p:cNvPr>
@@ -2990,10 +3649,38 @@
             <p:ph type="title"/>
           </p:nvPr>
         </p:nvSpPr>
+        <p:spPr/>
+        <p:txBody>
+          <a:bodyPr/>
+          <a:lstStyle/>
+          <a:p>
+            <a:r>
+              <a:rPr lang="en-US" dirty="0"/>
+              <a:t>Gender</a:t>
+            </a:r>
+          </a:p>
+        </p:txBody>
+      </p:sp>
+      <p:sp>
+        <p:nvSpPr>
+          <p:cNvPr id="17" name="Content Placeholder 16">
+            <a:extLst>
+              <a:ext uri="{FF2B5EF4-FFF2-40B4-BE49-F238E27FC236}">
+                <a16:creationId xmlns:a16="http://schemas.microsoft.com/office/drawing/2014/main" id="{286A55AE-A257-4DC0-BC79-2EEC6B244ED3}"/>
+              </a:ext>
+            </a:extLst>
+          </p:cNvPr>
+          <p:cNvSpPr>
+            <a:spLocks noGrp="1"/>
+          </p:cNvSpPr>
+          <p:nvPr>
+            <p:ph sz="half" idx="2"/>
+          </p:nvPr>
+        </p:nvSpPr>
         <p:spPr>
           <a:xfrm>
-            <a:off x="648929" y="629266"/>
-            <a:ext cx="3667039" cy="1676603"/>
+            <a:off x="7605616" y="1250576"/>
+            <a:ext cx="3890348" cy="5122928"/>
           </a:xfrm>
         </p:spPr>
         <p:txBody>
@@ -3003,96 +3690,78 @@
           <a:lstStyle/>
           <a:p>
             <a:r>
-              <a:rPr lang="en-US" dirty="0"/>
-              <a:t>Data Analysis</a:t>
+              <a:rPr lang="en-US" sz="2000" dirty="0"/>
+              <a:t>Majority did get some type of physical activity but need more information on the frequency.</a:t>
+            </a:r>
+          </a:p>
+          <a:p>
+            <a:r>
+              <a:rPr lang="en-US" sz="2000" dirty="0"/>
+              <a:t>Those that exercise do consider themselves health.</a:t>
+            </a:r>
+          </a:p>
+          <a:p>
+            <a:r>
+              <a:rPr lang="en-US" sz="2000" dirty="0"/>
+              <a:t>Portion of No are slightly larger with the Fair  and Poor groups</a:t>
             </a:r>
           </a:p>
         </p:txBody>
       </p:sp>
-      <p:sp>
-        <p:nvSpPr>
-          <p:cNvPr id="3" name="Content Placeholder 2">
+      <p:pic>
+        <p:nvPicPr>
+          <p:cNvPr id="6" name="Picture 5">
             <a:extLst>
               <a:ext uri="{FF2B5EF4-FFF2-40B4-BE49-F238E27FC236}">
-                <a16:creationId xmlns:a16="http://schemas.microsoft.com/office/drawing/2014/main" id="{95F02679-E861-48E0-A4A4-5C6432B35A18}"/>
+                <a16:creationId xmlns:a16="http://schemas.microsoft.com/office/drawing/2014/main" id="{B0454BE3-76B4-4EFE-8D6F-A6536E75BD29}"/>
               </a:ext>
             </a:extLst>
           </p:cNvPr>
-          <p:cNvSpPr>
-            <a:spLocks noGrp="1"/>
-          </p:cNvSpPr>
-          <p:nvPr>
-            <p:ph idx="1"/>
-          </p:nvPr>
-        </p:nvSpPr>
+          <p:cNvPicPr>
+            <a:picLocks noChangeAspect="1"/>
+          </p:cNvPicPr>
+          <p:nvPr/>
+        </p:nvPicPr>
+        <p:blipFill>
+          <a:blip r:embed="rId2">
+            <a:extLst>
+              <a:ext uri="{28A0092B-C50C-407E-A947-70E740481C1C}">
+                <a14:useLocalDpi xmlns:a14="http://schemas.microsoft.com/office/drawing/2010/main" val="0"/>
+              </a:ext>
+            </a:extLst>
+          </a:blip>
+          <a:stretch>
+            <a:fillRect/>
+          </a:stretch>
+        </p:blipFill>
         <p:spPr>
           <a:xfrm>
-            <a:off x="648930" y="2438400"/>
-            <a:ext cx="3667037" cy="3785419"/>
+            <a:off x="686201" y="1250576"/>
+            <a:ext cx="6400800" cy="4686301"/>
           </a:xfrm>
+          <a:prstGeom prst="rect">
+            <a:avLst/>
+          </a:prstGeom>
+          <a:ln w="12700">
+            <a:solidFill>
+              <a:schemeClr val="bg1">
+                <a:lumMod val="50000"/>
+              </a:schemeClr>
+            </a:solidFill>
+            <a:prstDash val="sysDot"/>
+          </a:ln>
         </p:spPr>
-        <p:txBody>
-          <a:bodyPr>
-            <a:normAutofit/>
-          </a:bodyPr>
-          <a:lstStyle/>
-          <a:p>
-            <a:pPr marL="0" indent="0">
-              <a:buNone/>
-            </a:pPr>
-            <a:r>
-              <a:rPr lang="en-US" sz="1700" b="1" dirty="0"/>
-              <a:t>How does a person’s education affect Health State?</a:t>
-            </a:r>
-          </a:p>
-          <a:p>
-            <a:pPr marL="0" indent="0">
-              <a:buNone/>
-            </a:pPr>
-            <a:endParaRPr lang="en-US" sz="1700" dirty="0"/>
-          </a:p>
-          <a:p>
-            <a:pPr marL="0" indent="0">
-              <a:buNone/>
-            </a:pPr>
-            <a:r>
-              <a:rPr lang="en-US" sz="1700" dirty="0"/>
-              <a:t>Our analysis based on Education, we found that great majority of individuals that are College graduates are in Excellent to Good Health.</a:t>
-            </a:r>
-          </a:p>
-          <a:p>
-            <a:pPr marL="0" indent="0">
-              <a:buNone/>
-            </a:pPr>
-            <a:r>
-              <a:rPr lang="en-US" sz="1700" dirty="0"/>
-              <a:t>According to an article on Medical News Today, the higher a person's socioeconomic status (SES), the more likely they are to enjoy good health, a good education, a well-paid job, afford good healthcare when their health is threatened.</a:t>
-            </a:r>
-          </a:p>
-        </p:txBody>
-      </p:sp>
+      </p:pic>
     </p:spTree>
     <p:extLst>
       <p:ext uri="{BB962C8B-B14F-4D97-AF65-F5344CB8AC3E}">
-        <p14:creationId xmlns:p14="http://schemas.microsoft.com/office/powerpoint/2010/main" val="1183249375"/>
+        <p14:creationId xmlns:p14="http://schemas.microsoft.com/office/powerpoint/2010/main" val="1192343992"/>
       </p:ext>
     </p:extLst>
   </p:cSld>
   <p:clrMapOvr>
     <a:masterClrMapping/>
   </p:clrMapOvr>
-  <mc:AlternateContent xmlns:mc="http://schemas.openxmlformats.org/markup-compatibility/2006">
-    <mc:Choice xmlns:p14="http://schemas.microsoft.com/office/powerpoint/2010/main" Requires="p14">
-      <p:transition spd="slow" p14:dur="1500">
-        <p:split orient="vert"/>
-      </p:transition>
-    </mc:Choice>
-    <mc:Fallback>
-      <p:transition spd="slow">
-        <p:split orient="vert"/>
-      </p:transition>
-    </mc:Fallback>
-  </mc:AlternateContent>
 </p:sld>
 </file>
 
@@ -3148,8 +3817,8 @@
         </p:blipFill>
         <p:spPr>
           <a:xfrm>
-            <a:off x="4403110" y="50938"/>
-            <a:ext cx="7333335" cy="5914141"/>
+            <a:off x="411326" y="346968"/>
+            <a:ext cx="6903107" cy="5567173"/>
           </a:xfrm>
           <a:prstGeom prst="rect">
             <a:avLst/>
@@ -3175,7 +3844,7 @@
         </p:nvSpPr>
         <p:spPr>
           <a:xfrm>
-            <a:off x="648929" y="629266"/>
+            <a:off x="575286" y="-217628"/>
             <a:ext cx="3667039" cy="1676603"/>
           </a:xfrm>
         </p:spPr>
@@ -3187,7 +3856,7 @@
           <a:p>
             <a:r>
               <a:rPr lang="en-US" dirty="0"/>
-              <a:t>Data Analysis</a:t>
+              <a:t>Race</a:t>
             </a:r>
           </a:p>
         </p:txBody>
@@ -3210,7 +3879,7 @@
         </p:nvSpPr>
         <p:spPr>
           <a:xfrm>
-            <a:off x="648930" y="2438400"/>
+            <a:off x="7394011" y="1109994"/>
             <a:ext cx="3667037" cy="3785419"/>
           </a:xfrm>
         </p:spPr>
@@ -3241,15 +3910,6 @@
             <a:r>
               <a:rPr lang="en-US" sz="1700" dirty="0"/>
               <a:t>Our analysis based on Race, we found that White Non-Hispanic are in Excellent to Good Health, whereas Black and Hispanics were about average of having Good to Fair Health.</a:t>
-            </a:r>
-          </a:p>
-          <a:p>
-            <a:pPr marL="0" indent="0">
-              <a:buNone/>
-            </a:pPr>
-            <a:r>
-              <a:rPr lang="en-US" sz="1700" dirty="0"/>
-              <a:t>We were questioning why Asian and Other Non-Hispanic races were displaying low counts in all General Health categories.</a:t>
             </a:r>
           </a:p>
         </p:txBody>
@@ -3267,6 +3927,1090 @@
   <p:transition spd="slow">
     <p:wipe/>
   </p:transition>
+</p:sld>
+</file>
+
+<file path=ppt/slides/slide13.xml><?xml version="1.0" encoding="utf-8"?>
+<p:sld xmlns:a="http://schemas.openxmlformats.org/drawingml/2006/main" xmlns:r="http://schemas.openxmlformats.org/officeDocument/2006/relationships" xmlns:p="http://schemas.openxmlformats.org/presentationml/2006/main">
+  <p:cSld>
+    <p:bg>
+      <p:bgPr>
+        <a:solidFill>
+          <a:schemeClr val="bg1"/>
+        </a:solidFill>
+        <a:effectLst/>
+      </p:bgPr>
+    </p:bg>
+    <p:spTree>
+      <p:nvGrpSpPr>
+        <p:cNvPr id="1" name=""/>
+        <p:cNvGrpSpPr/>
+        <p:nvPr/>
+      </p:nvGrpSpPr>
+      <p:grpSpPr>
+        <a:xfrm>
+          <a:off x="0" y="0"/>
+          <a:ext cx="0" cy="0"/>
+          <a:chOff x="0" y="0"/>
+          <a:chExt cx="0" cy="0"/>
+        </a:xfrm>
+      </p:grpSpPr>
+      <p:pic>
+        <p:nvPicPr>
+          <p:cNvPr id="5" name="Picture 4" descr="A screenshot of a cell phone&#10;&#10;Description generated with high confidence">
+            <a:extLst>
+              <a:ext uri="{FF2B5EF4-FFF2-40B4-BE49-F238E27FC236}">
+                <a16:creationId xmlns:a16="http://schemas.microsoft.com/office/drawing/2014/main" id="{5C1D28A8-F3BE-4158-9EBF-1B8165EC219B}"/>
+              </a:ext>
+            </a:extLst>
+          </p:cNvPr>
+          <p:cNvPicPr>
+            <a:picLocks noChangeAspect="1"/>
+          </p:cNvPicPr>
+          <p:nvPr/>
+        </p:nvPicPr>
+        <p:blipFill rotWithShape="1">
+          <a:blip r:embed="rId2">
+            <a:extLst>
+              <a:ext uri="{28A0092B-C50C-407E-A947-70E740481C1C}">
+                <a14:useLocalDpi xmlns:a14="http://schemas.microsoft.com/office/drawing/2010/main" val="0"/>
+              </a:ext>
+            </a:extLst>
+          </a:blip>
+          <a:srcRect r="804" b="1"/>
+          <a:stretch/>
+        </p:blipFill>
+        <p:spPr>
+          <a:xfrm>
+            <a:off x="590134" y="486896"/>
+            <a:ext cx="6815537" cy="5422951"/>
+          </a:xfrm>
+          <a:prstGeom prst="rect">
+            <a:avLst/>
+          </a:prstGeom>
+          <a:effectLst/>
+        </p:spPr>
+      </p:pic>
+      <p:sp>
+        <p:nvSpPr>
+          <p:cNvPr id="2" name="Title 1">
+            <a:extLst>
+              <a:ext uri="{FF2B5EF4-FFF2-40B4-BE49-F238E27FC236}">
+                <a16:creationId xmlns:a16="http://schemas.microsoft.com/office/drawing/2014/main" id="{F5E0414B-A4C6-4D36-A403-2AEB39104C15}"/>
+              </a:ext>
+            </a:extLst>
+          </p:cNvPr>
+          <p:cNvSpPr>
+            <a:spLocks noGrp="1"/>
+          </p:cNvSpPr>
+          <p:nvPr>
+            <p:ph type="title"/>
+          </p:nvPr>
+        </p:nvSpPr>
+        <p:spPr>
+          <a:xfrm>
+            <a:off x="471418" y="0"/>
+            <a:ext cx="3667039" cy="1676603"/>
+          </a:xfrm>
+        </p:spPr>
+        <p:txBody>
+          <a:bodyPr>
+            <a:normAutofit/>
+          </a:bodyPr>
+          <a:lstStyle/>
+          <a:p>
+            <a:r>
+              <a:rPr lang="en-US" dirty="0"/>
+              <a:t>Environment</a:t>
+            </a:r>
+          </a:p>
+        </p:txBody>
+      </p:sp>
+      <p:sp>
+        <p:nvSpPr>
+          <p:cNvPr id="3" name="Content Placeholder 2">
+            <a:extLst>
+              <a:ext uri="{FF2B5EF4-FFF2-40B4-BE49-F238E27FC236}">
+                <a16:creationId xmlns:a16="http://schemas.microsoft.com/office/drawing/2014/main" id="{95F02679-E861-48E0-A4A4-5C6432B35A18}"/>
+              </a:ext>
+            </a:extLst>
+          </p:cNvPr>
+          <p:cNvSpPr>
+            <a:spLocks noGrp="1"/>
+          </p:cNvSpPr>
+          <p:nvPr>
+            <p:ph idx="1"/>
+          </p:nvPr>
+        </p:nvSpPr>
+        <p:spPr>
+          <a:xfrm>
+            <a:off x="7405671" y="1180333"/>
+            <a:ext cx="3667037" cy="3785419"/>
+          </a:xfrm>
+        </p:spPr>
+        <p:txBody>
+          <a:bodyPr>
+            <a:normAutofit/>
+          </a:bodyPr>
+          <a:lstStyle/>
+          <a:p>
+            <a:pPr marL="0" indent="0">
+              <a:buNone/>
+            </a:pPr>
+            <a:r>
+              <a:rPr lang="en-US" sz="1700" b="1" dirty="0"/>
+              <a:t>How does the environment influence Health state?</a:t>
+            </a:r>
+          </a:p>
+          <a:p>
+            <a:pPr marL="0" indent="0">
+              <a:buNone/>
+            </a:pPr>
+            <a:endParaRPr lang="en-US" sz="1700" dirty="0"/>
+          </a:p>
+          <a:p>
+            <a:pPr marL="0" indent="0">
+              <a:buNone/>
+            </a:pPr>
+            <a:r>
+              <a:rPr lang="en-US" sz="1700" dirty="0"/>
+              <a:t>Based on the Bar Chart of the General Health broken down by the Environment, our analysis shows individuals above the 20% Poverty Line are in Good Health.</a:t>
+            </a:r>
+          </a:p>
+          <a:p>
+            <a:pPr marL="0" indent="0">
+              <a:buNone/>
+            </a:pPr>
+            <a:endParaRPr lang="en-US" sz="1700" dirty="0"/>
+          </a:p>
+          <a:p>
+            <a:pPr marL="0" indent="0">
+              <a:buNone/>
+            </a:pPr>
+            <a:r>
+              <a:rPr lang="en-US" sz="1700" dirty="0"/>
+              <a:t>What we found interesting is that the individuals below the 10% Poverty Line had a count between 400 – 600 of Excellent to Very Good Health. </a:t>
+            </a:r>
+          </a:p>
+        </p:txBody>
+      </p:sp>
+    </p:spTree>
+    <p:extLst>
+      <p:ext uri="{BB962C8B-B14F-4D97-AF65-F5344CB8AC3E}">
+        <p14:creationId xmlns:p14="http://schemas.microsoft.com/office/powerpoint/2010/main" val="4010338325"/>
+      </p:ext>
+    </p:extLst>
+  </p:cSld>
+  <p:clrMapOvr>
+    <a:masterClrMapping/>
+  </p:clrMapOvr>
+  <mc:AlternateContent xmlns:mc="http://schemas.openxmlformats.org/markup-compatibility/2006" xmlns:p14="http://schemas.microsoft.com/office/powerpoint/2010/main">
+    <mc:Choice Requires="p14">
+      <p:transition spd="slow" p14:dur="3400">
+        <p14:reveal/>
+      </p:transition>
+    </mc:Choice>
+    <mc:Fallback xmlns="">
+      <p:transition spd="slow">
+        <p:fade/>
+      </p:transition>
+    </mc:Fallback>
+  </mc:AlternateContent>
+</p:sld>
+</file>
+
+<file path=ppt/slides/slide14.xml><?xml version="1.0" encoding="utf-8"?>
+<p:sld xmlns:a="http://schemas.openxmlformats.org/drawingml/2006/main" xmlns:r="http://schemas.openxmlformats.org/officeDocument/2006/relationships" xmlns:p="http://schemas.openxmlformats.org/presentationml/2006/main">
+  <p:cSld>
+    <p:bg>
+      <p:bgPr>
+        <a:solidFill>
+          <a:schemeClr val="bg1"/>
+        </a:solidFill>
+        <a:effectLst/>
+      </p:bgPr>
+    </p:bg>
+    <p:spTree>
+      <p:nvGrpSpPr>
+        <p:cNvPr id="1" name=""/>
+        <p:cNvGrpSpPr/>
+        <p:nvPr/>
+      </p:nvGrpSpPr>
+      <p:grpSpPr>
+        <a:xfrm>
+          <a:off x="0" y="0"/>
+          <a:ext cx="0" cy="0"/>
+          <a:chOff x="0" y="0"/>
+          <a:chExt cx="0" cy="0"/>
+        </a:xfrm>
+      </p:grpSpPr>
+      <p:pic>
+        <p:nvPicPr>
+          <p:cNvPr id="6" name="Picture 5" descr="A screenshot of a cell phone&#10;&#10;Description generated with high confidence">
+            <a:extLst>
+              <a:ext uri="{FF2B5EF4-FFF2-40B4-BE49-F238E27FC236}">
+                <a16:creationId xmlns:a16="http://schemas.microsoft.com/office/drawing/2014/main" id="{170A4C30-65DD-40A4-8BCF-FA5991F61A97}"/>
+              </a:ext>
+            </a:extLst>
+          </p:cNvPr>
+          <p:cNvPicPr>
+            <a:picLocks noChangeAspect="1"/>
+          </p:cNvPicPr>
+          <p:nvPr/>
+        </p:nvPicPr>
+        <p:blipFill rotWithShape="1">
+          <a:blip r:embed="rId2">
+            <a:extLst>
+              <a:ext uri="{28A0092B-C50C-407E-A947-70E740481C1C}">
+                <a14:useLocalDpi xmlns:a14="http://schemas.microsoft.com/office/drawing/2010/main" val="0"/>
+              </a:ext>
+            </a:extLst>
+          </a:blip>
+          <a:srcRect r="804" b="1"/>
+          <a:stretch/>
+        </p:blipFill>
+        <p:spPr>
+          <a:xfrm>
+            <a:off x="335947" y="342542"/>
+            <a:ext cx="7046759" cy="5683026"/>
+          </a:xfrm>
+          <a:prstGeom prst="rect">
+            <a:avLst/>
+          </a:prstGeom>
+          <a:effectLst/>
+        </p:spPr>
+      </p:pic>
+      <p:sp>
+        <p:nvSpPr>
+          <p:cNvPr id="2" name="Title 1">
+            <a:extLst>
+              <a:ext uri="{FF2B5EF4-FFF2-40B4-BE49-F238E27FC236}">
+                <a16:creationId xmlns:a16="http://schemas.microsoft.com/office/drawing/2014/main" id="{F5E0414B-A4C6-4D36-A403-2AEB39104C15}"/>
+              </a:ext>
+            </a:extLst>
+          </p:cNvPr>
+          <p:cNvSpPr>
+            <a:spLocks noGrp="1"/>
+          </p:cNvSpPr>
+          <p:nvPr>
+            <p:ph type="title"/>
+          </p:nvPr>
+        </p:nvSpPr>
+        <p:spPr>
+          <a:xfrm>
+            <a:off x="440274" y="-94890"/>
+            <a:ext cx="3667039" cy="1676603"/>
+          </a:xfrm>
+        </p:spPr>
+        <p:txBody>
+          <a:bodyPr>
+            <a:normAutofit/>
+          </a:bodyPr>
+          <a:lstStyle/>
+          <a:p>
+            <a:r>
+              <a:rPr lang="en-US" dirty="0"/>
+              <a:t>Education</a:t>
+            </a:r>
+          </a:p>
+        </p:txBody>
+      </p:sp>
+      <p:sp>
+        <p:nvSpPr>
+          <p:cNvPr id="3" name="Content Placeholder 2">
+            <a:extLst>
+              <a:ext uri="{FF2B5EF4-FFF2-40B4-BE49-F238E27FC236}">
+                <a16:creationId xmlns:a16="http://schemas.microsoft.com/office/drawing/2014/main" id="{95F02679-E861-48E0-A4A4-5C6432B35A18}"/>
+              </a:ext>
+            </a:extLst>
+          </p:cNvPr>
+          <p:cNvSpPr>
+            <a:spLocks noGrp="1"/>
+          </p:cNvSpPr>
+          <p:nvPr>
+            <p:ph idx="1"/>
+          </p:nvPr>
+        </p:nvSpPr>
+        <p:spPr>
+          <a:xfrm>
+            <a:off x="7487033" y="1002362"/>
+            <a:ext cx="3667037" cy="3785419"/>
+          </a:xfrm>
+        </p:spPr>
+        <p:txBody>
+          <a:bodyPr>
+            <a:normAutofit/>
+          </a:bodyPr>
+          <a:lstStyle/>
+          <a:p>
+            <a:pPr marL="0" indent="0">
+              <a:buNone/>
+            </a:pPr>
+            <a:r>
+              <a:rPr lang="en-US" sz="1700" b="1" dirty="0"/>
+              <a:t>How does a person’s education affect Health State?</a:t>
+            </a:r>
+          </a:p>
+          <a:p>
+            <a:pPr marL="0" indent="0">
+              <a:buNone/>
+            </a:pPr>
+            <a:endParaRPr lang="en-US" sz="1700" dirty="0"/>
+          </a:p>
+          <a:p>
+            <a:pPr marL="0" indent="0">
+              <a:buNone/>
+            </a:pPr>
+            <a:r>
+              <a:rPr lang="en-US" sz="1700" dirty="0"/>
+              <a:t>Our analysis based on Education, we found that great majority of individuals that are College graduates are in Excellent to Good Health.</a:t>
+            </a:r>
+          </a:p>
+          <a:p>
+            <a:pPr marL="0" indent="0">
+              <a:buNone/>
+            </a:pPr>
+            <a:r>
+              <a:rPr lang="en-US" sz="1700" dirty="0"/>
+              <a:t>According to an article on Medical News Today, the higher a person's socioeconomic status (SES), the more likely they are to enjoy good health, a good education, a well-paid job, afford good healthcare when their health is threatened.</a:t>
+            </a:r>
+          </a:p>
+        </p:txBody>
+      </p:sp>
+    </p:spTree>
+    <p:extLst>
+      <p:ext uri="{BB962C8B-B14F-4D97-AF65-F5344CB8AC3E}">
+        <p14:creationId xmlns:p14="http://schemas.microsoft.com/office/powerpoint/2010/main" val="1183249375"/>
+      </p:ext>
+    </p:extLst>
+  </p:cSld>
+  <p:clrMapOvr>
+    <a:masterClrMapping/>
+  </p:clrMapOvr>
+  <mc:AlternateContent xmlns:mc="http://schemas.openxmlformats.org/markup-compatibility/2006" xmlns:p14="http://schemas.microsoft.com/office/powerpoint/2010/main">
+    <mc:Choice Requires="p14">
+      <p:transition spd="slow" p14:dur="1500">
+        <p:split orient="vert"/>
+      </p:transition>
+    </mc:Choice>
+    <mc:Fallback xmlns="">
+      <p:transition spd="slow">
+        <p:split orient="vert"/>
+      </p:transition>
+    </mc:Fallback>
+  </mc:AlternateContent>
+</p:sld>
+</file>
+
+<file path=ppt/slides/slide15.xml><?xml version="1.0" encoding="utf-8"?>
+<p:sld xmlns:a="http://schemas.openxmlformats.org/drawingml/2006/main" xmlns:r="http://schemas.openxmlformats.org/officeDocument/2006/relationships" xmlns:p="http://schemas.openxmlformats.org/presentationml/2006/main">
+  <p:cSld>
+    <p:spTree>
+      <p:nvGrpSpPr>
+        <p:cNvPr id="1" name=""/>
+        <p:cNvGrpSpPr/>
+        <p:nvPr/>
+      </p:nvGrpSpPr>
+      <p:grpSpPr>
+        <a:xfrm>
+          <a:off x="0" y="0"/>
+          <a:ext cx="0" cy="0"/>
+          <a:chOff x="0" y="0"/>
+          <a:chExt cx="0" cy="0"/>
+        </a:xfrm>
+      </p:grpSpPr>
+      <p:sp>
+        <p:nvSpPr>
+          <p:cNvPr id="2" name="Title 1">
+            <a:extLst>
+              <a:ext uri="{FF2B5EF4-FFF2-40B4-BE49-F238E27FC236}">
+                <a16:creationId xmlns:a16="http://schemas.microsoft.com/office/drawing/2014/main" id="{5665E50D-6AC4-284F-AB71-4C2D82EED58B}"/>
+              </a:ext>
+            </a:extLst>
+          </p:cNvPr>
+          <p:cNvSpPr>
+            <a:spLocks noGrp="1"/>
+          </p:cNvSpPr>
+          <p:nvPr>
+            <p:ph type="title"/>
+          </p:nvPr>
+        </p:nvSpPr>
+        <p:spPr/>
+        <p:txBody>
+          <a:bodyPr/>
+          <a:lstStyle/>
+          <a:p>
+            <a:r>
+              <a:rPr lang="en-US" dirty="0"/>
+              <a:t>Self-Reported Health by Insurance Status</a:t>
+            </a:r>
+          </a:p>
+        </p:txBody>
+      </p:sp>
+      <p:sp>
+        <p:nvSpPr>
+          <p:cNvPr id="3" name="Content Placeholder 2">
+            <a:extLst>
+              <a:ext uri="{FF2B5EF4-FFF2-40B4-BE49-F238E27FC236}">
+                <a16:creationId xmlns:a16="http://schemas.microsoft.com/office/drawing/2014/main" id="{63C2431F-1183-714C-9779-BFFE5A4F057F}"/>
+              </a:ext>
+            </a:extLst>
+          </p:cNvPr>
+          <p:cNvSpPr>
+            <a:spLocks noGrp="1"/>
+          </p:cNvSpPr>
+          <p:nvPr>
+            <p:ph sz="half" idx="2"/>
+          </p:nvPr>
+        </p:nvSpPr>
+        <p:spPr/>
+        <p:txBody>
+          <a:bodyPr/>
+          <a:lstStyle/>
+          <a:p>
+            <a:r>
+              <a:rPr lang="en-US" dirty="0"/>
+              <a:t>Due to the Affordable Care Act most people in all categories have insurance.</a:t>
+            </a:r>
+          </a:p>
+          <a:p>
+            <a:r>
+              <a:rPr lang="en-US" dirty="0"/>
+              <a:t>It does not appear to be a strong predictor of health.</a:t>
+            </a:r>
+          </a:p>
+        </p:txBody>
+      </p:sp>
+      <p:pic>
+        <p:nvPicPr>
+          <p:cNvPr id="6" name="Picture Placeholder 5">
+            <a:extLst>
+              <a:ext uri="{FF2B5EF4-FFF2-40B4-BE49-F238E27FC236}">
+                <a16:creationId xmlns:a16="http://schemas.microsoft.com/office/drawing/2014/main" id="{8E65E8D7-FC7C-A741-A560-B8176EC1DF87}"/>
+              </a:ext>
+            </a:extLst>
+          </p:cNvPr>
+          <p:cNvPicPr>
+            <a:picLocks noGrp="1" noChangeAspect="1"/>
+          </p:cNvPicPr>
+          <p:nvPr>
+            <p:ph type="pic" idx="1"/>
+          </p:nvPr>
+        </p:nvPicPr>
+        <p:blipFill>
+          <a:blip r:embed="rId3">
+            <a:extLst>
+              <a:ext uri="{28A0092B-C50C-407E-A947-70E740481C1C}">
+                <a14:useLocalDpi xmlns:a14="http://schemas.microsoft.com/office/drawing/2010/main" val="0"/>
+              </a:ext>
+            </a:extLst>
+          </a:blip>
+          <a:srcRect/>
+          <a:stretch>
+            <a:fillRect/>
+          </a:stretch>
+        </p:blipFill>
+        <p:spPr/>
+      </p:pic>
+    </p:spTree>
+    <p:extLst>
+      <p:ext uri="{BB962C8B-B14F-4D97-AF65-F5344CB8AC3E}">
+        <p14:creationId xmlns:p14="http://schemas.microsoft.com/office/powerpoint/2010/main" val="1042771740"/>
+      </p:ext>
+    </p:extLst>
+  </p:cSld>
+  <p:clrMapOvr>
+    <a:masterClrMapping/>
+  </p:clrMapOvr>
+</p:sld>
+</file>
+
+<file path=ppt/slides/slide16.xml><?xml version="1.0" encoding="utf-8"?>
+<p:sld xmlns:a="http://schemas.openxmlformats.org/drawingml/2006/main" xmlns:r="http://schemas.openxmlformats.org/officeDocument/2006/relationships" xmlns:p="http://schemas.openxmlformats.org/presentationml/2006/main">
+  <p:cSld>
+    <p:spTree>
+      <p:nvGrpSpPr>
+        <p:cNvPr id="1" name=""/>
+        <p:cNvGrpSpPr/>
+        <p:nvPr/>
+      </p:nvGrpSpPr>
+      <p:grpSpPr>
+        <a:xfrm>
+          <a:off x="0" y="0"/>
+          <a:ext cx="0" cy="0"/>
+          <a:chOff x="0" y="0"/>
+          <a:chExt cx="0" cy="0"/>
+        </a:xfrm>
+      </p:grpSpPr>
+      <p:sp>
+        <p:nvSpPr>
+          <p:cNvPr id="15" name="Title 14">
+            <a:extLst>
+              <a:ext uri="{FF2B5EF4-FFF2-40B4-BE49-F238E27FC236}">
+                <a16:creationId xmlns:a16="http://schemas.microsoft.com/office/drawing/2014/main" id="{8315A751-6BA8-4C20-94B6-2411FD3D106B}"/>
+              </a:ext>
+            </a:extLst>
+          </p:cNvPr>
+          <p:cNvSpPr>
+            <a:spLocks noGrp="1"/>
+          </p:cNvSpPr>
+          <p:nvPr>
+            <p:ph type="title"/>
+          </p:nvPr>
+        </p:nvSpPr>
+        <p:spPr/>
+        <p:txBody>
+          <a:bodyPr/>
+          <a:lstStyle/>
+          <a:p>
+            <a:r>
+              <a:rPr lang="en-US" dirty="0"/>
+              <a:t>Fruit &amp; Vegetable Servings</a:t>
+            </a:r>
+          </a:p>
+        </p:txBody>
+      </p:sp>
+      <p:sp>
+        <p:nvSpPr>
+          <p:cNvPr id="17" name="Content Placeholder 16">
+            <a:extLst>
+              <a:ext uri="{FF2B5EF4-FFF2-40B4-BE49-F238E27FC236}">
+                <a16:creationId xmlns:a16="http://schemas.microsoft.com/office/drawing/2014/main" id="{286A55AE-A257-4DC0-BC79-2EEC6B244ED3}"/>
+              </a:ext>
+            </a:extLst>
+          </p:cNvPr>
+          <p:cNvSpPr>
+            <a:spLocks noGrp="1"/>
+          </p:cNvSpPr>
+          <p:nvPr>
+            <p:ph sz="half" idx="2"/>
+          </p:nvPr>
+        </p:nvSpPr>
+        <p:spPr>
+          <a:xfrm>
+            <a:off x="7605615" y="1250576"/>
+            <a:ext cx="4104163" cy="4572000"/>
+          </a:xfrm>
+        </p:spPr>
+        <p:txBody>
+          <a:bodyPr vert="horz" lIns="91440" tIns="45720" rIns="91440" bIns="45720" rtlCol="0">
+            <a:normAutofit/>
+          </a:bodyPr>
+          <a:lstStyle/>
+          <a:p>
+            <a:pPr marL="0" indent="0">
+              <a:buNone/>
+            </a:pPr>
+            <a:r>
+              <a:rPr lang="en-US" sz="1800" i="1" dirty="0">
+                <a:solidFill>
+                  <a:schemeClr val="bg1">
+                    <a:lumMod val="50000"/>
+                  </a:schemeClr>
+                </a:solidFill>
+              </a:rPr>
+              <a:t>How many total servings of fruit and/or vegetables did you eat yesterday? A serving would equal one medium apple, a handful of broccoli, or a cup of carrots.</a:t>
+            </a:r>
+          </a:p>
+          <a:p>
+            <a:pPr marL="0" indent="0">
+              <a:buNone/>
+            </a:pPr>
+            <a:endParaRPr lang="en-US" sz="2000" i="1" dirty="0"/>
+          </a:p>
+          <a:p>
+            <a:r>
+              <a:rPr lang="en-US" sz="2000" dirty="0"/>
+              <a:t>State of health Good or better do eat more than 5 servings of fruits &amp; vegetables.</a:t>
+            </a:r>
+          </a:p>
+          <a:p>
+            <a:r>
+              <a:rPr lang="en-US" sz="2000" dirty="0"/>
+              <a:t>Also have a higher portion of 1-4 servings.</a:t>
+            </a:r>
+          </a:p>
+          <a:p>
+            <a:pPr marL="0" indent="0">
+              <a:buNone/>
+            </a:pPr>
+            <a:endParaRPr lang="en-US" sz="2000" i="1" dirty="0"/>
+          </a:p>
+        </p:txBody>
+      </p:sp>
+      <p:pic>
+        <p:nvPicPr>
+          <p:cNvPr id="14" name="Picture 13">
+            <a:extLst>
+              <a:ext uri="{FF2B5EF4-FFF2-40B4-BE49-F238E27FC236}">
+                <a16:creationId xmlns:a16="http://schemas.microsoft.com/office/drawing/2014/main" id="{D386956F-ED4B-411D-9323-C035160ED80C}"/>
+              </a:ext>
+            </a:extLst>
+          </p:cNvPr>
+          <p:cNvPicPr>
+            <a:picLocks noChangeAspect="1"/>
+          </p:cNvPicPr>
+          <p:nvPr/>
+        </p:nvPicPr>
+        <p:blipFill>
+          <a:blip r:embed="rId2">
+            <a:extLst>
+              <a:ext uri="{28A0092B-C50C-407E-A947-70E740481C1C}">
+                <a14:useLocalDpi xmlns:a14="http://schemas.microsoft.com/office/drawing/2010/main" val="0"/>
+              </a:ext>
+            </a:extLst>
+          </a:blip>
+          <a:stretch>
+            <a:fillRect/>
+          </a:stretch>
+        </p:blipFill>
+        <p:spPr>
+          <a:xfrm>
+            <a:off x="696036" y="1267574"/>
+            <a:ext cx="6400800" cy="4686300"/>
+          </a:xfrm>
+          <a:prstGeom prst="rect">
+            <a:avLst/>
+          </a:prstGeom>
+          <a:ln w="12700">
+            <a:solidFill>
+              <a:schemeClr val="bg1">
+                <a:lumMod val="50000"/>
+              </a:schemeClr>
+            </a:solidFill>
+            <a:prstDash val="sysDot"/>
+          </a:ln>
+        </p:spPr>
+      </p:pic>
+    </p:spTree>
+    <p:extLst>
+      <p:ext uri="{BB962C8B-B14F-4D97-AF65-F5344CB8AC3E}">
+        <p14:creationId xmlns:p14="http://schemas.microsoft.com/office/powerpoint/2010/main" val="3277624395"/>
+      </p:ext>
+    </p:extLst>
+  </p:cSld>
+  <p:clrMapOvr>
+    <a:masterClrMapping/>
+  </p:clrMapOvr>
+</p:sld>
+</file>
+
+<file path=ppt/slides/slide17.xml><?xml version="1.0" encoding="utf-8"?>
+<p:sld xmlns:a="http://schemas.openxmlformats.org/drawingml/2006/main" xmlns:r="http://schemas.openxmlformats.org/officeDocument/2006/relationships" xmlns:p="http://schemas.openxmlformats.org/presentationml/2006/main">
+  <p:cSld>
+    <p:spTree>
+      <p:nvGrpSpPr>
+        <p:cNvPr id="1" name=""/>
+        <p:cNvGrpSpPr/>
+        <p:nvPr/>
+      </p:nvGrpSpPr>
+      <p:grpSpPr>
+        <a:xfrm>
+          <a:off x="0" y="0"/>
+          <a:ext cx="0" cy="0"/>
+          <a:chOff x="0" y="0"/>
+          <a:chExt cx="0" cy="0"/>
+        </a:xfrm>
+      </p:grpSpPr>
+      <p:sp>
+        <p:nvSpPr>
+          <p:cNvPr id="15" name="Title 14">
+            <a:extLst>
+              <a:ext uri="{FF2B5EF4-FFF2-40B4-BE49-F238E27FC236}">
+                <a16:creationId xmlns:a16="http://schemas.microsoft.com/office/drawing/2014/main" id="{8315A751-6BA8-4C20-94B6-2411FD3D106B}"/>
+              </a:ext>
+            </a:extLst>
+          </p:cNvPr>
+          <p:cNvSpPr>
+            <a:spLocks noGrp="1"/>
+          </p:cNvSpPr>
+          <p:nvPr>
+            <p:ph type="title"/>
+          </p:nvPr>
+        </p:nvSpPr>
+        <p:spPr/>
+        <p:txBody>
+          <a:bodyPr/>
+          <a:lstStyle/>
+          <a:p>
+            <a:r>
+              <a:rPr lang="en-US" dirty="0"/>
+              <a:t>Exercise</a:t>
+            </a:r>
+          </a:p>
+        </p:txBody>
+      </p:sp>
+      <p:sp>
+        <p:nvSpPr>
+          <p:cNvPr id="17" name="Content Placeholder 16">
+            <a:extLst>
+              <a:ext uri="{FF2B5EF4-FFF2-40B4-BE49-F238E27FC236}">
+                <a16:creationId xmlns:a16="http://schemas.microsoft.com/office/drawing/2014/main" id="{286A55AE-A257-4DC0-BC79-2EEC6B244ED3}"/>
+              </a:ext>
+            </a:extLst>
+          </p:cNvPr>
+          <p:cNvSpPr>
+            <a:spLocks noGrp="1"/>
+          </p:cNvSpPr>
+          <p:nvPr>
+            <p:ph sz="half" idx="2"/>
+          </p:nvPr>
+        </p:nvSpPr>
+        <p:spPr>
+          <a:xfrm>
+            <a:off x="7605616" y="1250576"/>
+            <a:ext cx="3890348" cy="5122928"/>
+          </a:xfrm>
+        </p:spPr>
+        <p:txBody>
+          <a:bodyPr>
+            <a:normAutofit/>
+          </a:bodyPr>
+          <a:lstStyle/>
+          <a:p>
+            <a:pPr marL="0" indent="0">
+              <a:buNone/>
+            </a:pPr>
+            <a:r>
+              <a:rPr lang="en-US" sz="1800" i="1" dirty="0">
+                <a:solidFill>
+                  <a:schemeClr val="bg1">
+                    <a:lumMod val="50000"/>
+                  </a:schemeClr>
+                </a:solidFill>
+              </a:rPr>
+              <a:t>During the past 30 days, other than your regular job, did you participate in any physical activities or exercises such as running, calisthenics, golf, gardening, or walking for exercise?</a:t>
+            </a:r>
+          </a:p>
+          <a:p>
+            <a:pPr marL="0" indent="0">
+              <a:buNone/>
+            </a:pPr>
+            <a:endParaRPr lang="en-US" sz="2000" i="1" dirty="0"/>
+          </a:p>
+          <a:p>
+            <a:r>
+              <a:rPr lang="en-US" sz="2000" dirty="0"/>
+              <a:t>Majority did get some type of physical activity but need more information on the frequency.</a:t>
+            </a:r>
+          </a:p>
+          <a:p>
+            <a:r>
+              <a:rPr lang="en-US" sz="2000" dirty="0"/>
+              <a:t>Those that exercise do consider themselves health.</a:t>
+            </a:r>
+          </a:p>
+          <a:p>
+            <a:r>
+              <a:rPr lang="en-US" sz="2000" dirty="0"/>
+              <a:t>Portion of No are slightly larger with the Fair  and Poor groups</a:t>
+            </a:r>
+          </a:p>
+        </p:txBody>
+      </p:sp>
+      <p:pic>
+        <p:nvPicPr>
+          <p:cNvPr id="3" name="Picture 2">
+            <a:extLst>
+              <a:ext uri="{FF2B5EF4-FFF2-40B4-BE49-F238E27FC236}">
+                <a16:creationId xmlns:a16="http://schemas.microsoft.com/office/drawing/2014/main" id="{2003A639-5F7B-4848-AEF6-4FF9FBBBC0D9}"/>
+              </a:ext>
+            </a:extLst>
+          </p:cNvPr>
+          <p:cNvPicPr>
+            <a:picLocks noChangeAspect="1"/>
+          </p:cNvPicPr>
+          <p:nvPr/>
+        </p:nvPicPr>
+        <p:blipFill>
+          <a:blip r:embed="rId2">
+            <a:extLst>
+              <a:ext uri="{28A0092B-C50C-407E-A947-70E740481C1C}">
+                <a14:useLocalDpi xmlns:a14="http://schemas.microsoft.com/office/drawing/2010/main" val="0"/>
+              </a:ext>
+            </a:extLst>
+          </a:blip>
+          <a:stretch>
+            <a:fillRect/>
+          </a:stretch>
+        </p:blipFill>
+        <p:spPr>
+          <a:xfrm>
+            <a:off x="696036" y="1250576"/>
+            <a:ext cx="6400800" cy="4686301"/>
+          </a:xfrm>
+          <a:prstGeom prst="rect">
+            <a:avLst/>
+          </a:prstGeom>
+          <a:ln w="12700">
+            <a:solidFill>
+              <a:schemeClr val="bg1">
+                <a:lumMod val="50000"/>
+              </a:schemeClr>
+            </a:solidFill>
+            <a:prstDash val="sysDot"/>
+          </a:ln>
+        </p:spPr>
+      </p:pic>
+    </p:spTree>
+    <p:extLst>
+      <p:ext uri="{BB962C8B-B14F-4D97-AF65-F5344CB8AC3E}">
+        <p14:creationId xmlns:p14="http://schemas.microsoft.com/office/powerpoint/2010/main" val="184619354"/>
+      </p:ext>
+    </p:extLst>
+  </p:cSld>
+  <p:clrMapOvr>
+    <a:masterClrMapping/>
+  </p:clrMapOvr>
+</p:sld>
+</file>
+
+<file path=ppt/slides/slide18.xml><?xml version="1.0" encoding="utf-8"?>
+<p:sld xmlns:a="http://schemas.openxmlformats.org/drawingml/2006/main" xmlns:r="http://schemas.openxmlformats.org/officeDocument/2006/relationships" xmlns:p="http://schemas.openxmlformats.org/presentationml/2006/main">
+  <p:cSld>
+    <p:spTree>
+      <p:nvGrpSpPr>
+        <p:cNvPr id="1" name=""/>
+        <p:cNvGrpSpPr/>
+        <p:nvPr/>
+      </p:nvGrpSpPr>
+      <p:grpSpPr>
+        <a:xfrm>
+          <a:off x="0" y="0"/>
+          <a:ext cx="0" cy="0"/>
+          <a:chOff x="0" y="0"/>
+          <a:chExt cx="0" cy="0"/>
+        </a:xfrm>
+      </p:grpSpPr>
+      <p:sp>
+        <p:nvSpPr>
+          <p:cNvPr id="2" name="Title 1">
+            <a:extLst>
+              <a:ext uri="{FF2B5EF4-FFF2-40B4-BE49-F238E27FC236}">
+                <a16:creationId xmlns:a16="http://schemas.microsoft.com/office/drawing/2014/main" id="{9DEC3BFF-AEF2-3748-B64B-CDA8F28B8F24}"/>
+              </a:ext>
+            </a:extLst>
+          </p:cNvPr>
+          <p:cNvSpPr>
+            <a:spLocks noGrp="1"/>
+          </p:cNvSpPr>
+          <p:nvPr>
+            <p:ph type="title"/>
+          </p:nvPr>
+        </p:nvSpPr>
+        <p:spPr/>
+        <p:txBody>
+          <a:bodyPr/>
+          <a:lstStyle/>
+          <a:p>
+            <a:r>
+              <a:rPr lang="en-US" dirty="0"/>
+              <a:t>Self-Reported Health by Smoker Status</a:t>
+            </a:r>
+          </a:p>
+        </p:txBody>
+      </p:sp>
+      <p:sp>
+        <p:nvSpPr>
+          <p:cNvPr id="3" name="Content Placeholder 2">
+            <a:extLst>
+              <a:ext uri="{FF2B5EF4-FFF2-40B4-BE49-F238E27FC236}">
+                <a16:creationId xmlns:a16="http://schemas.microsoft.com/office/drawing/2014/main" id="{B287DB52-4641-924D-A091-4DEEA17A2E88}"/>
+              </a:ext>
+            </a:extLst>
+          </p:cNvPr>
+          <p:cNvSpPr>
+            <a:spLocks noGrp="1"/>
+          </p:cNvSpPr>
+          <p:nvPr>
+            <p:ph sz="half" idx="2"/>
+          </p:nvPr>
+        </p:nvSpPr>
+        <p:spPr/>
+        <p:txBody>
+          <a:bodyPr/>
+          <a:lstStyle/>
+          <a:p>
+            <a:r>
+              <a:rPr lang="en-US" dirty="0"/>
+              <a:t>Many Smokers believe they are in good health.</a:t>
+            </a:r>
+          </a:p>
+          <a:p>
+            <a:r>
+              <a:rPr lang="en-US" dirty="0"/>
+              <a:t>However they dominate the poor and fair health categories.</a:t>
+            </a:r>
+          </a:p>
+        </p:txBody>
+      </p:sp>
+      <p:pic>
+        <p:nvPicPr>
+          <p:cNvPr id="6" name="Picture Placeholder 5">
+            <a:extLst>
+              <a:ext uri="{FF2B5EF4-FFF2-40B4-BE49-F238E27FC236}">
+                <a16:creationId xmlns:a16="http://schemas.microsoft.com/office/drawing/2014/main" id="{BCA99D3D-FA08-BC48-A527-2BE5441032C5}"/>
+              </a:ext>
+            </a:extLst>
+          </p:cNvPr>
+          <p:cNvPicPr>
+            <a:picLocks noGrp="1" noChangeAspect="1"/>
+          </p:cNvPicPr>
+          <p:nvPr>
+            <p:ph type="pic" idx="1"/>
+          </p:nvPr>
+        </p:nvPicPr>
+        <p:blipFill>
+          <a:blip r:embed="rId2">
+            <a:extLst>
+              <a:ext uri="{28A0092B-C50C-407E-A947-70E740481C1C}">
+                <a14:useLocalDpi xmlns:a14="http://schemas.microsoft.com/office/drawing/2010/main" val="0"/>
+              </a:ext>
+            </a:extLst>
+          </a:blip>
+          <a:srcRect/>
+          <a:stretch>
+            <a:fillRect/>
+          </a:stretch>
+        </p:blipFill>
+        <p:spPr/>
+      </p:pic>
+    </p:spTree>
+    <p:extLst>
+      <p:ext uri="{BB962C8B-B14F-4D97-AF65-F5344CB8AC3E}">
+        <p14:creationId xmlns:p14="http://schemas.microsoft.com/office/powerpoint/2010/main" val="943532631"/>
+      </p:ext>
+    </p:extLst>
+  </p:cSld>
+  <p:clrMapOvr>
+    <a:masterClrMapping/>
+  </p:clrMapOvr>
+</p:sld>
+</file>
+
+<file path=ppt/slides/slide19.xml><?xml version="1.0" encoding="utf-8"?>
+<p:sld xmlns:a="http://schemas.openxmlformats.org/drawingml/2006/main" xmlns:r="http://schemas.openxmlformats.org/officeDocument/2006/relationships" xmlns:p="http://schemas.openxmlformats.org/presentationml/2006/main">
+  <p:cSld>
+    <p:spTree>
+      <p:nvGrpSpPr>
+        <p:cNvPr id="1" name=""/>
+        <p:cNvGrpSpPr/>
+        <p:nvPr/>
+      </p:nvGrpSpPr>
+      <p:grpSpPr>
+        <a:xfrm>
+          <a:off x="0" y="0"/>
+          <a:ext cx="0" cy="0"/>
+          <a:chOff x="0" y="0"/>
+          <a:chExt cx="0" cy="0"/>
+        </a:xfrm>
+      </p:grpSpPr>
+      <p:sp>
+        <p:nvSpPr>
+          <p:cNvPr id="2" name="Title 1">
+            <a:extLst>
+              <a:ext uri="{FF2B5EF4-FFF2-40B4-BE49-F238E27FC236}">
+                <a16:creationId xmlns:a16="http://schemas.microsoft.com/office/drawing/2014/main" id="{32F7AF91-B762-254B-A103-446C9EC3C190}"/>
+              </a:ext>
+            </a:extLst>
+          </p:cNvPr>
+          <p:cNvSpPr>
+            <a:spLocks noGrp="1"/>
+          </p:cNvSpPr>
+          <p:nvPr>
+            <p:ph type="title"/>
+          </p:nvPr>
+        </p:nvSpPr>
+        <p:spPr/>
+        <p:txBody>
+          <a:bodyPr/>
+          <a:lstStyle/>
+          <a:p>
+            <a:r>
+              <a:rPr lang="en-US" dirty="0"/>
+              <a:t>Self-Reported Health by Drinker Status</a:t>
+            </a:r>
+          </a:p>
+        </p:txBody>
+      </p:sp>
+      <p:sp>
+        <p:nvSpPr>
+          <p:cNvPr id="3" name="Content Placeholder 2">
+            <a:extLst>
+              <a:ext uri="{FF2B5EF4-FFF2-40B4-BE49-F238E27FC236}">
+                <a16:creationId xmlns:a16="http://schemas.microsoft.com/office/drawing/2014/main" id="{16FB7F63-421A-FF4E-8F7B-37A1C92A6D0F}"/>
+              </a:ext>
+            </a:extLst>
+          </p:cNvPr>
+          <p:cNvSpPr>
+            <a:spLocks noGrp="1"/>
+          </p:cNvSpPr>
+          <p:nvPr>
+            <p:ph sz="half" idx="2"/>
+          </p:nvPr>
+        </p:nvSpPr>
+        <p:spPr/>
+        <p:txBody>
+          <a:bodyPr/>
+          <a:lstStyle/>
+          <a:p>
+            <a:r>
+              <a:rPr lang="en-US" dirty="0"/>
+              <a:t>The distribution for drinkers is similar to smokers.</a:t>
+            </a:r>
+          </a:p>
+          <a:p>
+            <a:endParaRPr lang="en-US" dirty="0"/>
+          </a:p>
+          <a:p>
+            <a:r>
+              <a:rPr lang="en-US" dirty="0"/>
+              <a:t>Perhaps a strong correlation between smoking and drinking.</a:t>
+            </a:r>
+          </a:p>
+        </p:txBody>
+      </p:sp>
+      <p:pic>
+        <p:nvPicPr>
+          <p:cNvPr id="6" name="Picture Placeholder 5">
+            <a:extLst>
+              <a:ext uri="{FF2B5EF4-FFF2-40B4-BE49-F238E27FC236}">
+                <a16:creationId xmlns:a16="http://schemas.microsoft.com/office/drawing/2014/main" id="{3B5B6F44-2F58-284D-973B-C387E91C29B8}"/>
+              </a:ext>
+            </a:extLst>
+          </p:cNvPr>
+          <p:cNvPicPr>
+            <a:picLocks noGrp="1" noChangeAspect="1"/>
+          </p:cNvPicPr>
+          <p:nvPr>
+            <p:ph type="pic" idx="1"/>
+          </p:nvPr>
+        </p:nvPicPr>
+        <p:blipFill>
+          <a:blip r:embed="rId2">
+            <a:extLst>
+              <a:ext uri="{28A0092B-C50C-407E-A947-70E740481C1C}">
+                <a14:useLocalDpi xmlns:a14="http://schemas.microsoft.com/office/drawing/2010/main" val="0"/>
+              </a:ext>
+            </a:extLst>
+          </a:blip>
+          <a:srcRect/>
+          <a:stretch>
+            <a:fillRect/>
+          </a:stretch>
+        </p:blipFill>
+        <p:spPr/>
+      </p:pic>
+    </p:spTree>
+    <p:extLst>
+      <p:ext uri="{BB962C8B-B14F-4D97-AF65-F5344CB8AC3E}">
+        <p14:creationId xmlns:p14="http://schemas.microsoft.com/office/powerpoint/2010/main" val="3027875233"/>
+      </p:ext>
+    </p:extLst>
+  </p:cSld>
+  <p:clrMapOvr>
+    <a:masterClrMapping/>
+  </p:clrMapOvr>
 </p:sld>
 </file>
 
@@ -3438,7 +5182,7 @@
           </p:nvPr>
         </p:nvPicPr>
         <p:blipFill>
-          <a:blip r:embed="rId2">
+          <a:blip r:embed="rId3">
             <a:extLst>
               <a:ext uri="{28A0092B-C50C-407E-A947-70E740481C1C}">
                 <a14:useLocalDpi xmlns:a14="http://schemas.microsoft.com/office/drawing/2010/main" val="0"/>
@@ -3542,13 +5286,13 @@
   <p:clrMapOvr>
     <a:masterClrMapping/>
   </p:clrMapOvr>
-  <mc:AlternateContent xmlns:mc="http://schemas.openxmlformats.org/markup-compatibility/2006">
-    <mc:Choice xmlns:p14="http://schemas.microsoft.com/office/powerpoint/2010/main" Requires="p14">
+  <mc:AlternateContent xmlns:mc="http://schemas.openxmlformats.org/markup-compatibility/2006" xmlns:p14="http://schemas.microsoft.com/office/powerpoint/2010/main">
+    <mc:Choice Requires="p14">
       <p:transition spd="slow" p14:dur="3400">
         <p14:reveal/>
       </p:transition>
     </mc:Choice>
-    <mc:Fallback>
+    <mc:Fallback xmlns="">
       <p:transition spd="slow">
         <p:fade/>
       </p:transition>
@@ -3557,803 +5301,7 @@
 </p:sld>
 </file>
 
-<file path=ppt/slides/slide3.xml><?xml version="1.0" encoding="utf-8"?>
-<p:sld xmlns:a="http://schemas.openxmlformats.org/drawingml/2006/main" xmlns:r="http://schemas.openxmlformats.org/officeDocument/2006/relationships" xmlns:p="http://schemas.openxmlformats.org/presentationml/2006/main">
-  <p:cSld>
-    <p:spTree>
-      <p:nvGrpSpPr>
-        <p:cNvPr id="1" name=""/>
-        <p:cNvGrpSpPr/>
-        <p:nvPr/>
-      </p:nvGrpSpPr>
-      <p:grpSpPr>
-        <a:xfrm>
-          <a:off x="0" y="0"/>
-          <a:ext cx="0" cy="0"/>
-          <a:chOff x="0" y="0"/>
-          <a:chExt cx="0" cy="0"/>
-        </a:xfrm>
-      </p:grpSpPr>
-      <p:sp>
-        <p:nvSpPr>
-          <p:cNvPr id="2" name="Title 1">
-            <a:extLst>
-              <a:ext uri="{FF2B5EF4-FFF2-40B4-BE49-F238E27FC236}">
-                <a16:creationId xmlns:a16="http://schemas.microsoft.com/office/drawing/2014/main" id="{B1F953FD-3655-4BF8-A79D-F6F7B49B7C91}"/>
-              </a:ext>
-            </a:extLst>
-          </p:cNvPr>
-          <p:cNvSpPr>
-            <a:spLocks noGrp="1"/>
-          </p:cNvSpPr>
-          <p:nvPr>
-            <p:ph type="title"/>
-          </p:nvPr>
-        </p:nvSpPr>
-        <p:spPr/>
-        <p:txBody>
-          <a:bodyPr/>
-          <a:lstStyle/>
-          <a:p>
-            <a:r>
-              <a:rPr lang="en-US" dirty="0"/>
-              <a:t>Health depends on a wide range of factors</a:t>
-            </a:r>
-          </a:p>
-        </p:txBody>
-      </p:sp>
-      <p:sp>
-        <p:nvSpPr>
-          <p:cNvPr id="3" name="Content Placeholder 2">
-            <a:extLst>
-              <a:ext uri="{FF2B5EF4-FFF2-40B4-BE49-F238E27FC236}">
-                <a16:creationId xmlns:a16="http://schemas.microsoft.com/office/drawing/2014/main" id="{626E2E25-5967-41FB-A67B-9F47FC8B1555}"/>
-              </a:ext>
-            </a:extLst>
-          </p:cNvPr>
-          <p:cNvSpPr>
-            <a:spLocks noGrp="1"/>
-          </p:cNvSpPr>
-          <p:nvPr>
-            <p:ph idx="1"/>
-          </p:nvPr>
-        </p:nvSpPr>
-        <p:spPr/>
-        <p:txBody>
-          <a:bodyPr/>
-          <a:lstStyle/>
-          <a:p>
-            <a:r>
-              <a:rPr lang="en-US" dirty="0"/>
-              <a:t>The social and economic environment: Including how wealthy a family or community is</a:t>
-            </a:r>
-          </a:p>
-          <a:p>
-            <a:pPr marL="0" indent="0">
-              <a:buNone/>
-            </a:pPr>
-            <a:endParaRPr lang="en-US" dirty="0"/>
-          </a:p>
-          <a:p>
-            <a:r>
-              <a:rPr lang="en-US" dirty="0"/>
-              <a:t>The person's characteristics and behaviors: Including the genes that a person is born with and their lifestyle choices</a:t>
-            </a:r>
-          </a:p>
-          <a:p>
-            <a:pPr marL="0" indent="0">
-              <a:buNone/>
-            </a:pPr>
-            <a:endParaRPr lang="en-US" dirty="0"/>
-          </a:p>
-          <a:p>
-            <a:r>
-              <a:rPr lang="en-US" dirty="0"/>
-              <a:t>Income</a:t>
-            </a:r>
-          </a:p>
-          <a:p>
-            <a:pPr marL="0" indent="0">
-              <a:buNone/>
-            </a:pPr>
-            <a:endParaRPr lang="en-US" dirty="0"/>
-          </a:p>
-          <a:p>
-            <a:r>
-              <a:rPr lang="en-US" dirty="0"/>
-              <a:t>Education Level</a:t>
-            </a:r>
-          </a:p>
-        </p:txBody>
-      </p:sp>
-    </p:spTree>
-    <p:extLst>
-      <p:ext uri="{BB962C8B-B14F-4D97-AF65-F5344CB8AC3E}">
-        <p14:creationId xmlns:p14="http://schemas.microsoft.com/office/powerpoint/2010/main" val="419262541"/>
-      </p:ext>
-    </p:extLst>
-  </p:cSld>
-  <p:clrMapOvr>
-    <a:masterClrMapping/>
-  </p:clrMapOvr>
-  <mc:AlternateContent xmlns:mc="http://schemas.openxmlformats.org/markup-compatibility/2006">
-    <mc:Choice xmlns:p159="http://schemas.microsoft.com/office/powerpoint/2015/09/main" Requires="p159">
-      <p:transition xmlns:p14="http://schemas.microsoft.com/office/powerpoint/2010/main" spd="slow" p14:dur="2000">
-        <p159:morph option="byObject"/>
-      </p:transition>
-    </mc:Choice>
-    <mc:Fallback>
-      <p:transition spd="slow">
-        <p:fade/>
-      </p:transition>
-    </mc:Fallback>
-  </mc:AlternateContent>
-  <p:timing>
-    <p:tnLst>
-      <p:par>
-        <p:cTn id="1" dur="indefinite" restart="never" nodeType="tmRoot">
-          <p:childTnLst>
-            <p:seq concurrent="1" nextAc="seek">
-              <p:cTn id="2" dur="indefinite" nodeType="mainSeq">
-                <p:childTnLst>
-                  <p:par>
-                    <p:cTn id="3" fill="hold">
-                      <p:stCondLst>
-                        <p:cond delay="indefinite"/>
-                      </p:stCondLst>
-                      <p:childTnLst>
-                        <p:par>
-                          <p:cTn id="4" fill="hold">
-                            <p:stCondLst>
-                              <p:cond delay="0"/>
-                            </p:stCondLst>
-                            <p:childTnLst>
-                              <p:par>
-                                <p:cTn id="5" presetID="10" presetClass="entr" presetSubtype="0" fill="hold" nodeType="clickEffect">
-                                  <p:stCondLst>
-                                    <p:cond delay="0"/>
-                                  </p:stCondLst>
-                                  <p:childTnLst>
-                                    <p:set>
-                                      <p:cBhvr>
-                                        <p:cTn id="6" dur="1" fill="hold">
-                                          <p:stCondLst>
-                                            <p:cond delay="0"/>
-                                          </p:stCondLst>
-                                        </p:cTn>
-                                        <p:tgtEl>
-                                          <p:spTgt spid="3">
-                                            <p:txEl>
-                                              <p:pRg st="0" end="0"/>
-                                            </p:txEl>
-                                          </p:spTgt>
-                                        </p:tgtEl>
-                                        <p:attrNameLst>
-                                          <p:attrName>style.visibility</p:attrName>
-                                        </p:attrNameLst>
-                                      </p:cBhvr>
-                                      <p:to>
-                                        <p:strVal val="visible"/>
-                                      </p:to>
-                                    </p:set>
-                                    <p:animEffect transition="in" filter="fade">
-                                      <p:cBhvr>
-                                        <p:cTn id="7" dur="500"/>
-                                        <p:tgtEl>
-                                          <p:spTgt spid="3">
-                                            <p:txEl>
-                                              <p:pRg st="0" end="0"/>
-                                            </p:txEl>
-                                          </p:spTgt>
-                                        </p:tgtEl>
-                                      </p:cBhvr>
-                                    </p:animEffect>
-                                  </p:childTnLst>
-                                </p:cTn>
-                              </p:par>
-                            </p:childTnLst>
-                          </p:cTn>
-                        </p:par>
-                      </p:childTnLst>
-                    </p:cTn>
-                  </p:par>
-                  <p:par>
-                    <p:cTn id="8" fill="hold">
-                      <p:stCondLst>
-                        <p:cond delay="indefinite"/>
-                      </p:stCondLst>
-                      <p:childTnLst>
-                        <p:par>
-                          <p:cTn id="9" fill="hold">
-                            <p:stCondLst>
-                              <p:cond delay="0"/>
-                            </p:stCondLst>
-                            <p:childTnLst>
-                              <p:par>
-                                <p:cTn id="10" presetID="10" presetClass="entr" presetSubtype="0" fill="hold" nodeType="clickEffect">
-                                  <p:stCondLst>
-                                    <p:cond delay="0"/>
-                                  </p:stCondLst>
-                                  <p:childTnLst>
-                                    <p:set>
-                                      <p:cBhvr>
-                                        <p:cTn id="11" dur="1" fill="hold">
-                                          <p:stCondLst>
-                                            <p:cond delay="0"/>
-                                          </p:stCondLst>
-                                        </p:cTn>
-                                        <p:tgtEl>
-                                          <p:spTgt spid="3">
-                                            <p:txEl>
-                                              <p:pRg st="2" end="2"/>
-                                            </p:txEl>
-                                          </p:spTgt>
-                                        </p:tgtEl>
-                                        <p:attrNameLst>
-                                          <p:attrName>style.visibility</p:attrName>
-                                        </p:attrNameLst>
-                                      </p:cBhvr>
-                                      <p:to>
-                                        <p:strVal val="visible"/>
-                                      </p:to>
-                                    </p:set>
-                                    <p:animEffect transition="in" filter="fade">
-                                      <p:cBhvr>
-                                        <p:cTn id="12" dur="500"/>
-                                        <p:tgtEl>
-                                          <p:spTgt spid="3">
-                                            <p:txEl>
-                                              <p:pRg st="2" end="2"/>
-                                            </p:txEl>
-                                          </p:spTgt>
-                                        </p:tgtEl>
-                                      </p:cBhvr>
-                                    </p:animEffect>
-                                  </p:childTnLst>
-                                </p:cTn>
-                              </p:par>
-                            </p:childTnLst>
-                          </p:cTn>
-                        </p:par>
-                      </p:childTnLst>
-                    </p:cTn>
-                  </p:par>
-                  <p:par>
-                    <p:cTn id="13" fill="hold">
-                      <p:stCondLst>
-                        <p:cond delay="indefinite"/>
-                      </p:stCondLst>
-                      <p:childTnLst>
-                        <p:par>
-                          <p:cTn id="14" fill="hold">
-                            <p:stCondLst>
-                              <p:cond delay="0"/>
-                            </p:stCondLst>
-                            <p:childTnLst>
-                              <p:par>
-                                <p:cTn id="15" presetID="10" presetClass="entr" presetSubtype="0" fill="hold" nodeType="clickEffect">
-                                  <p:stCondLst>
-                                    <p:cond delay="0"/>
-                                  </p:stCondLst>
-                                  <p:childTnLst>
-                                    <p:set>
-                                      <p:cBhvr>
-                                        <p:cTn id="16" dur="1" fill="hold">
-                                          <p:stCondLst>
-                                            <p:cond delay="0"/>
-                                          </p:stCondLst>
-                                        </p:cTn>
-                                        <p:tgtEl>
-                                          <p:spTgt spid="3">
-                                            <p:txEl>
-                                              <p:pRg st="4" end="4"/>
-                                            </p:txEl>
-                                          </p:spTgt>
-                                        </p:tgtEl>
-                                        <p:attrNameLst>
-                                          <p:attrName>style.visibility</p:attrName>
-                                        </p:attrNameLst>
-                                      </p:cBhvr>
-                                      <p:to>
-                                        <p:strVal val="visible"/>
-                                      </p:to>
-                                    </p:set>
-                                    <p:animEffect transition="in" filter="fade">
-                                      <p:cBhvr>
-                                        <p:cTn id="17" dur="500"/>
-                                        <p:tgtEl>
-                                          <p:spTgt spid="3">
-                                            <p:txEl>
-                                              <p:pRg st="4" end="4"/>
-                                            </p:txEl>
-                                          </p:spTgt>
-                                        </p:tgtEl>
-                                      </p:cBhvr>
-                                    </p:animEffect>
-                                  </p:childTnLst>
-                                </p:cTn>
-                              </p:par>
-                            </p:childTnLst>
-                          </p:cTn>
-                        </p:par>
-                      </p:childTnLst>
-                    </p:cTn>
-                  </p:par>
-                  <p:par>
-                    <p:cTn id="18" fill="hold">
-                      <p:stCondLst>
-                        <p:cond delay="indefinite"/>
-                      </p:stCondLst>
-                      <p:childTnLst>
-                        <p:par>
-                          <p:cTn id="19" fill="hold">
-                            <p:stCondLst>
-                              <p:cond delay="0"/>
-                            </p:stCondLst>
-                            <p:childTnLst>
-                              <p:par>
-                                <p:cTn id="20" presetID="10" presetClass="entr" presetSubtype="0" fill="hold" nodeType="clickEffect">
-                                  <p:stCondLst>
-                                    <p:cond delay="0"/>
-                                  </p:stCondLst>
-                                  <p:childTnLst>
-                                    <p:set>
-                                      <p:cBhvr>
-                                        <p:cTn id="21" dur="1" fill="hold">
-                                          <p:stCondLst>
-                                            <p:cond delay="0"/>
-                                          </p:stCondLst>
-                                        </p:cTn>
-                                        <p:tgtEl>
-                                          <p:spTgt spid="3">
-                                            <p:txEl>
-                                              <p:pRg st="6" end="6"/>
-                                            </p:txEl>
-                                          </p:spTgt>
-                                        </p:tgtEl>
-                                        <p:attrNameLst>
-                                          <p:attrName>style.visibility</p:attrName>
-                                        </p:attrNameLst>
-                                      </p:cBhvr>
-                                      <p:to>
-                                        <p:strVal val="visible"/>
-                                      </p:to>
-                                    </p:set>
-                                    <p:animEffect transition="in" filter="fade">
-                                      <p:cBhvr>
-                                        <p:cTn id="22" dur="500"/>
-                                        <p:tgtEl>
-                                          <p:spTgt spid="3">
-                                            <p:txEl>
-                                              <p:pRg st="6" end="6"/>
-                                            </p:txEl>
-                                          </p:spTgt>
-                                        </p:tgtEl>
-                                      </p:cBhvr>
-                                    </p:animEffect>
-                                  </p:childTnLst>
-                                </p:cTn>
-                              </p:par>
-                            </p:childTnLst>
-                          </p:cTn>
-                        </p:par>
-                      </p:childTnLst>
-                    </p:cTn>
-                  </p:par>
-                </p:childTnLst>
-              </p:cTn>
-              <p:prevCondLst>
-                <p:cond evt="onPrev" delay="0">
-                  <p:tgtEl>
-                    <p:sldTgt/>
-                  </p:tgtEl>
-                </p:cond>
-              </p:prevCondLst>
-              <p:nextCondLst>
-                <p:cond evt="onNext" delay="0">
-                  <p:tgtEl>
-                    <p:sldTgt/>
-                  </p:tgtEl>
-                </p:cond>
-              </p:nextCondLst>
-            </p:seq>
-          </p:childTnLst>
-        </p:cTn>
-      </p:par>
-    </p:tnLst>
-  </p:timing>
-</p:sld>
-</file>
-
-<file path=ppt/slides/slide4.xml><?xml version="1.0" encoding="utf-8"?>
-<p:sld xmlns:a="http://schemas.openxmlformats.org/drawingml/2006/main" xmlns:r="http://schemas.openxmlformats.org/officeDocument/2006/relationships" xmlns:p="http://schemas.openxmlformats.org/presentationml/2006/main">
-  <p:cSld>
-    <p:bg>
-      <p:bgPr>
-        <a:solidFill>
-          <a:schemeClr val="bg1"/>
-        </a:solidFill>
-        <a:effectLst/>
-      </p:bgPr>
-    </p:bg>
-    <p:spTree>
-      <p:nvGrpSpPr>
-        <p:cNvPr id="1" name=""/>
-        <p:cNvGrpSpPr/>
-        <p:nvPr/>
-      </p:nvGrpSpPr>
-      <p:grpSpPr>
-        <a:xfrm>
-          <a:off x="0" y="0"/>
-          <a:ext cx="0" cy="0"/>
-          <a:chOff x="0" y="0"/>
-          <a:chExt cx="0" cy="0"/>
-        </a:xfrm>
-      </p:grpSpPr>
-      <p:sp>
-        <p:nvSpPr>
-          <p:cNvPr id="10" name="Rectangle 9">
-            <a:extLst>
-              <a:ext uri="{FF2B5EF4-FFF2-40B4-BE49-F238E27FC236}">
-                <a16:creationId xmlns:a16="http://schemas.microsoft.com/office/drawing/2014/main" id="{1707FC24-6981-43D9-B525-C7832BA22463}"/>
-              </a:ext>
-              <a:ext uri="{C183D7F6-B498-43B3-948B-1728B52AA6E4}">
-                <adec:decorative xmlns:adec="http://schemas.microsoft.com/office/drawing/2017/decorative" val="1"/>
-              </a:ext>
-            </a:extLst>
-          </p:cNvPr>
-          <p:cNvSpPr>
-            <a:spLocks noGrp="1" noRot="1" noChangeAspect="1" noMove="1" noResize="1" noEditPoints="1" noAdjustHandles="1" noChangeArrowheads="1" noChangeShapeType="1" noTextEdit="1"/>
-          </p:cNvSpPr>
-          <p:nvPr>
-            <p:extLst>
-              <p:ext uri="{386F3935-93C4-4BCD-93E2-E3B085C9AB24}">
-                <p16:designElem xmlns:p16="http://schemas.microsoft.com/office/powerpoint/2015/main" val="1"/>
-              </p:ext>
-            </p:extLst>
-          </p:nvPr>
-        </p:nvSpPr>
-        <p:spPr bwMode="ltGray">
-          <a:xfrm>
-            <a:off x="336884" y="311449"/>
-            <a:ext cx="4332307" cy="6179552"/>
-          </a:xfrm>
-          <a:prstGeom prst="rect">
-            <a:avLst/>
-          </a:prstGeom>
-          <a:solidFill>
-            <a:srgbClr val="404040"/>
-          </a:solidFill>
-          <a:ln w="127000" cap="sq" cmpd="thinThick">
-            <a:solidFill>
-              <a:srgbClr val="404040"/>
-            </a:solidFill>
-          </a:ln>
-        </p:spPr>
-        <p:style>
-          <a:lnRef idx="2">
-            <a:schemeClr val="accent1">
-              <a:shade val="50000"/>
-            </a:schemeClr>
-          </a:lnRef>
-          <a:fillRef idx="1">
-            <a:schemeClr val="accent1"/>
-          </a:fillRef>
-          <a:effectRef idx="0">
-            <a:schemeClr val="accent1"/>
-          </a:effectRef>
-          <a:fontRef idx="minor">
-            <a:schemeClr val="lt1"/>
-          </a:fontRef>
-        </p:style>
-        <p:txBody>
-          <a:bodyPr rtlCol="0" anchor="ctr"/>
-          <a:lstStyle/>
-          <a:p>
-            <a:pPr algn="ctr"/>
-            <a:endParaRPr lang="en-US"/>
-          </a:p>
-        </p:txBody>
-      </p:sp>
-      <p:pic>
-        <p:nvPicPr>
-          <p:cNvPr id="5" name="Content Placeholder 4" descr="A close up of a mans face&#10;&#10;Description generated with high confidence">
-            <a:extLst>
-              <a:ext uri="{FF2B5EF4-FFF2-40B4-BE49-F238E27FC236}">
-                <a16:creationId xmlns:a16="http://schemas.microsoft.com/office/drawing/2014/main" id="{A04EA45C-6D2C-4FAF-8546-EE6AD018F56D}"/>
-              </a:ext>
-            </a:extLst>
-          </p:cNvPr>
-          <p:cNvPicPr>
-            <a:picLocks noGrp="1" noChangeAspect="1"/>
-          </p:cNvPicPr>
-          <p:nvPr>
-            <p:ph idx="1"/>
-          </p:nvPr>
-        </p:nvPicPr>
-        <p:blipFill>
-          <a:blip r:embed="rId2">
-            <a:extLst>
-              <a:ext uri="{28A0092B-C50C-407E-A947-70E740481C1C}">
-                <a14:useLocalDpi xmlns:a14="http://schemas.microsoft.com/office/drawing/2010/main" val="0"/>
-              </a:ext>
-            </a:extLst>
-          </a:blip>
-          <a:stretch>
-            <a:fillRect/>
-          </a:stretch>
-        </p:blipFill>
-        <p:spPr>
-          <a:xfrm>
-            <a:off x="5437305" y="699878"/>
-            <a:ext cx="6270062" cy="5229738"/>
-          </a:xfrm>
-          <a:prstGeom prst="rect">
-            <a:avLst/>
-          </a:prstGeom>
-        </p:spPr>
-      </p:pic>
-      <p:sp>
-        <p:nvSpPr>
-          <p:cNvPr id="2" name="Title 1">
-            <a:extLst>
-              <a:ext uri="{FF2B5EF4-FFF2-40B4-BE49-F238E27FC236}">
-                <a16:creationId xmlns:a16="http://schemas.microsoft.com/office/drawing/2014/main" id="{45F454AE-DC80-4E11-9A42-3B7A1CE35C5A}"/>
-              </a:ext>
-            </a:extLst>
-          </p:cNvPr>
-          <p:cNvSpPr>
-            <a:spLocks noGrp="1"/>
-          </p:cNvSpPr>
-          <p:nvPr>
-            <p:ph type="title"/>
-          </p:nvPr>
-        </p:nvSpPr>
-        <p:spPr>
-          <a:xfrm>
-            <a:off x="742950" y="742951"/>
-            <a:ext cx="3476625" cy="4962524"/>
-          </a:xfrm>
-        </p:spPr>
-        <p:txBody>
-          <a:bodyPr vert="horz" lIns="91440" tIns="45720" rIns="91440" bIns="45720" rtlCol="0" anchor="ctr">
-            <a:normAutofit/>
-          </a:bodyPr>
-          <a:lstStyle/>
-          <a:p>
-            <a:pPr algn="ctr"/>
-            <a:r>
-              <a:rPr lang="en-US" sz="3000" kern="1200">
-                <a:solidFill>
-                  <a:srgbClr val="FFFFFF"/>
-                </a:solidFill>
-                <a:latin typeface="+mj-lt"/>
-                <a:ea typeface="+mj-ea"/>
-                <a:cs typeface="+mj-cs"/>
-              </a:rPr>
-              <a:t>Based on a 2013 NY Survey – Men and women were asked several questions regarding their Demographics and Lifestyle to determine how they are categorized in General Health state.</a:t>
-            </a:r>
-          </a:p>
-        </p:txBody>
-      </p:sp>
-    </p:spTree>
-    <p:extLst>
-      <p:ext uri="{BB962C8B-B14F-4D97-AF65-F5344CB8AC3E}">
-        <p14:creationId xmlns:p14="http://schemas.microsoft.com/office/powerpoint/2010/main" val="446938341"/>
-      </p:ext>
-    </p:extLst>
-  </p:cSld>
-  <p:clrMapOvr>
-    <a:masterClrMapping/>
-  </p:clrMapOvr>
-  <mc:AlternateContent xmlns:mc="http://schemas.openxmlformats.org/markup-compatibility/2006">
-    <mc:Choice xmlns:p14="http://schemas.microsoft.com/office/powerpoint/2010/main" Requires="p14">
-      <p:transition spd="med" p14:dur="700">
-        <p:fade/>
-      </p:transition>
-    </mc:Choice>
-    <mc:Fallback>
-      <p:transition spd="med">
-        <p:fade/>
-      </p:transition>
-    </mc:Fallback>
-  </mc:AlternateContent>
-</p:sld>
-</file>
-
-<file path=ppt/slides/slide5.xml><?xml version="1.0" encoding="utf-8"?>
-<p:sld xmlns:a="http://schemas.openxmlformats.org/drawingml/2006/main" xmlns:r="http://schemas.openxmlformats.org/officeDocument/2006/relationships" xmlns:p="http://schemas.openxmlformats.org/presentationml/2006/main">
-  <p:cSld>
-    <p:bg>
-      <p:bgPr>
-        <a:solidFill>
-          <a:schemeClr val="bg1"/>
-        </a:solidFill>
-        <a:effectLst/>
-      </p:bgPr>
-    </p:bg>
-    <p:spTree>
-      <p:nvGrpSpPr>
-        <p:cNvPr id="1" name=""/>
-        <p:cNvGrpSpPr/>
-        <p:nvPr/>
-      </p:nvGrpSpPr>
-      <p:grpSpPr>
-        <a:xfrm>
-          <a:off x="0" y="0"/>
-          <a:ext cx="0" cy="0"/>
-          <a:chOff x="0" y="0"/>
-          <a:chExt cx="0" cy="0"/>
-        </a:xfrm>
-      </p:grpSpPr>
-      <p:pic>
-        <p:nvPicPr>
-          <p:cNvPr id="6" name="Picture Placeholder 5" descr="A close up of a logo&#10;&#10;Description generated with high confidence">
-            <a:extLst>
-              <a:ext uri="{FF2B5EF4-FFF2-40B4-BE49-F238E27FC236}">
-                <a16:creationId xmlns:a16="http://schemas.microsoft.com/office/drawing/2014/main" id="{FE9BDD9E-55BB-4D80-8C14-7AF66F9D54A1}"/>
-              </a:ext>
-            </a:extLst>
-          </p:cNvPr>
-          <p:cNvPicPr>
-            <a:picLocks noGrp="1" noChangeAspect="1"/>
-          </p:cNvPicPr>
-          <p:nvPr>
-            <p:ph type="pic" idx="1"/>
-          </p:nvPr>
-        </p:nvPicPr>
-        <p:blipFill rotWithShape="1">
-          <a:blip r:embed="rId2">
-            <a:extLst>
-              <a:ext uri="{28A0092B-C50C-407E-A947-70E740481C1C}">
-                <a14:useLocalDpi xmlns:a14="http://schemas.microsoft.com/office/drawing/2010/main" val="0"/>
-              </a:ext>
-            </a:extLst>
-          </a:blip>
-          <a:srcRect t="473" r="-2" b="8726"/>
-          <a:stretch/>
-        </p:blipFill>
-        <p:spPr>
-          <a:xfrm>
-            <a:off x="4639056" y="10"/>
-            <a:ext cx="7552944" cy="6857990"/>
-          </a:xfrm>
-          <a:prstGeom prst="rect">
-            <a:avLst/>
-          </a:prstGeom>
-          <a:effectLst/>
-        </p:spPr>
-      </p:pic>
-      <p:sp>
-        <p:nvSpPr>
-          <p:cNvPr id="2" name="Title 1">
-            <a:extLst>
-              <a:ext uri="{FF2B5EF4-FFF2-40B4-BE49-F238E27FC236}">
-                <a16:creationId xmlns:a16="http://schemas.microsoft.com/office/drawing/2014/main" id="{A1D09C05-4514-4DAD-B636-6D905416501A}"/>
-              </a:ext>
-            </a:extLst>
-          </p:cNvPr>
-          <p:cNvSpPr>
-            <a:spLocks noGrp="1"/>
-          </p:cNvSpPr>
-          <p:nvPr>
-            <p:ph type="title"/>
-          </p:nvPr>
-        </p:nvSpPr>
-        <p:spPr>
-          <a:xfrm>
-            <a:off x="648929" y="629266"/>
-            <a:ext cx="3651467" cy="1676603"/>
-          </a:xfrm>
-        </p:spPr>
-        <p:txBody>
-          <a:bodyPr vert="horz" lIns="91440" tIns="45720" rIns="91440" bIns="45720" rtlCol="0" anchor="ctr">
-            <a:normAutofit/>
-          </a:bodyPr>
-          <a:lstStyle/>
-          <a:p>
-            <a:r>
-              <a:rPr lang="en-US" sz="4400" dirty="0"/>
-              <a:t>Total General Health of NY</a:t>
-            </a:r>
-          </a:p>
-        </p:txBody>
-      </p:sp>
-      <p:sp>
-        <p:nvSpPr>
-          <p:cNvPr id="3" name="Content Placeholder 2">
-            <a:extLst>
-              <a:ext uri="{FF2B5EF4-FFF2-40B4-BE49-F238E27FC236}">
-                <a16:creationId xmlns:a16="http://schemas.microsoft.com/office/drawing/2014/main" id="{91D2AC1E-2B90-45FA-B291-5985BFA2EFAE}"/>
-              </a:ext>
-            </a:extLst>
-          </p:cNvPr>
-          <p:cNvSpPr>
-            <a:spLocks noGrp="1"/>
-          </p:cNvSpPr>
-          <p:nvPr>
-            <p:ph sz="half" idx="2"/>
-          </p:nvPr>
-        </p:nvSpPr>
-        <p:spPr>
-          <a:xfrm>
-            <a:off x="648931" y="2438400"/>
-            <a:ext cx="3651466" cy="3785419"/>
-          </a:xfrm>
-        </p:spPr>
-        <p:txBody>
-          <a:bodyPr vert="horz" lIns="91440" tIns="45720" rIns="91440" bIns="45720" rtlCol="0">
-            <a:normAutofit/>
-          </a:bodyPr>
-          <a:lstStyle/>
-          <a:p>
-            <a:r>
-              <a:rPr lang="en-US" sz="1800" b="1" dirty="0"/>
-              <a:t>32.6% - Good Health</a:t>
-            </a:r>
-          </a:p>
-          <a:p>
-            <a:r>
-              <a:rPr lang="en-US" sz="1800" b="1" dirty="0"/>
-              <a:t>25.5 % - Very Good Health</a:t>
-            </a:r>
-          </a:p>
-          <a:p>
-            <a:r>
-              <a:rPr lang="en-US" sz="1800" b="1" dirty="0"/>
-              <a:t>18.3% - Excellent Health</a:t>
-            </a:r>
-          </a:p>
-          <a:p>
-            <a:r>
-              <a:rPr lang="en-US" sz="1800" b="1" dirty="0"/>
-              <a:t>16.4% - Fair Health</a:t>
-            </a:r>
-          </a:p>
-          <a:p>
-            <a:r>
-              <a:rPr lang="en-US" sz="1800" b="1" dirty="0"/>
-              <a:t>7.2% - Poor Health</a:t>
-            </a:r>
-          </a:p>
-          <a:p>
-            <a:endParaRPr lang="en-US" sz="1800" b="1" dirty="0"/>
-          </a:p>
-          <a:p>
-            <a:pPr marL="0"/>
-            <a:r>
-              <a:rPr lang="en-US" sz="1800" b="1" dirty="0"/>
-              <a:t>Majority of the NY survey-takers are considered to have between Good to Very Good Health</a:t>
-            </a:r>
-          </a:p>
-        </p:txBody>
-      </p:sp>
-    </p:spTree>
-    <p:extLst>
-      <p:ext uri="{BB962C8B-B14F-4D97-AF65-F5344CB8AC3E}">
-        <p14:creationId xmlns:p14="http://schemas.microsoft.com/office/powerpoint/2010/main" val="3690725587"/>
-      </p:ext>
-    </p:extLst>
-  </p:cSld>
-  <p:clrMapOvr>
-    <a:masterClrMapping/>
-  </p:clrMapOvr>
-  <mc:AlternateContent xmlns:mc="http://schemas.openxmlformats.org/markup-compatibility/2006">
-    <mc:Choice xmlns:p14="http://schemas.microsoft.com/office/powerpoint/2010/main" Requires="p14">
-      <p:transition spd="med" p14:dur="700">
-        <p:fade/>
-      </p:transition>
-    </mc:Choice>
-    <mc:Fallback>
-      <p:transition spd="med">
-        <p:fade/>
-      </p:transition>
-    </mc:Fallback>
-  </mc:AlternateContent>
-</p:sld>
-</file>
-
-<file path=ppt/slides/slide6.xml><?xml version="1.0" encoding="utf-8"?>
+<file path=ppt/slides/slide20.xml><?xml version="1.0" encoding="utf-8"?>
 <p:sld xmlns:a="http://schemas.openxmlformats.org/drawingml/2006/main" xmlns:r="http://schemas.openxmlformats.org/officeDocument/2006/relationships" xmlns:p="http://schemas.openxmlformats.org/presentationml/2006/main">
   <p:cSld>
     <p:bg>
@@ -4405,7 +5353,7 @@
         </p:blipFill>
         <p:spPr>
           <a:xfrm>
-            <a:off x="6683098" y="1904281"/>
+            <a:off x="6425348" y="1529929"/>
             <a:ext cx="4729288" cy="3982353"/>
           </a:xfrm>
           <a:prstGeom prst="rect">
@@ -4466,8 +5414,8 @@
         </p:nvSpPr>
         <p:spPr>
           <a:xfrm>
-            <a:off x="838200" y="1825625"/>
-            <a:ext cx="5015484" cy="4351338"/>
+            <a:off x="660228" y="2325748"/>
+            <a:ext cx="5814213" cy="4351338"/>
           </a:xfrm>
         </p:spPr>
         <p:txBody>
@@ -4477,20 +5425,20 @@
           <a:lstStyle/>
           <a:p>
             <a:r>
-              <a:rPr lang="en-US" sz="3200" dirty="0"/>
-              <a:t>How are individuals categorized between Excellent and Poor Health?</a:t>
+              <a:rPr lang="en-US" dirty="0"/>
+              <a:t>Are these relationships significant?</a:t>
             </a:r>
           </a:p>
           <a:p>
+            <a:endParaRPr lang="en-US" dirty="0"/>
+          </a:p>
+          <a:p>
+            <a:endParaRPr lang="en-US" dirty="0"/>
+          </a:p>
+          <a:p>
             <a:r>
-              <a:rPr lang="en-US" sz="3200" dirty="0"/>
-              <a:t>What type of groups were surveyed?</a:t>
-            </a:r>
-          </a:p>
-          <a:p>
-            <a:r>
-              <a:rPr lang="en-US" sz="3200" dirty="0"/>
-              <a:t>How does a person’s education or income affect Health state?</a:t>
+              <a:rPr lang="en-US" dirty="0"/>
+              <a:t>How can we test these relationships?</a:t>
             </a:r>
           </a:p>
           <a:p>
@@ -4704,7 +5652,7 @@
                                         <p:tgtEl>
                                           <p:spTgt spid="3">
                                             <p:txEl>
-                                              <p:pRg st="1" end="1"/>
+                                              <p:pRg st="3" end="3"/>
                                             </p:txEl>
                                           </p:spTgt>
                                         </p:tgtEl>
@@ -4722,68 +5670,7 @@
                                         <p:tgtEl>
                                           <p:spTgt spid="3">
                                             <p:txEl>
-                                              <p:pRg st="1" end="1"/>
-                                            </p:txEl>
-                                          </p:spTgt>
-                                        </p:tgtEl>
-                                      </p:cBhvr>
-                                    </p:animEffect>
-                                  </p:childTnLst>
-                                </p:cTn>
-                              </p:par>
-                            </p:childTnLst>
-                          </p:cTn>
-                        </p:par>
-                      </p:childTnLst>
-                    </p:cTn>
-                  </p:par>
-                  <p:par>
-                    <p:cTn id="20" fill="hold">
-                      <p:stCondLst>
-                        <p:cond delay="indefinite"/>
-                      </p:stCondLst>
-                      <p:childTnLst>
-                        <p:par>
-                          <p:cTn id="21" fill="hold">
-                            <p:stCondLst>
-                              <p:cond delay="0"/>
-                            </p:stCondLst>
-                            <p:childTnLst>
-                              <p:par>
-                                <p:cTn id="22" presetID="10" presetClass="entr" presetSubtype="0" fill="hold" nodeType="clickEffect">
-                                  <p:stCondLst>
-                                    <p:cond delay="0"/>
-                                  </p:stCondLst>
-                                  <p:childTnLst>
-                                    <p:set>
-                                      <p:cBhvr>
-                                        <p:cTn id="23" dur="1" fill="hold">
-                                          <p:stCondLst>
-                                            <p:cond delay="0"/>
-                                          </p:stCondLst>
-                                        </p:cTn>
-                                        <p:tgtEl>
-                                          <p:spTgt spid="3">
-                                            <p:txEl>
-                                              <p:pRg st="2" end="2"/>
-                                            </p:txEl>
-                                          </p:spTgt>
-                                        </p:tgtEl>
-                                        <p:attrNameLst>
-                                          <p:attrName>style.visibility</p:attrName>
-                                        </p:attrNameLst>
-                                      </p:cBhvr>
-                                      <p:to>
-                                        <p:strVal val="visible"/>
-                                      </p:to>
-                                    </p:set>
-                                    <p:animEffect transition="in" filter="fade">
-                                      <p:cBhvr>
-                                        <p:cTn id="24" dur="500"/>
-                                        <p:tgtEl>
-                                          <p:spTgt spid="3">
-                                            <p:txEl>
-                                              <p:pRg st="2" end="2"/>
+                                              <p:pRg st="3" end="3"/>
                                             </p:txEl>
                                           </p:spTgt>
                                         </p:tgtEl>
@@ -4826,7 +5713,2171 @@
 </p:sld>
 </file>
 
-<file path=ppt/slides/slide7.xml><?xml version="1.0" encoding="utf-8"?>
+<file path=ppt/slides/slide21.xml><?xml version="1.0" encoding="utf-8"?>
+<p:sld xmlns:a="http://schemas.openxmlformats.org/drawingml/2006/main" xmlns:r="http://schemas.openxmlformats.org/officeDocument/2006/relationships" xmlns:p="http://schemas.openxmlformats.org/presentationml/2006/main" show="0">
+  <p:cSld>
+    <p:spTree>
+      <p:nvGrpSpPr>
+        <p:cNvPr id="1" name=""/>
+        <p:cNvGrpSpPr/>
+        <p:nvPr/>
+      </p:nvGrpSpPr>
+      <p:grpSpPr>
+        <a:xfrm>
+          <a:off x="0" y="0"/>
+          <a:ext cx="0" cy="0"/>
+          <a:chOff x="0" y="0"/>
+          <a:chExt cx="0" cy="0"/>
+        </a:xfrm>
+      </p:grpSpPr>
+      <p:sp>
+        <p:nvSpPr>
+          <p:cNvPr id="2" name="Title 1">
+            <a:extLst>
+              <a:ext uri="{FF2B5EF4-FFF2-40B4-BE49-F238E27FC236}">
+                <a16:creationId xmlns:a16="http://schemas.microsoft.com/office/drawing/2014/main" id="{182CB281-05F8-4835-B781-37D13E3CE703}"/>
+              </a:ext>
+            </a:extLst>
+          </p:cNvPr>
+          <p:cNvSpPr>
+            <a:spLocks noGrp="1"/>
+          </p:cNvSpPr>
+          <p:nvPr>
+            <p:ph type="title"/>
+          </p:nvPr>
+        </p:nvSpPr>
+        <p:spPr/>
+        <p:txBody>
+          <a:bodyPr/>
+          <a:lstStyle/>
+          <a:p>
+            <a:r>
+              <a:rPr lang="en-US" dirty="0"/>
+              <a:t>Lets run some tests...</a:t>
+            </a:r>
+          </a:p>
+        </p:txBody>
+      </p:sp>
+      <p:sp>
+        <p:nvSpPr>
+          <p:cNvPr id="3" name="Content Placeholder 2">
+            <a:extLst>
+              <a:ext uri="{FF2B5EF4-FFF2-40B4-BE49-F238E27FC236}">
+                <a16:creationId xmlns:a16="http://schemas.microsoft.com/office/drawing/2014/main" id="{7FC4ED31-B430-4B66-9AB4-B2F1B67C8EE3}"/>
+              </a:ext>
+            </a:extLst>
+          </p:cNvPr>
+          <p:cNvSpPr>
+            <a:spLocks noGrp="1"/>
+          </p:cNvSpPr>
+          <p:nvPr>
+            <p:ph idx="1"/>
+          </p:nvPr>
+        </p:nvSpPr>
+        <p:spPr>
+          <a:xfrm>
+            <a:off x="838200" y="1796129"/>
+            <a:ext cx="10515600" cy="4351338"/>
+          </a:xfrm>
+        </p:spPr>
+        <p:txBody>
+          <a:bodyPr/>
+          <a:lstStyle/>
+          <a:p>
+            <a:r>
+              <a:rPr lang="en-US" dirty="0"/>
+              <a:t>We created 3 Regression models to display:</a:t>
+            </a:r>
+          </a:p>
+          <a:p>
+            <a:endParaRPr lang="en-US" dirty="0"/>
+          </a:p>
+          <a:p>
+            <a:pPr lvl="1"/>
+            <a:r>
+              <a:rPr lang="en-US" dirty="0"/>
+              <a:t>The first model examines how demographic factors affect general health</a:t>
+            </a:r>
+          </a:p>
+          <a:p>
+            <a:pPr lvl="1"/>
+            <a:r>
+              <a:rPr lang="en-US" dirty="0"/>
+              <a:t>The second model examines how lifestyle factors affect general health</a:t>
+            </a:r>
+          </a:p>
+          <a:p>
+            <a:pPr lvl="1"/>
+            <a:r>
+              <a:rPr lang="en-US" dirty="0"/>
+              <a:t>The third model examines how social &amp; economic factors affect general health</a:t>
+            </a:r>
+          </a:p>
+          <a:p>
+            <a:pPr lvl="1"/>
+            <a:endParaRPr lang="en-US" dirty="0"/>
+          </a:p>
+        </p:txBody>
+      </p:sp>
+    </p:spTree>
+    <p:extLst>
+      <p:ext uri="{BB962C8B-B14F-4D97-AF65-F5344CB8AC3E}">
+        <p14:creationId xmlns:p14="http://schemas.microsoft.com/office/powerpoint/2010/main" val="2998191342"/>
+      </p:ext>
+    </p:extLst>
+  </p:cSld>
+  <p:clrMapOvr>
+    <a:masterClrMapping/>
+  </p:clrMapOvr>
+</p:sld>
+</file>
+
+<file path=ppt/slides/slide22.xml><?xml version="1.0" encoding="utf-8"?>
+<p:sld xmlns:a="http://schemas.openxmlformats.org/drawingml/2006/main" xmlns:r="http://schemas.openxmlformats.org/officeDocument/2006/relationships" xmlns:p="http://schemas.openxmlformats.org/presentationml/2006/main">
+  <p:cSld>
+    <p:bg>
+      <p:bgPr>
+        <a:solidFill>
+          <a:schemeClr val="bg1"/>
+        </a:solidFill>
+        <a:effectLst/>
+      </p:bgPr>
+    </p:bg>
+    <p:spTree>
+      <p:nvGrpSpPr>
+        <p:cNvPr id="1" name=""/>
+        <p:cNvGrpSpPr/>
+        <p:nvPr/>
+      </p:nvGrpSpPr>
+      <p:grpSpPr>
+        <a:xfrm>
+          <a:off x="0" y="0"/>
+          <a:ext cx="0" cy="0"/>
+          <a:chOff x="0" y="0"/>
+          <a:chExt cx="0" cy="0"/>
+        </a:xfrm>
+      </p:grpSpPr>
+      <p:sp>
+        <p:nvSpPr>
+          <p:cNvPr id="15" name="Rectangle 14">
+            <a:extLst>
+              <a:ext uri="{FF2B5EF4-FFF2-40B4-BE49-F238E27FC236}">
+                <a16:creationId xmlns:a16="http://schemas.microsoft.com/office/drawing/2014/main" id="{6753252F-4873-4F63-801D-CC719279A7D5}"/>
+              </a:ext>
+              <a:ext uri="{C183D7F6-B498-43B3-948B-1728B52AA6E4}">
+                <adec:decorative xmlns:adec="http://schemas.microsoft.com/office/drawing/2017/decorative" val="1"/>
+              </a:ext>
+            </a:extLst>
+          </p:cNvPr>
+          <p:cNvSpPr>
+            <a:spLocks noGrp="1" noRot="1" noChangeAspect="1" noMove="1" noResize="1" noEditPoints="1" noAdjustHandles="1" noChangeArrowheads="1" noChangeShapeType="1" noTextEdit="1"/>
+          </p:cNvSpPr>
+          <p:nvPr>
+            <p:extLst>
+              <p:ext uri="{386F3935-93C4-4BCD-93E2-E3B085C9AB24}">
+                <p16:designElem xmlns:p16="http://schemas.microsoft.com/office/powerpoint/2015/main" val="1"/>
+              </p:ext>
+            </p:extLst>
+          </p:nvPr>
+        </p:nvSpPr>
+        <p:spPr>
+          <a:xfrm>
+            <a:off x="0" y="0"/>
+            <a:ext cx="12192000" cy="6858000"/>
+          </a:xfrm>
+          <a:prstGeom prst="rect">
+            <a:avLst/>
+          </a:prstGeom>
+          <a:solidFill>
+            <a:srgbClr val="FFFFFF"/>
+          </a:solidFill>
+          <a:ln>
+            <a:noFill/>
+          </a:ln>
+        </p:spPr>
+        <p:style>
+          <a:lnRef idx="2">
+            <a:schemeClr val="accent1">
+              <a:shade val="50000"/>
+            </a:schemeClr>
+          </a:lnRef>
+          <a:fillRef idx="1">
+            <a:schemeClr val="accent1"/>
+          </a:fillRef>
+          <a:effectRef idx="0">
+            <a:schemeClr val="accent1"/>
+          </a:effectRef>
+          <a:fontRef idx="minor">
+            <a:schemeClr val="lt1"/>
+          </a:fontRef>
+        </p:style>
+        <p:txBody>
+          <a:bodyPr rtlCol="0" anchor="ctr"/>
+          <a:lstStyle/>
+          <a:p>
+            <a:pPr algn="ctr"/>
+            <a:endParaRPr lang="en-US"/>
+          </a:p>
+        </p:txBody>
+      </p:sp>
+      <p:sp>
+        <p:nvSpPr>
+          <p:cNvPr id="17" name="Rectangle 16">
+            <a:extLst>
+              <a:ext uri="{FF2B5EF4-FFF2-40B4-BE49-F238E27FC236}">
+                <a16:creationId xmlns:a16="http://schemas.microsoft.com/office/drawing/2014/main" id="{047C8CCB-F95D-4249-92DD-651249D3535A}"/>
+              </a:ext>
+              <a:ext uri="{C183D7F6-B498-43B3-948B-1728B52AA6E4}">
+                <adec:decorative xmlns:adec="http://schemas.microsoft.com/office/drawing/2017/decorative" val="1"/>
+              </a:ext>
+            </a:extLst>
+          </p:cNvPr>
+          <p:cNvSpPr>
+            <a:spLocks noGrp="1" noRot="1" noChangeAspect="1" noMove="1" noResize="1" noEditPoints="1" noAdjustHandles="1" noChangeArrowheads="1" noChangeShapeType="1" noTextEdit="1"/>
+          </p:cNvSpPr>
+          <p:nvPr>
+            <p:extLst>
+              <p:ext uri="{386F3935-93C4-4BCD-93E2-E3B085C9AB24}">
+                <p16:designElem xmlns:p16="http://schemas.microsoft.com/office/powerpoint/2015/main" val="1"/>
+              </p:ext>
+            </p:extLst>
+          </p:nvPr>
+        </p:nvSpPr>
+        <p:spPr>
+          <a:xfrm>
+            <a:off x="0" y="0"/>
+            <a:ext cx="2013557" cy="6858000"/>
+          </a:xfrm>
+          <a:prstGeom prst="rect">
+            <a:avLst/>
+          </a:prstGeom>
+          <a:solidFill>
+            <a:srgbClr val="7F7F7F"/>
+          </a:solidFill>
+          <a:ln>
+            <a:noFill/>
+          </a:ln>
+        </p:spPr>
+        <p:style>
+          <a:lnRef idx="2">
+            <a:schemeClr val="accent1">
+              <a:shade val="50000"/>
+            </a:schemeClr>
+          </a:lnRef>
+          <a:fillRef idx="1">
+            <a:schemeClr val="accent1"/>
+          </a:fillRef>
+          <a:effectRef idx="0">
+            <a:schemeClr val="accent1"/>
+          </a:effectRef>
+          <a:fontRef idx="minor">
+            <a:schemeClr val="lt1"/>
+          </a:fontRef>
+        </p:style>
+        <p:txBody>
+          <a:bodyPr rtlCol="0" anchor="ctr"/>
+          <a:lstStyle/>
+          <a:p>
+            <a:pPr algn="ctr"/>
+            <a:endParaRPr lang="en-US"/>
+          </a:p>
+        </p:txBody>
+      </p:sp>
+      <p:pic>
+        <p:nvPicPr>
+          <p:cNvPr id="9" name="Content Placeholder 8" descr="A picture containing screenshot&#10;&#10;Description generated with high confidence">
+            <a:extLst>
+              <a:ext uri="{FF2B5EF4-FFF2-40B4-BE49-F238E27FC236}">
+                <a16:creationId xmlns:a16="http://schemas.microsoft.com/office/drawing/2014/main" id="{AFA8F956-BD50-4021-9159-4D3FC79CB2EE}"/>
+              </a:ext>
+            </a:extLst>
+          </p:cNvPr>
+          <p:cNvPicPr>
+            <a:picLocks noGrp="1" noChangeAspect="1"/>
+          </p:cNvPicPr>
+          <p:nvPr>
+            <p:ph sz="half" idx="2"/>
+          </p:nvPr>
+        </p:nvPicPr>
+        <p:blipFill>
+          <a:blip r:embed="rId2">
+            <a:extLst>
+              <a:ext uri="{28A0092B-C50C-407E-A947-70E740481C1C}">
+                <a14:useLocalDpi xmlns:a14="http://schemas.microsoft.com/office/drawing/2010/main" val="0"/>
+              </a:ext>
+            </a:extLst>
+          </a:blip>
+          <a:stretch>
+            <a:fillRect/>
+          </a:stretch>
+        </p:blipFill>
+        <p:spPr>
+          <a:xfrm>
+            <a:off x="3211855" y="212780"/>
+            <a:ext cx="8340065" cy="6255048"/>
+          </a:xfrm>
+          <a:prstGeom prst="rect">
+            <a:avLst/>
+          </a:prstGeom>
+        </p:spPr>
+      </p:pic>
+      <p:sp>
+        <p:nvSpPr>
+          <p:cNvPr id="10" name="TextBox 9">
+            <a:extLst>
+              <a:ext uri="{FF2B5EF4-FFF2-40B4-BE49-F238E27FC236}">
+                <a16:creationId xmlns:a16="http://schemas.microsoft.com/office/drawing/2014/main" id="{6381402B-BF1C-4B3C-A7E8-1C814E1B21AE}"/>
+              </a:ext>
+            </a:extLst>
+          </p:cNvPr>
+          <p:cNvSpPr txBox="1"/>
+          <p:nvPr/>
+        </p:nvSpPr>
+        <p:spPr>
+          <a:xfrm>
+            <a:off x="640080" y="2074363"/>
+            <a:ext cx="2752354" cy="2709275"/>
+          </a:xfrm>
+          <a:prstGeom prst="ellipse">
+            <a:avLst/>
+          </a:prstGeom>
+          <a:solidFill>
+            <a:srgbClr val="262626"/>
+          </a:solidFill>
+          <a:ln w="174625" cmpd="thinThick">
+            <a:solidFill>
+              <a:srgbClr val="262626"/>
+            </a:solidFill>
+          </a:ln>
+        </p:spPr>
+        <p:txBody>
+          <a:bodyPr vert="horz" lIns="91440" tIns="45720" rIns="91440" bIns="45720" rtlCol="0" anchor="ctr">
+            <a:normAutofit/>
+          </a:bodyPr>
+          <a:lstStyle/>
+          <a:p>
+            <a:pPr algn="ctr">
+              <a:lnSpc>
+                <a:spcPct val="90000"/>
+              </a:lnSpc>
+              <a:spcBef>
+                <a:spcPct val="0"/>
+              </a:spcBef>
+              <a:spcAft>
+                <a:spcPts val="600"/>
+              </a:spcAft>
+            </a:pPr>
+            <a:r>
+              <a:rPr lang="en-US" sz="2400" b="1" kern="1200">
+                <a:solidFill>
+                  <a:srgbClr val="FFFFFF"/>
+                </a:solidFill>
+                <a:latin typeface="+mj-lt"/>
+                <a:ea typeface="+mj-ea"/>
+                <a:cs typeface="+mj-cs"/>
+              </a:rPr>
+              <a:t>Demographic Predictors Compared to Baseline (Good Health)</a:t>
+            </a:r>
+          </a:p>
+        </p:txBody>
+      </p:sp>
+    </p:spTree>
+    <p:extLst>
+      <p:ext uri="{BB962C8B-B14F-4D97-AF65-F5344CB8AC3E}">
+        <p14:creationId xmlns:p14="http://schemas.microsoft.com/office/powerpoint/2010/main" val="1128308462"/>
+      </p:ext>
+    </p:extLst>
+  </p:cSld>
+  <p:clrMapOvr>
+    <a:masterClrMapping/>
+  </p:clrMapOvr>
+  <mc:AlternateContent xmlns:mc="http://schemas.openxmlformats.org/markup-compatibility/2006">
+    <mc:Choice xmlns:p159="http://schemas.microsoft.com/office/powerpoint/2015/09/main" Requires="p159">
+      <p:transition xmlns:p14="http://schemas.microsoft.com/office/powerpoint/2010/main" spd="slow" p14:dur="2000">
+        <p159:morph option="byObject"/>
+      </p:transition>
+    </mc:Choice>
+    <mc:Fallback>
+      <p:transition spd="slow">
+        <p:fade/>
+      </p:transition>
+    </mc:Fallback>
+  </mc:AlternateContent>
+</p:sld>
+</file>
+
+<file path=ppt/slides/slide23.xml><?xml version="1.0" encoding="utf-8"?>
+<p:sld xmlns:a="http://schemas.openxmlformats.org/drawingml/2006/main" xmlns:r="http://schemas.openxmlformats.org/officeDocument/2006/relationships" xmlns:p="http://schemas.openxmlformats.org/presentationml/2006/main">
+  <p:cSld>
+    <p:bg>
+      <p:bgPr>
+        <a:solidFill>
+          <a:schemeClr val="bg1"/>
+        </a:solidFill>
+        <a:effectLst/>
+      </p:bgPr>
+    </p:bg>
+    <p:spTree>
+      <p:nvGrpSpPr>
+        <p:cNvPr id="1" name=""/>
+        <p:cNvGrpSpPr/>
+        <p:nvPr/>
+      </p:nvGrpSpPr>
+      <p:grpSpPr>
+        <a:xfrm>
+          <a:off x="0" y="0"/>
+          <a:ext cx="0" cy="0"/>
+          <a:chOff x="0" y="0"/>
+          <a:chExt cx="0" cy="0"/>
+        </a:xfrm>
+      </p:grpSpPr>
+      <p:sp>
+        <p:nvSpPr>
+          <p:cNvPr id="15" name="Rectangle 14">
+            <a:extLst>
+              <a:ext uri="{FF2B5EF4-FFF2-40B4-BE49-F238E27FC236}">
+                <a16:creationId xmlns:a16="http://schemas.microsoft.com/office/drawing/2014/main" id="{6753252F-4873-4F63-801D-CC719279A7D5}"/>
+              </a:ext>
+              <a:ext uri="{C183D7F6-B498-43B3-948B-1728B52AA6E4}">
+                <adec:decorative xmlns:adec="http://schemas.microsoft.com/office/drawing/2017/decorative" val="1"/>
+              </a:ext>
+            </a:extLst>
+          </p:cNvPr>
+          <p:cNvSpPr>
+            <a:spLocks noGrp="1" noRot="1" noChangeAspect="1" noMove="1" noResize="1" noEditPoints="1" noAdjustHandles="1" noChangeArrowheads="1" noChangeShapeType="1" noTextEdit="1"/>
+          </p:cNvSpPr>
+          <p:nvPr>
+            <p:extLst>
+              <p:ext uri="{386F3935-93C4-4BCD-93E2-E3B085C9AB24}">
+                <p16:designElem xmlns:p16="http://schemas.microsoft.com/office/powerpoint/2015/main" val="1"/>
+              </p:ext>
+            </p:extLst>
+          </p:nvPr>
+        </p:nvSpPr>
+        <p:spPr>
+          <a:xfrm>
+            <a:off x="0" y="0"/>
+            <a:ext cx="12192000" cy="6858000"/>
+          </a:xfrm>
+          <a:prstGeom prst="rect">
+            <a:avLst/>
+          </a:prstGeom>
+          <a:solidFill>
+            <a:srgbClr val="FFFFFF"/>
+          </a:solidFill>
+          <a:ln>
+            <a:noFill/>
+          </a:ln>
+        </p:spPr>
+        <p:style>
+          <a:lnRef idx="2">
+            <a:schemeClr val="accent1">
+              <a:shade val="50000"/>
+            </a:schemeClr>
+          </a:lnRef>
+          <a:fillRef idx="1">
+            <a:schemeClr val="accent1"/>
+          </a:fillRef>
+          <a:effectRef idx="0">
+            <a:schemeClr val="accent1"/>
+          </a:effectRef>
+          <a:fontRef idx="minor">
+            <a:schemeClr val="lt1"/>
+          </a:fontRef>
+        </p:style>
+        <p:txBody>
+          <a:bodyPr rtlCol="0" anchor="ctr"/>
+          <a:lstStyle/>
+          <a:p>
+            <a:pPr algn="ctr"/>
+            <a:endParaRPr lang="en-US"/>
+          </a:p>
+        </p:txBody>
+      </p:sp>
+      <p:sp>
+        <p:nvSpPr>
+          <p:cNvPr id="17" name="Rectangle 16">
+            <a:extLst>
+              <a:ext uri="{FF2B5EF4-FFF2-40B4-BE49-F238E27FC236}">
+                <a16:creationId xmlns:a16="http://schemas.microsoft.com/office/drawing/2014/main" id="{047C8CCB-F95D-4249-92DD-651249D3535A}"/>
+              </a:ext>
+              <a:ext uri="{C183D7F6-B498-43B3-948B-1728B52AA6E4}">
+                <adec:decorative xmlns:adec="http://schemas.microsoft.com/office/drawing/2017/decorative" val="1"/>
+              </a:ext>
+            </a:extLst>
+          </p:cNvPr>
+          <p:cNvSpPr>
+            <a:spLocks noGrp="1" noRot="1" noChangeAspect="1" noMove="1" noResize="1" noEditPoints="1" noAdjustHandles="1" noChangeArrowheads="1" noChangeShapeType="1" noTextEdit="1"/>
+          </p:cNvSpPr>
+          <p:nvPr>
+            <p:extLst>
+              <p:ext uri="{386F3935-93C4-4BCD-93E2-E3B085C9AB24}">
+                <p16:designElem xmlns:p16="http://schemas.microsoft.com/office/powerpoint/2015/main" val="1"/>
+              </p:ext>
+            </p:extLst>
+          </p:nvPr>
+        </p:nvSpPr>
+        <p:spPr>
+          <a:xfrm>
+            <a:off x="0" y="0"/>
+            <a:ext cx="2013557" cy="6858000"/>
+          </a:xfrm>
+          <a:prstGeom prst="rect">
+            <a:avLst/>
+          </a:prstGeom>
+          <a:solidFill>
+            <a:srgbClr val="7F7F7F"/>
+          </a:solidFill>
+          <a:ln>
+            <a:noFill/>
+          </a:ln>
+        </p:spPr>
+        <p:style>
+          <a:lnRef idx="2">
+            <a:schemeClr val="accent1">
+              <a:shade val="50000"/>
+            </a:schemeClr>
+          </a:lnRef>
+          <a:fillRef idx="1">
+            <a:schemeClr val="accent1"/>
+          </a:fillRef>
+          <a:effectRef idx="0">
+            <a:schemeClr val="accent1"/>
+          </a:effectRef>
+          <a:fontRef idx="minor">
+            <a:schemeClr val="lt1"/>
+          </a:fontRef>
+        </p:style>
+        <p:txBody>
+          <a:bodyPr rtlCol="0" anchor="ctr"/>
+          <a:lstStyle/>
+          <a:p>
+            <a:pPr algn="ctr"/>
+            <a:endParaRPr lang="en-US"/>
+          </a:p>
+        </p:txBody>
+      </p:sp>
+      <p:pic>
+        <p:nvPicPr>
+          <p:cNvPr id="6" name="Content Placeholder 5" descr="A screenshot of a cell phone&#10;&#10;Description generated with high confidence">
+            <a:extLst>
+              <a:ext uri="{FF2B5EF4-FFF2-40B4-BE49-F238E27FC236}">
+                <a16:creationId xmlns:a16="http://schemas.microsoft.com/office/drawing/2014/main" id="{CFE1C9FA-FF0B-4B05-9B4A-48E3BB2CECE5}"/>
+              </a:ext>
+            </a:extLst>
+          </p:cNvPr>
+          <p:cNvPicPr>
+            <a:picLocks noGrp="1" noChangeAspect="1"/>
+          </p:cNvPicPr>
+          <p:nvPr>
+            <p:ph sz="half" idx="2"/>
+          </p:nvPr>
+        </p:nvPicPr>
+        <p:blipFill>
+          <a:blip r:embed="rId2">
+            <a:extLst>
+              <a:ext uri="{28A0092B-C50C-407E-A947-70E740481C1C}">
+                <a14:useLocalDpi xmlns:a14="http://schemas.microsoft.com/office/drawing/2010/main" val="0"/>
+              </a:ext>
+            </a:extLst>
+          </a:blip>
+          <a:stretch>
+            <a:fillRect/>
+          </a:stretch>
+        </p:blipFill>
+        <p:spPr>
+          <a:xfrm>
+            <a:off x="3252563" y="182093"/>
+            <a:ext cx="8299357" cy="6224517"/>
+          </a:xfrm>
+          <a:prstGeom prst="rect">
+            <a:avLst/>
+          </a:prstGeom>
+        </p:spPr>
+      </p:pic>
+      <p:sp>
+        <p:nvSpPr>
+          <p:cNvPr id="10" name="TextBox 9">
+            <a:extLst>
+              <a:ext uri="{FF2B5EF4-FFF2-40B4-BE49-F238E27FC236}">
+                <a16:creationId xmlns:a16="http://schemas.microsoft.com/office/drawing/2014/main" id="{6381402B-BF1C-4B3C-A7E8-1C814E1B21AE}"/>
+              </a:ext>
+            </a:extLst>
+          </p:cNvPr>
+          <p:cNvSpPr txBox="1"/>
+          <p:nvPr/>
+        </p:nvSpPr>
+        <p:spPr>
+          <a:xfrm>
+            <a:off x="640080" y="2074363"/>
+            <a:ext cx="2752354" cy="2709275"/>
+          </a:xfrm>
+          <a:prstGeom prst="ellipse">
+            <a:avLst/>
+          </a:prstGeom>
+          <a:solidFill>
+            <a:srgbClr val="262626"/>
+          </a:solidFill>
+          <a:ln w="174625" cmpd="thinThick">
+            <a:solidFill>
+              <a:srgbClr val="262626"/>
+            </a:solidFill>
+          </a:ln>
+        </p:spPr>
+        <p:txBody>
+          <a:bodyPr vert="horz" lIns="91440" tIns="45720" rIns="91440" bIns="45720" rtlCol="0" anchor="ctr">
+            <a:normAutofit/>
+          </a:bodyPr>
+          <a:lstStyle/>
+          <a:p>
+            <a:pPr algn="ctr">
+              <a:lnSpc>
+                <a:spcPct val="90000"/>
+              </a:lnSpc>
+              <a:spcBef>
+                <a:spcPct val="0"/>
+              </a:spcBef>
+              <a:spcAft>
+                <a:spcPts val="600"/>
+              </a:spcAft>
+            </a:pPr>
+            <a:r>
+              <a:rPr lang="en-US" sz="2200" b="1" kern="1200">
+                <a:solidFill>
+                  <a:srgbClr val="FFFFFF"/>
+                </a:solidFill>
+                <a:latin typeface="+mj-lt"/>
+                <a:ea typeface="+mj-ea"/>
+                <a:cs typeface="+mj-cs"/>
+              </a:rPr>
+              <a:t>Socio-Economic Predictors Compared to Baseline (Good Health)</a:t>
+            </a:r>
+          </a:p>
+        </p:txBody>
+      </p:sp>
+    </p:spTree>
+    <p:extLst>
+      <p:ext uri="{BB962C8B-B14F-4D97-AF65-F5344CB8AC3E}">
+        <p14:creationId xmlns:p14="http://schemas.microsoft.com/office/powerpoint/2010/main" val="3733904299"/>
+      </p:ext>
+    </p:extLst>
+  </p:cSld>
+  <p:clrMapOvr>
+    <a:masterClrMapping/>
+  </p:clrMapOvr>
+  <p:transition spd="slow">
+    <p:push dir="u"/>
+  </p:transition>
+</p:sld>
+</file>
+
+<file path=ppt/slides/slide24.xml><?xml version="1.0" encoding="utf-8"?>
+<p:sld xmlns:a="http://schemas.openxmlformats.org/drawingml/2006/main" xmlns:r="http://schemas.openxmlformats.org/officeDocument/2006/relationships" xmlns:p="http://schemas.openxmlformats.org/presentationml/2006/main">
+  <p:cSld>
+    <p:bg>
+      <p:bgPr>
+        <a:solidFill>
+          <a:schemeClr val="bg1"/>
+        </a:solidFill>
+        <a:effectLst/>
+      </p:bgPr>
+    </p:bg>
+    <p:spTree>
+      <p:nvGrpSpPr>
+        <p:cNvPr id="1" name=""/>
+        <p:cNvGrpSpPr/>
+        <p:nvPr/>
+      </p:nvGrpSpPr>
+      <p:grpSpPr>
+        <a:xfrm>
+          <a:off x="0" y="0"/>
+          <a:ext cx="0" cy="0"/>
+          <a:chOff x="0" y="0"/>
+          <a:chExt cx="0" cy="0"/>
+        </a:xfrm>
+      </p:grpSpPr>
+      <p:sp>
+        <p:nvSpPr>
+          <p:cNvPr id="15" name="Rectangle 14">
+            <a:extLst>
+              <a:ext uri="{FF2B5EF4-FFF2-40B4-BE49-F238E27FC236}">
+                <a16:creationId xmlns:a16="http://schemas.microsoft.com/office/drawing/2014/main" id="{6753252F-4873-4F63-801D-CC719279A7D5}"/>
+              </a:ext>
+              <a:ext uri="{C183D7F6-B498-43B3-948B-1728B52AA6E4}">
+                <adec:decorative xmlns:adec="http://schemas.microsoft.com/office/drawing/2017/decorative" val="1"/>
+              </a:ext>
+            </a:extLst>
+          </p:cNvPr>
+          <p:cNvSpPr>
+            <a:spLocks noGrp="1" noRot="1" noChangeAspect="1" noMove="1" noResize="1" noEditPoints="1" noAdjustHandles="1" noChangeArrowheads="1" noChangeShapeType="1" noTextEdit="1"/>
+          </p:cNvSpPr>
+          <p:nvPr>
+            <p:extLst>
+              <p:ext uri="{386F3935-93C4-4BCD-93E2-E3B085C9AB24}">
+                <p16:designElem xmlns:p16="http://schemas.microsoft.com/office/powerpoint/2015/main" val="1"/>
+              </p:ext>
+            </p:extLst>
+          </p:nvPr>
+        </p:nvSpPr>
+        <p:spPr>
+          <a:xfrm>
+            <a:off x="0" y="0"/>
+            <a:ext cx="12192000" cy="6858000"/>
+          </a:xfrm>
+          <a:prstGeom prst="rect">
+            <a:avLst/>
+          </a:prstGeom>
+          <a:solidFill>
+            <a:srgbClr val="FFFFFF"/>
+          </a:solidFill>
+          <a:ln>
+            <a:noFill/>
+          </a:ln>
+        </p:spPr>
+        <p:style>
+          <a:lnRef idx="2">
+            <a:schemeClr val="accent1">
+              <a:shade val="50000"/>
+            </a:schemeClr>
+          </a:lnRef>
+          <a:fillRef idx="1">
+            <a:schemeClr val="accent1"/>
+          </a:fillRef>
+          <a:effectRef idx="0">
+            <a:schemeClr val="accent1"/>
+          </a:effectRef>
+          <a:fontRef idx="minor">
+            <a:schemeClr val="lt1"/>
+          </a:fontRef>
+        </p:style>
+        <p:txBody>
+          <a:bodyPr rtlCol="0" anchor="ctr"/>
+          <a:lstStyle/>
+          <a:p>
+            <a:pPr algn="ctr"/>
+            <a:endParaRPr lang="en-US"/>
+          </a:p>
+        </p:txBody>
+      </p:sp>
+      <p:sp>
+        <p:nvSpPr>
+          <p:cNvPr id="17" name="Rectangle 16">
+            <a:extLst>
+              <a:ext uri="{FF2B5EF4-FFF2-40B4-BE49-F238E27FC236}">
+                <a16:creationId xmlns:a16="http://schemas.microsoft.com/office/drawing/2014/main" id="{047C8CCB-F95D-4249-92DD-651249D3535A}"/>
+              </a:ext>
+              <a:ext uri="{C183D7F6-B498-43B3-948B-1728B52AA6E4}">
+                <adec:decorative xmlns:adec="http://schemas.microsoft.com/office/drawing/2017/decorative" val="1"/>
+              </a:ext>
+            </a:extLst>
+          </p:cNvPr>
+          <p:cNvSpPr>
+            <a:spLocks noGrp="1" noRot="1" noChangeAspect="1" noMove="1" noResize="1" noEditPoints="1" noAdjustHandles="1" noChangeArrowheads="1" noChangeShapeType="1" noTextEdit="1"/>
+          </p:cNvSpPr>
+          <p:nvPr>
+            <p:extLst>
+              <p:ext uri="{386F3935-93C4-4BCD-93E2-E3B085C9AB24}">
+                <p16:designElem xmlns:p16="http://schemas.microsoft.com/office/powerpoint/2015/main" val="1"/>
+              </p:ext>
+            </p:extLst>
+          </p:nvPr>
+        </p:nvSpPr>
+        <p:spPr>
+          <a:xfrm>
+            <a:off x="0" y="0"/>
+            <a:ext cx="2013557" cy="6858000"/>
+          </a:xfrm>
+          <a:prstGeom prst="rect">
+            <a:avLst/>
+          </a:prstGeom>
+          <a:solidFill>
+            <a:srgbClr val="7F7F7F"/>
+          </a:solidFill>
+          <a:ln>
+            <a:noFill/>
+          </a:ln>
+        </p:spPr>
+        <p:style>
+          <a:lnRef idx="2">
+            <a:schemeClr val="accent1">
+              <a:shade val="50000"/>
+            </a:schemeClr>
+          </a:lnRef>
+          <a:fillRef idx="1">
+            <a:schemeClr val="accent1"/>
+          </a:fillRef>
+          <a:effectRef idx="0">
+            <a:schemeClr val="accent1"/>
+          </a:effectRef>
+          <a:fontRef idx="minor">
+            <a:schemeClr val="lt1"/>
+          </a:fontRef>
+        </p:style>
+        <p:txBody>
+          <a:bodyPr rtlCol="0" anchor="ctr"/>
+          <a:lstStyle/>
+          <a:p>
+            <a:pPr algn="ctr"/>
+            <a:endParaRPr lang="en-US"/>
+          </a:p>
+        </p:txBody>
+      </p:sp>
+      <p:pic>
+        <p:nvPicPr>
+          <p:cNvPr id="4" name="Content Placeholder 3" descr="A screenshot of a cell phone&#10;&#10;Description generated with high confidence">
+            <a:extLst>
+              <a:ext uri="{FF2B5EF4-FFF2-40B4-BE49-F238E27FC236}">
+                <a16:creationId xmlns:a16="http://schemas.microsoft.com/office/drawing/2014/main" id="{B5B33BA5-FEC2-43F6-9081-83F924BEAAD5}"/>
+              </a:ext>
+            </a:extLst>
+          </p:cNvPr>
+          <p:cNvPicPr>
+            <a:picLocks noGrp="1" noChangeAspect="1"/>
+          </p:cNvPicPr>
+          <p:nvPr>
+            <p:ph sz="half" idx="2"/>
+          </p:nvPr>
+        </p:nvPicPr>
+        <p:blipFill>
+          <a:blip r:embed="rId2">
+            <a:extLst>
+              <a:ext uri="{28A0092B-C50C-407E-A947-70E740481C1C}">
+                <a14:useLocalDpi xmlns:a14="http://schemas.microsoft.com/office/drawing/2010/main" val="0"/>
+              </a:ext>
+            </a:extLst>
+          </a:blip>
+          <a:stretch>
+            <a:fillRect/>
+          </a:stretch>
+        </p:blipFill>
+        <p:spPr>
+          <a:xfrm>
+            <a:off x="3050484" y="200381"/>
+            <a:ext cx="8609650" cy="6457237"/>
+          </a:xfrm>
+          <a:prstGeom prst="rect">
+            <a:avLst/>
+          </a:prstGeom>
+        </p:spPr>
+      </p:pic>
+      <p:sp>
+        <p:nvSpPr>
+          <p:cNvPr id="10" name="TextBox 9">
+            <a:extLst>
+              <a:ext uri="{FF2B5EF4-FFF2-40B4-BE49-F238E27FC236}">
+                <a16:creationId xmlns:a16="http://schemas.microsoft.com/office/drawing/2014/main" id="{6381402B-BF1C-4B3C-A7E8-1C814E1B21AE}"/>
+              </a:ext>
+            </a:extLst>
+          </p:cNvPr>
+          <p:cNvSpPr txBox="1"/>
+          <p:nvPr/>
+        </p:nvSpPr>
+        <p:spPr>
+          <a:xfrm>
+            <a:off x="640080" y="2074363"/>
+            <a:ext cx="2752354" cy="2709275"/>
+          </a:xfrm>
+          <a:prstGeom prst="ellipse">
+            <a:avLst/>
+          </a:prstGeom>
+          <a:solidFill>
+            <a:srgbClr val="262626"/>
+          </a:solidFill>
+          <a:ln w="174625" cmpd="thinThick">
+            <a:solidFill>
+              <a:srgbClr val="262626"/>
+            </a:solidFill>
+          </a:ln>
+        </p:spPr>
+        <p:txBody>
+          <a:bodyPr vert="horz" lIns="91440" tIns="45720" rIns="91440" bIns="45720" rtlCol="0" anchor="ctr">
+            <a:normAutofit/>
+          </a:bodyPr>
+          <a:lstStyle/>
+          <a:p>
+            <a:pPr algn="ctr">
+              <a:lnSpc>
+                <a:spcPct val="90000"/>
+              </a:lnSpc>
+              <a:spcBef>
+                <a:spcPct val="0"/>
+              </a:spcBef>
+              <a:spcAft>
+                <a:spcPts val="600"/>
+              </a:spcAft>
+            </a:pPr>
+            <a:r>
+              <a:rPr lang="en-US" sz="2400" b="1" kern="1200" dirty="0">
+                <a:solidFill>
+                  <a:srgbClr val="FFFFFF"/>
+                </a:solidFill>
+                <a:latin typeface="+mj-lt"/>
+                <a:ea typeface="+mj-ea"/>
+                <a:cs typeface="+mj-cs"/>
+              </a:rPr>
+              <a:t>Lifestyle Predictors Compared to Baseline (Good Health)</a:t>
+            </a:r>
+          </a:p>
+        </p:txBody>
+      </p:sp>
+    </p:spTree>
+    <p:extLst>
+      <p:ext uri="{BB962C8B-B14F-4D97-AF65-F5344CB8AC3E}">
+        <p14:creationId xmlns:p14="http://schemas.microsoft.com/office/powerpoint/2010/main" val="2449089678"/>
+      </p:ext>
+    </p:extLst>
+  </p:cSld>
+  <p:clrMapOvr>
+    <a:masterClrMapping/>
+  </p:clrMapOvr>
+  <p:transition spd="slow">
+    <p:push dir="u"/>
+  </p:transition>
+</p:sld>
+</file>
+
+<file path=ppt/slides/slide25.xml><?xml version="1.0" encoding="utf-8"?>
+<p:sld xmlns:a="http://schemas.openxmlformats.org/drawingml/2006/main" xmlns:r="http://schemas.openxmlformats.org/officeDocument/2006/relationships" xmlns:p="http://schemas.openxmlformats.org/presentationml/2006/main">
+  <p:cSld>
+    <p:bg>
+      <p:bgPr>
+        <a:solidFill>
+          <a:schemeClr val="tx1"/>
+        </a:solidFill>
+        <a:effectLst/>
+      </p:bgPr>
+    </p:bg>
+    <p:spTree>
+      <p:nvGrpSpPr>
+        <p:cNvPr id="1" name=""/>
+        <p:cNvGrpSpPr/>
+        <p:nvPr/>
+      </p:nvGrpSpPr>
+      <p:grpSpPr>
+        <a:xfrm>
+          <a:off x="0" y="0"/>
+          <a:ext cx="0" cy="0"/>
+          <a:chOff x="0" y="0"/>
+          <a:chExt cx="0" cy="0"/>
+        </a:xfrm>
+      </p:grpSpPr>
+      <p:pic>
+        <p:nvPicPr>
+          <p:cNvPr id="5" name="Content Placeholder 4" descr="A person looking at the camera&#10;&#10;Description generated with high confidence">
+            <a:extLst>
+              <a:ext uri="{FF2B5EF4-FFF2-40B4-BE49-F238E27FC236}">
+                <a16:creationId xmlns:a16="http://schemas.microsoft.com/office/drawing/2014/main" id="{F98F7221-4C7E-467A-90D9-335BAD076A56}"/>
+              </a:ext>
+            </a:extLst>
+          </p:cNvPr>
+          <p:cNvPicPr>
+            <a:picLocks noGrp="1" noChangeAspect="1"/>
+          </p:cNvPicPr>
+          <p:nvPr>
+            <p:ph idx="4294967295"/>
+          </p:nvPr>
+        </p:nvPicPr>
+        <p:blipFill>
+          <a:blip r:embed="rId2">
+            <a:extLst>
+              <a:ext uri="{28A0092B-C50C-407E-A947-70E740481C1C}">
+                <a14:useLocalDpi xmlns:a14="http://schemas.microsoft.com/office/drawing/2010/main" val="0"/>
+              </a:ext>
+            </a:extLst>
+          </a:blip>
+          <a:stretch>
+            <a:fillRect/>
+          </a:stretch>
+        </p:blipFill>
+        <p:spPr>
+          <a:xfrm>
+            <a:off x="3795947" y="872918"/>
+            <a:ext cx="4873625" cy="4873625"/>
+          </a:xfrm>
+        </p:spPr>
+      </p:pic>
+    </p:spTree>
+    <p:extLst>
+      <p:ext uri="{BB962C8B-B14F-4D97-AF65-F5344CB8AC3E}">
+        <p14:creationId xmlns:p14="http://schemas.microsoft.com/office/powerpoint/2010/main" val="1348336532"/>
+      </p:ext>
+    </p:extLst>
+  </p:cSld>
+  <p:clrMapOvr>
+    <a:masterClrMapping/>
+  </p:clrMapOvr>
+  <mc:AlternateContent xmlns:mc="http://schemas.openxmlformats.org/markup-compatibility/2006">
+    <mc:Choice xmlns:p14="http://schemas.microsoft.com/office/powerpoint/2010/main" Requires="p14">
+      <p:transition spd="med" p14:dur="700">
+        <p:fade/>
+      </p:transition>
+    </mc:Choice>
+    <mc:Fallback>
+      <p:transition spd="med">
+        <p:fade/>
+      </p:transition>
+    </mc:Fallback>
+  </mc:AlternateContent>
+</p:sld>
+</file>
+
+<file path=ppt/slides/slide26.xml><?xml version="1.0" encoding="utf-8"?>
+<p:sld xmlns:a="http://schemas.openxmlformats.org/drawingml/2006/main" xmlns:r="http://schemas.openxmlformats.org/officeDocument/2006/relationships" xmlns:p="http://schemas.openxmlformats.org/presentationml/2006/main">
+  <p:cSld>
+    <p:spTree>
+      <p:nvGrpSpPr>
+        <p:cNvPr id="1" name=""/>
+        <p:cNvGrpSpPr/>
+        <p:nvPr/>
+      </p:nvGrpSpPr>
+      <p:grpSpPr>
+        <a:xfrm>
+          <a:off x="0" y="0"/>
+          <a:ext cx="0" cy="0"/>
+          <a:chOff x="0" y="0"/>
+          <a:chExt cx="0" cy="0"/>
+        </a:xfrm>
+      </p:grpSpPr>
+      <p:sp>
+        <p:nvSpPr>
+          <p:cNvPr id="2" name="Title 1">
+            <a:extLst>
+              <a:ext uri="{FF2B5EF4-FFF2-40B4-BE49-F238E27FC236}">
+                <a16:creationId xmlns:a16="http://schemas.microsoft.com/office/drawing/2014/main" id="{1393C5C9-EE0B-44EC-AFA4-6B3F10B61865}"/>
+              </a:ext>
+            </a:extLst>
+          </p:cNvPr>
+          <p:cNvSpPr>
+            <a:spLocks noGrp="1"/>
+          </p:cNvSpPr>
+          <p:nvPr>
+            <p:ph type="ctrTitle"/>
+          </p:nvPr>
+        </p:nvSpPr>
+        <p:spPr>
+          <a:xfrm>
+            <a:off x="1618130" y="2887207"/>
+            <a:ext cx="9144000" cy="2387600"/>
+          </a:xfrm>
+        </p:spPr>
+        <p:txBody>
+          <a:bodyPr/>
+          <a:lstStyle/>
+          <a:p>
+            <a:r>
+              <a:rPr lang="en-US" b="1" dirty="0"/>
+              <a:t>Q &amp; A</a:t>
+            </a:r>
+          </a:p>
+        </p:txBody>
+      </p:sp>
+    </p:spTree>
+    <p:extLst>
+      <p:ext uri="{BB962C8B-B14F-4D97-AF65-F5344CB8AC3E}">
+        <p14:creationId xmlns:p14="http://schemas.microsoft.com/office/powerpoint/2010/main" val="662192025"/>
+      </p:ext>
+    </p:extLst>
+  </p:cSld>
+  <p:clrMapOvr>
+    <a:masterClrMapping/>
+  </p:clrMapOvr>
+  <mc:AlternateContent xmlns:mc="http://schemas.openxmlformats.org/markup-compatibility/2006">
+    <mc:Choice xmlns:p14="http://schemas.microsoft.com/office/powerpoint/2010/main" Requires="p14">
+      <p:transition spd="med" p14:dur="700">
+        <p:fade/>
+      </p:transition>
+    </mc:Choice>
+    <mc:Fallback>
+      <p:transition spd="med">
+        <p:fade/>
+      </p:transition>
+    </mc:Fallback>
+  </mc:AlternateContent>
+</p:sld>
+</file>
+
+<file path=ppt/slides/slide3.xml><?xml version="1.0" encoding="utf-8"?>
+<p:sld xmlns:a="http://schemas.openxmlformats.org/drawingml/2006/main" xmlns:r="http://schemas.openxmlformats.org/officeDocument/2006/relationships" xmlns:p="http://schemas.openxmlformats.org/presentationml/2006/main">
+  <p:cSld>
+    <p:bg>
+      <p:bgPr>
+        <a:solidFill>
+          <a:schemeClr val="bg1"/>
+        </a:solidFill>
+        <a:effectLst/>
+      </p:bgPr>
+    </p:bg>
+    <p:spTree>
+      <p:nvGrpSpPr>
+        <p:cNvPr id="1" name=""/>
+        <p:cNvGrpSpPr/>
+        <p:nvPr/>
+      </p:nvGrpSpPr>
+      <p:grpSpPr>
+        <a:xfrm>
+          <a:off x="0" y="0"/>
+          <a:ext cx="0" cy="0"/>
+          <a:chOff x="0" y="0"/>
+          <a:chExt cx="0" cy="0"/>
+        </a:xfrm>
+      </p:grpSpPr>
+      <p:sp>
+        <p:nvSpPr>
+          <p:cNvPr id="8" name="Rectangle 7">
+            <a:extLst>
+              <a:ext uri="{FF2B5EF4-FFF2-40B4-BE49-F238E27FC236}">
+                <a16:creationId xmlns:a16="http://schemas.microsoft.com/office/drawing/2014/main" id="{8D70B121-56F4-4848-B38B-182089D909FA}"/>
+              </a:ext>
+              <a:ext uri="{C183D7F6-B498-43B3-948B-1728B52AA6E4}">
+                <adec:decorative xmlns:adec="http://schemas.microsoft.com/office/drawing/2017/decorative" val="1"/>
+              </a:ext>
+            </a:extLst>
+          </p:cNvPr>
+          <p:cNvSpPr>
+            <a:spLocks noGrp="1" noRot="1" noChangeAspect="1" noMove="1" noResize="1" noEditPoints="1" noAdjustHandles="1" noChangeArrowheads="1" noChangeShapeType="1" noTextEdit="1"/>
+          </p:cNvSpPr>
+          <p:nvPr>
+            <p:extLst>
+              <p:ext uri="{386F3935-93C4-4BCD-93E2-E3B085C9AB24}">
+                <p16:designElem xmlns:p16="http://schemas.microsoft.com/office/powerpoint/2015/main" val="1"/>
+              </p:ext>
+            </p:extLst>
+          </p:nvPr>
+        </p:nvSpPr>
+        <p:spPr bwMode="ltGray">
+          <a:xfrm>
+            <a:off x="321564" y="320040"/>
+            <a:ext cx="11548872" cy="6217920"/>
+          </a:xfrm>
+          <a:prstGeom prst="rect">
+            <a:avLst/>
+          </a:prstGeom>
+          <a:solidFill>
+            <a:schemeClr val="tx1">
+              <a:alpha val="8000"/>
+            </a:schemeClr>
+          </a:solidFill>
+          <a:ln w="127000" cap="sq" cmpd="thinThick">
+            <a:noFill/>
+          </a:ln>
+        </p:spPr>
+        <p:style>
+          <a:lnRef idx="2">
+            <a:schemeClr val="accent1">
+              <a:shade val="50000"/>
+            </a:schemeClr>
+          </a:lnRef>
+          <a:fillRef idx="1">
+            <a:schemeClr val="accent1"/>
+          </a:fillRef>
+          <a:effectRef idx="0">
+            <a:schemeClr val="accent1"/>
+          </a:effectRef>
+          <a:fontRef idx="minor">
+            <a:schemeClr val="lt1"/>
+          </a:fontRef>
+        </p:style>
+        <p:txBody>
+          <a:bodyPr rtlCol="0" anchor="ctr"/>
+          <a:lstStyle/>
+          <a:p>
+            <a:pPr algn="ctr"/>
+            <a:endParaRPr lang="en-US"/>
+          </a:p>
+        </p:txBody>
+      </p:sp>
+      <p:cxnSp>
+        <p:nvCxnSpPr>
+          <p:cNvPr id="10" name="Straight Connector 9">
+            <a:extLst>
+              <a:ext uri="{FF2B5EF4-FFF2-40B4-BE49-F238E27FC236}">
+                <a16:creationId xmlns:a16="http://schemas.microsoft.com/office/drawing/2014/main" id="{2D72A2C9-F3CA-4216-8BAD-FA4C970C3C4E}"/>
+              </a:ext>
+              <a:ext uri="{C183D7F6-B498-43B3-948B-1728B52AA6E4}">
+                <adec:decorative xmlns:adec="http://schemas.microsoft.com/office/drawing/2017/decorative" val="1"/>
+              </a:ext>
+            </a:extLst>
+          </p:cNvPr>
+          <p:cNvCxnSpPr>
+            <a:cxnSpLocks noGrp="1" noRot="1" noChangeAspect="1" noMove="1" noResize="1" noEditPoints="1" noAdjustHandles="1" noChangeArrowheads="1" noChangeShapeType="1"/>
+          </p:cNvCxnSpPr>
+          <p:nvPr>
+            <p:extLst>
+              <p:ext uri="{386F3935-93C4-4BCD-93E2-E3B085C9AB24}">
+                <p16:designElem xmlns:p16="http://schemas.microsoft.com/office/powerpoint/2015/main" val="1"/>
+              </p:ext>
+            </p:extLst>
+          </p:nvPr>
+        </p:nvCxnSpPr>
+        <p:spPr>
+          <a:xfrm>
+            <a:off x="4654296" y="2057400"/>
+            <a:ext cx="0" cy="2743200"/>
+          </a:xfrm>
+          <a:prstGeom prst="line">
+            <a:avLst/>
+          </a:prstGeom>
+          <a:ln w="19050">
+            <a:solidFill>
+              <a:schemeClr val="tx1">
+                <a:lumMod val="85000"/>
+                <a:lumOff val="15000"/>
+              </a:schemeClr>
+            </a:solidFill>
+          </a:ln>
+        </p:spPr>
+        <p:style>
+          <a:lnRef idx="1">
+            <a:schemeClr val="accent1"/>
+          </a:lnRef>
+          <a:fillRef idx="0">
+            <a:schemeClr val="accent1"/>
+          </a:fillRef>
+          <a:effectRef idx="0">
+            <a:schemeClr val="accent1"/>
+          </a:effectRef>
+          <a:fontRef idx="minor">
+            <a:schemeClr val="tx1"/>
+          </a:fontRef>
+        </p:style>
+      </p:cxnSp>
+      <p:sp>
+        <p:nvSpPr>
+          <p:cNvPr id="2" name="Title 1">
+            <a:extLst>
+              <a:ext uri="{FF2B5EF4-FFF2-40B4-BE49-F238E27FC236}">
+                <a16:creationId xmlns:a16="http://schemas.microsoft.com/office/drawing/2014/main" id="{B1F953FD-3655-4BF8-A79D-F6F7B49B7C91}"/>
+              </a:ext>
+            </a:extLst>
+          </p:cNvPr>
+          <p:cNvSpPr>
+            <a:spLocks noGrp="1"/>
+          </p:cNvSpPr>
+          <p:nvPr>
+            <p:ph type="title"/>
+          </p:nvPr>
+        </p:nvSpPr>
+        <p:spPr>
+          <a:xfrm>
+            <a:off x="838200" y="963877"/>
+            <a:ext cx="3494362" cy="4930246"/>
+          </a:xfrm>
+        </p:spPr>
+        <p:txBody>
+          <a:bodyPr>
+            <a:normAutofit/>
+          </a:bodyPr>
+          <a:lstStyle/>
+          <a:p>
+            <a:pPr algn="ctr"/>
+            <a:r>
+              <a:rPr lang="en-US" dirty="0">
+                <a:solidFill>
+                  <a:schemeClr val="accent1"/>
+                </a:solidFill>
+              </a:rPr>
+              <a:t>Do these factors </a:t>
+            </a:r>
+            <a:r>
+              <a:rPr lang="en-US" b="1" dirty="0">
+                <a:solidFill>
+                  <a:schemeClr val="accent1"/>
+                </a:solidFill>
+              </a:rPr>
+              <a:t>actually</a:t>
+            </a:r>
+            <a:r>
+              <a:rPr lang="en-US" dirty="0">
+                <a:solidFill>
+                  <a:schemeClr val="accent1"/>
+                </a:solidFill>
+              </a:rPr>
+              <a:t> influence Health?</a:t>
+            </a:r>
+            <a:br>
+              <a:rPr lang="en-US" dirty="0">
+                <a:solidFill>
+                  <a:schemeClr val="accent1"/>
+                </a:solidFill>
+              </a:rPr>
+            </a:br>
+            <a:endParaRPr lang="en-US" dirty="0">
+              <a:solidFill>
+                <a:schemeClr val="accent1"/>
+              </a:solidFill>
+            </a:endParaRPr>
+          </a:p>
+        </p:txBody>
+      </p:sp>
+      <p:sp>
+        <p:nvSpPr>
+          <p:cNvPr id="3" name="Content Placeholder 2">
+            <a:extLst>
+              <a:ext uri="{FF2B5EF4-FFF2-40B4-BE49-F238E27FC236}">
+                <a16:creationId xmlns:a16="http://schemas.microsoft.com/office/drawing/2014/main" id="{626E2E25-5967-41FB-A67B-9F47FC8B1555}"/>
+              </a:ext>
+            </a:extLst>
+          </p:cNvPr>
+          <p:cNvSpPr>
+            <a:spLocks noGrp="1"/>
+          </p:cNvSpPr>
+          <p:nvPr>
+            <p:ph idx="1"/>
+          </p:nvPr>
+        </p:nvSpPr>
+        <p:spPr>
+          <a:xfrm>
+            <a:off x="4976031" y="1338229"/>
+            <a:ext cx="6377769" cy="4930246"/>
+          </a:xfrm>
+        </p:spPr>
+        <p:txBody>
+          <a:bodyPr anchor="ctr">
+            <a:normAutofit/>
+          </a:bodyPr>
+          <a:lstStyle/>
+          <a:p>
+            <a:r>
+              <a:rPr lang="en-US" sz="2400" dirty="0"/>
+              <a:t>The social and economic environment: </a:t>
+            </a:r>
+          </a:p>
+          <a:p>
+            <a:pPr lvl="1"/>
+            <a:r>
+              <a:rPr lang="en-US" dirty="0"/>
+              <a:t>Neighborhood</a:t>
+            </a:r>
+          </a:p>
+          <a:p>
+            <a:pPr lvl="1"/>
+            <a:r>
+              <a:rPr lang="en-US" dirty="0"/>
+              <a:t>Education</a:t>
+            </a:r>
+          </a:p>
+          <a:p>
+            <a:pPr lvl="1"/>
+            <a:r>
+              <a:rPr lang="en-US" dirty="0"/>
+              <a:t>Insurance</a:t>
+            </a:r>
+          </a:p>
+          <a:p>
+            <a:pPr marL="0" indent="0">
+              <a:buNone/>
+            </a:pPr>
+            <a:endParaRPr lang="en-US" sz="2400" dirty="0"/>
+          </a:p>
+          <a:p>
+            <a:r>
+              <a:rPr lang="en-US" sz="2400" dirty="0"/>
+              <a:t>The person's characteristics and behaviors:</a:t>
+            </a:r>
+          </a:p>
+          <a:p>
+            <a:pPr lvl="1"/>
+            <a:r>
+              <a:rPr lang="en-US" dirty="0"/>
+              <a:t>Nutrition</a:t>
+            </a:r>
+          </a:p>
+          <a:p>
+            <a:pPr lvl="1"/>
+            <a:r>
+              <a:rPr lang="en-US" dirty="0"/>
+              <a:t>Exercise</a:t>
+            </a:r>
+          </a:p>
+          <a:p>
+            <a:pPr lvl="1"/>
+            <a:r>
+              <a:rPr lang="en-US" dirty="0"/>
+              <a:t>Age</a:t>
+            </a:r>
+          </a:p>
+          <a:p>
+            <a:pPr lvl="1"/>
+            <a:r>
+              <a:rPr lang="en-US" dirty="0"/>
+              <a:t>Race</a:t>
+            </a:r>
+          </a:p>
+          <a:p>
+            <a:pPr lvl="1"/>
+            <a:r>
+              <a:rPr lang="en-US" dirty="0"/>
+              <a:t>Gender</a:t>
+            </a:r>
+          </a:p>
+          <a:p>
+            <a:pPr lvl="1"/>
+            <a:r>
+              <a:rPr lang="en-US" dirty="0"/>
+              <a:t>Risky Behaviors: Alcohol &amp; Smoking</a:t>
+            </a:r>
+          </a:p>
+          <a:p>
+            <a:pPr lvl="1"/>
+            <a:endParaRPr lang="en-US" dirty="0"/>
+          </a:p>
+          <a:p>
+            <a:pPr lvl="1"/>
+            <a:endParaRPr lang="en-US" dirty="0"/>
+          </a:p>
+          <a:p>
+            <a:endParaRPr lang="en-US" sz="2400" dirty="0"/>
+          </a:p>
+        </p:txBody>
+      </p:sp>
+    </p:spTree>
+    <p:extLst>
+      <p:ext uri="{BB962C8B-B14F-4D97-AF65-F5344CB8AC3E}">
+        <p14:creationId xmlns:p14="http://schemas.microsoft.com/office/powerpoint/2010/main" val="419262541"/>
+      </p:ext>
+    </p:extLst>
+  </p:cSld>
+  <p:clrMapOvr>
+    <a:masterClrMapping/>
+  </p:clrMapOvr>
+  <mc:AlternateContent xmlns:mc="http://schemas.openxmlformats.org/markup-compatibility/2006" xmlns:p159="http://schemas.microsoft.com/office/powerpoint/2015/09/main">
+    <mc:Choice Requires="p159">
+      <p:transition xmlns:p14="http://schemas.microsoft.com/office/powerpoint/2010/main" spd="slow" p14:dur="2000">
+        <p159:morph option="byObject"/>
+      </p:transition>
+    </mc:Choice>
+    <mc:Fallback xmlns="">
+      <p:transition spd="slow">
+        <p:fade/>
+      </p:transition>
+    </mc:Fallback>
+  </mc:AlternateContent>
+  <p:timing>
+    <p:tnLst>
+      <p:par>
+        <p:cTn id="1" dur="indefinite" restart="never" nodeType="tmRoot">
+          <p:childTnLst>
+            <p:seq concurrent="1" nextAc="seek">
+              <p:cTn id="2" dur="indefinite" nodeType="mainSeq">
+                <p:childTnLst>
+                  <p:par>
+                    <p:cTn id="3" fill="hold">
+                      <p:stCondLst>
+                        <p:cond delay="indefinite"/>
+                      </p:stCondLst>
+                      <p:childTnLst>
+                        <p:par>
+                          <p:cTn id="4" fill="hold">
+                            <p:stCondLst>
+                              <p:cond delay="0"/>
+                            </p:stCondLst>
+                            <p:childTnLst>
+                              <p:par>
+                                <p:cTn id="5" presetID="10" presetClass="entr" presetSubtype="0" fill="hold" nodeType="clickEffect">
+                                  <p:stCondLst>
+                                    <p:cond delay="0"/>
+                                  </p:stCondLst>
+                                  <p:childTnLst>
+                                    <p:set>
+                                      <p:cBhvr>
+                                        <p:cTn id="6" dur="1" fill="hold">
+                                          <p:stCondLst>
+                                            <p:cond delay="0"/>
+                                          </p:stCondLst>
+                                        </p:cTn>
+                                        <p:tgtEl>
+                                          <p:spTgt spid="3">
+                                            <p:txEl>
+                                              <p:pRg st="0" end="0"/>
+                                            </p:txEl>
+                                          </p:spTgt>
+                                        </p:tgtEl>
+                                        <p:attrNameLst>
+                                          <p:attrName>style.visibility</p:attrName>
+                                        </p:attrNameLst>
+                                      </p:cBhvr>
+                                      <p:to>
+                                        <p:strVal val="visible"/>
+                                      </p:to>
+                                    </p:set>
+                                    <p:animEffect transition="in" filter="fade">
+                                      <p:cBhvr>
+                                        <p:cTn id="7" dur="500"/>
+                                        <p:tgtEl>
+                                          <p:spTgt spid="3">
+                                            <p:txEl>
+                                              <p:pRg st="0" end="0"/>
+                                            </p:txEl>
+                                          </p:spTgt>
+                                        </p:tgtEl>
+                                      </p:cBhvr>
+                                    </p:animEffect>
+                                  </p:childTnLst>
+                                </p:cTn>
+                              </p:par>
+                              <p:par>
+                                <p:cTn id="8" presetID="10" presetClass="entr" presetSubtype="0" fill="hold" nodeType="withEffect">
+                                  <p:stCondLst>
+                                    <p:cond delay="0"/>
+                                  </p:stCondLst>
+                                  <p:childTnLst>
+                                    <p:set>
+                                      <p:cBhvr>
+                                        <p:cTn id="9" dur="1" fill="hold">
+                                          <p:stCondLst>
+                                            <p:cond delay="0"/>
+                                          </p:stCondLst>
+                                        </p:cTn>
+                                        <p:tgtEl>
+                                          <p:spTgt spid="3">
+                                            <p:txEl>
+                                              <p:pRg st="1" end="1"/>
+                                            </p:txEl>
+                                          </p:spTgt>
+                                        </p:tgtEl>
+                                        <p:attrNameLst>
+                                          <p:attrName>style.visibility</p:attrName>
+                                        </p:attrNameLst>
+                                      </p:cBhvr>
+                                      <p:to>
+                                        <p:strVal val="visible"/>
+                                      </p:to>
+                                    </p:set>
+                                    <p:animEffect transition="in" filter="fade">
+                                      <p:cBhvr>
+                                        <p:cTn id="10" dur="500"/>
+                                        <p:tgtEl>
+                                          <p:spTgt spid="3">
+                                            <p:txEl>
+                                              <p:pRg st="1" end="1"/>
+                                            </p:txEl>
+                                          </p:spTgt>
+                                        </p:tgtEl>
+                                      </p:cBhvr>
+                                    </p:animEffect>
+                                  </p:childTnLst>
+                                </p:cTn>
+                              </p:par>
+                              <p:par>
+                                <p:cTn id="11" presetID="10" presetClass="entr" presetSubtype="0" fill="hold" nodeType="withEffect">
+                                  <p:stCondLst>
+                                    <p:cond delay="0"/>
+                                  </p:stCondLst>
+                                  <p:childTnLst>
+                                    <p:set>
+                                      <p:cBhvr>
+                                        <p:cTn id="12" dur="1" fill="hold">
+                                          <p:stCondLst>
+                                            <p:cond delay="0"/>
+                                          </p:stCondLst>
+                                        </p:cTn>
+                                        <p:tgtEl>
+                                          <p:spTgt spid="3">
+                                            <p:txEl>
+                                              <p:pRg st="2" end="2"/>
+                                            </p:txEl>
+                                          </p:spTgt>
+                                        </p:tgtEl>
+                                        <p:attrNameLst>
+                                          <p:attrName>style.visibility</p:attrName>
+                                        </p:attrNameLst>
+                                      </p:cBhvr>
+                                      <p:to>
+                                        <p:strVal val="visible"/>
+                                      </p:to>
+                                    </p:set>
+                                    <p:animEffect transition="in" filter="fade">
+                                      <p:cBhvr>
+                                        <p:cTn id="13" dur="500"/>
+                                        <p:tgtEl>
+                                          <p:spTgt spid="3">
+                                            <p:txEl>
+                                              <p:pRg st="2" end="2"/>
+                                            </p:txEl>
+                                          </p:spTgt>
+                                        </p:tgtEl>
+                                      </p:cBhvr>
+                                    </p:animEffect>
+                                  </p:childTnLst>
+                                </p:cTn>
+                              </p:par>
+                              <p:par>
+                                <p:cTn id="14" presetID="10" presetClass="entr" presetSubtype="0" fill="hold" nodeType="withEffect">
+                                  <p:stCondLst>
+                                    <p:cond delay="0"/>
+                                  </p:stCondLst>
+                                  <p:childTnLst>
+                                    <p:set>
+                                      <p:cBhvr>
+                                        <p:cTn id="15" dur="1" fill="hold">
+                                          <p:stCondLst>
+                                            <p:cond delay="0"/>
+                                          </p:stCondLst>
+                                        </p:cTn>
+                                        <p:tgtEl>
+                                          <p:spTgt spid="3">
+                                            <p:txEl>
+                                              <p:pRg st="3" end="3"/>
+                                            </p:txEl>
+                                          </p:spTgt>
+                                        </p:tgtEl>
+                                        <p:attrNameLst>
+                                          <p:attrName>style.visibility</p:attrName>
+                                        </p:attrNameLst>
+                                      </p:cBhvr>
+                                      <p:to>
+                                        <p:strVal val="visible"/>
+                                      </p:to>
+                                    </p:set>
+                                    <p:animEffect transition="in" filter="fade">
+                                      <p:cBhvr>
+                                        <p:cTn id="16" dur="500"/>
+                                        <p:tgtEl>
+                                          <p:spTgt spid="3">
+                                            <p:txEl>
+                                              <p:pRg st="3" end="3"/>
+                                            </p:txEl>
+                                          </p:spTgt>
+                                        </p:tgtEl>
+                                      </p:cBhvr>
+                                    </p:animEffect>
+                                  </p:childTnLst>
+                                </p:cTn>
+                              </p:par>
+                              <p:par>
+                                <p:cTn id="17" presetID="10" presetClass="entr" presetSubtype="0" fill="hold" nodeType="withEffect">
+                                  <p:stCondLst>
+                                    <p:cond delay="0"/>
+                                  </p:stCondLst>
+                                  <p:childTnLst>
+                                    <p:set>
+                                      <p:cBhvr>
+                                        <p:cTn id="18" dur="1" fill="hold">
+                                          <p:stCondLst>
+                                            <p:cond delay="0"/>
+                                          </p:stCondLst>
+                                        </p:cTn>
+                                        <p:tgtEl>
+                                          <p:spTgt spid="3">
+                                            <p:txEl>
+                                              <p:pRg st="5" end="5"/>
+                                            </p:txEl>
+                                          </p:spTgt>
+                                        </p:tgtEl>
+                                        <p:attrNameLst>
+                                          <p:attrName>style.visibility</p:attrName>
+                                        </p:attrNameLst>
+                                      </p:cBhvr>
+                                      <p:to>
+                                        <p:strVal val="visible"/>
+                                      </p:to>
+                                    </p:set>
+                                    <p:animEffect transition="in" filter="fade">
+                                      <p:cBhvr>
+                                        <p:cTn id="19" dur="500"/>
+                                        <p:tgtEl>
+                                          <p:spTgt spid="3">
+                                            <p:txEl>
+                                              <p:pRg st="5" end="5"/>
+                                            </p:txEl>
+                                          </p:spTgt>
+                                        </p:tgtEl>
+                                      </p:cBhvr>
+                                    </p:animEffect>
+                                  </p:childTnLst>
+                                </p:cTn>
+                              </p:par>
+                              <p:par>
+                                <p:cTn id="20" presetID="10" presetClass="entr" presetSubtype="0" fill="hold" nodeType="withEffect">
+                                  <p:stCondLst>
+                                    <p:cond delay="0"/>
+                                  </p:stCondLst>
+                                  <p:childTnLst>
+                                    <p:set>
+                                      <p:cBhvr>
+                                        <p:cTn id="21" dur="1" fill="hold">
+                                          <p:stCondLst>
+                                            <p:cond delay="0"/>
+                                          </p:stCondLst>
+                                        </p:cTn>
+                                        <p:tgtEl>
+                                          <p:spTgt spid="3">
+                                            <p:txEl>
+                                              <p:pRg st="6" end="6"/>
+                                            </p:txEl>
+                                          </p:spTgt>
+                                        </p:tgtEl>
+                                        <p:attrNameLst>
+                                          <p:attrName>style.visibility</p:attrName>
+                                        </p:attrNameLst>
+                                      </p:cBhvr>
+                                      <p:to>
+                                        <p:strVal val="visible"/>
+                                      </p:to>
+                                    </p:set>
+                                    <p:animEffect transition="in" filter="fade">
+                                      <p:cBhvr>
+                                        <p:cTn id="22" dur="500"/>
+                                        <p:tgtEl>
+                                          <p:spTgt spid="3">
+                                            <p:txEl>
+                                              <p:pRg st="6" end="6"/>
+                                            </p:txEl>
+                                          </p:spTgt>
+                                        </p:tgtEl>
+                                      </p:cBhvr>
+                                    </p:animEffect>
+                                  </p:childTnLst>
+                                </p:cTn>
+                              </p:par>
+                              <p:par>
+                                <p:cTn id="23" presetID="10" presetClass="entr" presetSubtype="0" fill="hold" nodeType="withEffect">
+                                  <p:stCondLst>
+                                    <p:cond delay="0"/>
+                                  </p:stCondLst>
+                                  <p:childTnLst>
+                                    <p:set>
+                                      <p:cBhvr>
+                                        <p:cTn id="24" dur="1" fill="hold">
+                                          <p:stCondLst>
+                                            <p:cond delay="0"/>
+                                          </p:stCondLst>
+                                        </p:cTn>
+                                        <p:tgtEl>
+                                          <p:spTgt spid="3">
+                                            <p:txEl>
+                                              <p:pRg st="7" end="7"/>
+                                            </p:txEl>
+                                          </p:spTgt>
+                                        </p:tgtEl>
+                                        <p:attrNameLst>
+                                          <p:attrName>style.visibility</p:attrName>
+                                        </p:attrNameLst>
+                                      </p:cBhvr>
+                                      <p:to>
+                                        <p:strVal val="visible"/>
+                                      </p:to>
+                                    </p:set>
+                                    <p:animEffect transition="in" filter="fade">
+                                      <p:cBhvr>
+                                        <p:cTn id="25" dur="500"/>
+                                        <p:tgtEl>
+                                          <p:spTgt spid="3">
+                                            <p:txEl>
+                                              <p:pRg st="7" end="7"/>
+                                            </p:txEl>
+                                          </p:spTgt>
+                                        </p:tgtEl>
+                                      </p:cBhvr>
+                                    </p:animEffect>
+                                  </p:childTnLst>
+                                </p:cTn>
+                              </p:par>
+                              <p:par>
+                                <p:cTn id="26" presetID="10" presetClass="entr" presetSubtype="0" fill="hold" nodeType="withEffect">
+                                  <p:stCondLst>
+                                    <p:cond delay="0"/>
+                                  </p:stCondLst>
+                                  <p:childTnLst>
+                                    <p:set>
+                                      <p:cBhvr>
+                                        <p:cTn id="27" dur="1" fill="hold">
+                                          <p:stCondLst>
+                                            <p:cond delay="0"/>
+                                          </p:stCondLst>
+                                        </p:cTn>
+                                        <p:tgtEl>
+                                          <p:spTgt spid="3">
+                                            <p:txEl>
+                                              <p:pRg st="8" end="8"/>
+                                            </p:txEl>
+                                          </p:spTgt>
+                                        </p:tgtEl>
+                                        <p:attrNameLst>
+                                          <p:attrName>style.visibility</p:attrName>
+                                        </p:attrNameLst>
+                                      </p:cBhvr>
+                                      <p:to>
+                                        <p:strVal val="visible"/>
+                                      </p:to>
+                                    </p:set>
+                                    <p:animEffect transition="in" filter="fade">
+                                      <p:cBhvr>
+                                        <p:cTn id="28" dur="500"/>
+                                        <p:tgtEl>
+                                          <p:spTgt spid="3">
+                                            <p:txEl>
+                                              <p:pRg st="8" end="8"/>
+                                            </p:txEl>
+                                          </p:spTgt>
+                                        </p:tgtEl>
+                                      </p:cBhvr>
+                                    </p:animEffect>
+                                  </p:childTnLst>
+                                </p:cTn>
+                              </p:par>
+                              <p:par>
+                                <p:cTn id="29" presetID="10" presetClass="entr" presetSubtype="0" fill="hold" nodeType="withEffect">
+                                  <p:stCondLst>
+                                    <p:cond delay="0"/>
+                                  </p:stCondLst>
+                                  <p:childTnLst>
+                                    <p:set>
+                                      <p:cBhvr>
+                                        <p:cTn id="30" dur="1" fill="hold">
+                                          <p:stCondLst>
+                                            <p:cond delay="0"/>
+                                          </p:stCondLst>
+                                        </p:cTn>
+                                        <p:tgtEl>
+                                          <p:spTgt spid="3">
+                                            <p:txEl>
+                                              <p:pRg st="9" end="9"/>
+                                            </p:txEl>
+                                          </p:spTgt>
+                                        </p:tgtEl>
+                                        <p:attrNameLst>
+                                          <p:attrName>style.visibility</p:attrName>
+                                        </p:attrNameLst>
+                                      </p:cBhvr>
+                                      <p:to>
+                                        <p:strVal val="visible"/>
+                                      </p:to>
+                                    </p:set>
+                                    <p:animEffect transition="in" filter="fade">
+                                      <p:cBhvr>
+                                        <p:cTn id="31" dur="500"/>
+                                        <p:tgtEl>
+                                          <p:spTgt spid="3">
+                                            <p:txEl>
+                                              <p:pRg st="9" end="9"/>
+                                            </p:txEl>
+                                          </p:spTgt>
+                                        </p:tgtEl>
+                                      </p:cBhvr>
+                                    </p:animEffect>
+                                  </p:childTnLst>
+                                </p:cTn>
+                              </p:par>
+                              <p:par>
+                                <p:cTn id="32" presetID="10" presetClass="entr" presetSubtype="0" fill="hold" nodeType="withEffect">
+                                  <p:stCondLst>
+                                    <p:cond delay="0"/>
+                                  </p:stCondLst>
+                                  <p:childTnLst>
+                                    <p:set>
+                                      <p:cBhvr>
+                                        <p:cTn id="33" dur="1" fill="hold">
+                                          <p:stCondLst>
+                                            <p:cond delay="0"/>
+                                          </p:stCondLst>
+                                        </p:cTn>
+                                        <p:tgtEl>
+                                          <p:spTgt spid="3">
+                                            <p:txEl>
+                                              <p:pRg st="10" end="10"/>
+                                            </p:txEl>
+                                          </p:spTgt>
+                                        </p:tgtEl>
+                                        <p:attrNameLst>
+                                          <p:attrName>style.visibility</p:attrName>
+                                        </p:attrNameLst>
+                                      </p:cBhvr>
+                                      <p:to>
+                                        <p:strVal val="visible"/>
+                                      </p:to>
+                                    </p:set>
+                                    <p:animEffect transition="in" filter="fade">
+                                      <p:cBhvr>
+                                        <p:cTn id="34" dur="500"/>
+                                        <p:tgtEl>
+                                          <p:spTgt spid="3">
+                                            <p:txEl>
+                                              <p:pRg st="10" end="10"/>
+                                            </p:txEl>
+                                          </p:spTgt>
+                                        </p:tgtEl>
+                                      </p:cBhvr>
+                                    </p:animEffect>
+                                  </p:childTnLst>
+                                </p:cTn>
+                              </p:par>
+                              <p:par>
+                                <p:cTn id="35" presetID="10" presetClass="entr" presetSubtype="0" fill="hold" nodeType="withEffect">
+                                  <p:stCondLst>
+                                    <p:cond delay="0"/>
+                                  </p:stCondLst>
+                                  <p:childTnLst>
+                                    <p:set>
+                                      <p:cBhvr>
+                                        <p:cTn id="36" dur="1" fill="hold">
+                                          <p:stCondLst>
+                                            <p:cond delay="0"/>
+                                          </p:stCondLst>
+                                        </p:cTn>
+                                        <p:tgtEl>
+                                          <p:spTgt spid="3">
+                                            <p:txEl>
+                                              <p:pRg st="11" end="11"/>
+                                            </p:txEl>
+                                          </p:spTgt>
+                                        </p:tgtEl>
+                                        <p:attrNameLst>
+                                          <p:attrName>style.visibility</p:attrName>
+                                        </p:attrNameLst>
+                                      </p:cBhvr>
+                                      <p:to>
+                                        <p:strVal val="visible"/>
+                                      </p:to>
+                                    </p:set>
+                                    <p:animEffect transition="in" filter="fade">
+                                      <p:cBhvr>
+                                        <p:cTn id="37" dur="500"/>
+                                        <p:tgtEl>
+                                          <p:spTgt spid="3">
+                                            <p:txEl>
+                                              <p:pRg st="11" end="11"/>
+                                            </p:txEl>
+                                          </p:spTgt>
+                                        </p:tgtEl>
+                                      </p:cBhvr>
+                                    </p:animEffect>
+                                  </p:childTnLst>
+                                </p:cTn>
+                              </p:par>
+                            </p:childTnLst>
+                          </p:cTn>
+                        </p:par>
+                      </p:childTnLst>
+                    </p:cTn>
+                  </p:par>
+                </p:childTnLst>
+              </p:cTn>
+              <p:prevCondLst>
+                <p:cond evt="onPrev" delay="0">
+                  <p:tgtEl>
+                    <p:sldTgt/>
+                  </p:tgtEl>
+                </p:cond>
+              </p:prevCondLst>
+              <p:nextCondLst>
+                <p:cond evt="onNext" delay="0">
+                  <p:tgtEl>
+                    <p:sldTgt/>
+                  </p:tgtEl>
+                </p:cond>
+              </p:nextCondLst>
+            </p:seq>
+          </p:childTnLst>
+        </p:cTn>
+      </p:par>
+    </p:tnLst>
+  </p:timing>
+</p:sld>
+</file>
+
+<file path=ppt/slides/slide4.xml><?xml version="1.0" encoding="utf-8"?>
+<p:sld xmlns:a="http://schemas.openxmlformats.org/drawingml/2006/main" xmlns:r="http://schemas.openxmlformats.org/officeDocument/2006/relationships" xmlns:p="http://schemas.openxmlformats.org/presentationml/2006/main">
+  <p:cSld>
+    <p:bg>
+      <p:bgPr>
+        <a:solidFill>
+          <a:schemeClr val="bg1"/>
+        </a:solidFill>
+        <a:effectLst/>
+      </p:bgPr>
+    </p:bg>
+    <p:spTree>
+      <p:nvGrpSpPr>
+        <p:cNvPr id="1" name=""/>
+        <p:cNvGrpSpPr/>
+        <p:nvPr/>
+      </p:nvGrpSpPr>
+      <p:grpSpPr>
+        <a:xfrm>
+          <a:off x="0" y="0"/>
+          <a:ext cx="0" cy="0"/>
+          <a:chOff x="0" y="0"/>
+          <a:chExt cx="0" cy="0"/>
+        </a:xfrm>
+      </p:grpSpPr>
+      <p:sp>
+        <p:nvSpPr>
+          <p:cNvPr id="10" name="Rectangle 9">
+            <a:extLst>
+              <a:ext uri="{FF2B5EF4-FFF2-40B4-BE49-F238E27FC236}">
+                <a16:creationId xmlns:a16="http://schemas.microsoft.com/office/drawing/2014/main" id="{1707FC24-6981-43D9-B525-C7832BA22463}"/>
+              </a:ext>
+              <a:ext uri="{C183D7F6-B498-43B3-948B-1728B52AA6E4}">
+                <adec:decorative xmlns:adec="http://schemas.microsoft.com/office/drawing/2017/decorative" val="1"/>
+              </a:ext>
+            </a:extLst>
+          </p:cNvPr>
+          <p:cNvSpPr>
+            <a:spLocks noGrp="1" noRot="1" noChangeAspect="1" noMove="1" noResize="1" noEditPoints="1" noAdjustHandles="1" noChangeArrowheads="1" noChangeShapeType="1" noTextEdit="1"/>
+          </p:cNvSpPr>
+          <p:nvPr>
+            <p:extLst>
+              <p:ext uri="{386F3935-93C4-4BCD-93E2-E3B085C9AB24}">
+                <p16:designElem xmlns:p16="http://schemas.microsoft.com/office/powerpoint/2015/main" val="1"/>
+              </p:ext>
+            </p:extLst>
+          </p:nvPr>
+        </p:nvSpPr>
+        <p:spPr bwMode="ltGray">
+          <a:xfrm>
+            <a:off x="336884" y="311449"/>
+            <a:ext cx="4332307" cy="6179552"/>
+          </a:xfrm>
+          <a:prstGeom prst="rect">
+            <a:avLst/>
+          </a:prstGeom>
+          <a:solidFill>
+            <a:srgbClr val="404040"/>
+          </a:solidFill>
+          <a:ln w="127000" cap="sq" cmpd="thinThick">
+            <a:solidFill>
+              <a:srgbClr val="404040"/>
+            </a:solidFill>
+          </a:ln>
+        </p:spPr>
+        <p:style>
+          <a:lnRef idx="2">
+            <a:schemeClr val="accent1">
+              <a:shade val="50000"/>
+            </a:schemeClr>
+          </a:lnRef>
+          <a:fillRef idx="1">
+            <a:schemeClr val="accent1"/>
+          </a:fillRef>
+          <a:effectRef idx="0">
+            <a:schemeClr val="accent1"/>
+          </a:effectRef>
+          <a:fontRef idx="minor">
+            <a:schemeClr val="lt1"/>
+          </a:fontRef>
+        </p:style>
+        <p:txBody>
+          <a:bodyPr rtlCol="0" anchor="ctr"/>
+          <a:lstStyle/>
+          <a:p>
+            <a:pPr algn="ctr"/>
+            <a:endParaRPr lang="en-US"/>
+          </a:p>
+        </p:txBody>
+      </p:sp>
+      <p:sp>
+        <p:nvSpPr>
+          <p:cNvPr id="2" name="Title 1">
+            <a:extLst>
+              <a:ext uri="{FF2B5EF4-FFF2-40B4-BE49-F238E27FC236}">
+                <a16:creationId xmlns:a16="http://schemas.microsoft.com/office/drawing/2014/main" id="{45F454AE-DC80-4E11-9A42-3B7A1CE35C5A}"/>
+              </a:ext>
+            </a:extLst>
+          </p:cNvPr>
+          <p:cNvSpPr>
+            <a:spLocks noGrp="1"/>
+          </p:cNvSpPr>
+          <p:nvPr>
+            <p:ph type="title"/>
+          </p:nvPr>
+        </p:nvSpPr>
+        <p:spPr>
+          <a:xfrm>
+            <a:off x="742950" y="742951"/>
+            <a:ext cx="3476625" cy="4962524"/>
+          </a:xfrm>
+        </p:spPr>
+        <p:txBody>
+          <a:bodyPr vert="horz" lIns="91440" tIns="45720" rIns="91440" bIns="45720" rtlCol="0" anchor="ctr">
+            <a:normAutofit fontScale="90000"/>
+          </a:bodyPr>
+          <a:lstStyle/>
+          <a:p>
+            <a:pPr algn="ctr"/>
+            <a:r>
+              <a:rPr lang="en-US" sz="3000" b="1" dirty="0">
+                <a:solidFill>
+                  <a:srgbClr val="FFFFFF"/>
+                </a:solidFill>
+              </a:rPr>
+              <a:t>Based on a New York City Community Health Survey (CHS) 2013 </a:t>
+            </a:r>
+            <a:r>
+              <a:rPr lang="en-US" sz="3000" kern="1200" dirty="0">
+                <a:solidFill>
+                  <a:srgbClr val="FFFFFF"/>
+                </a:solidFill>
+                <a:latin typeface="+mj-lt"/>
+                <a:ea typeface="+mj-ea"/>
+                <a:cs typeface="+mj-cs"/>
+              </a:rPr>
+              <a:t>– Men and women were asked several questions regarding their Demographics and Lifestyle to determine how they are categorized in General Health state.</a:t>
+            </a:r>
+          </a:p>
+        </p:txBody>
+      </p:sp>
+      <p:pic>
+        <p:nvPicPr>
+          <p:cNvPr id="16" name="Content Placeholder 15" descr="A close up of a logo&#10;&#10;Description generated with high confidence">
+            <a:extLst>
+              <a:ext uri="{FF2B5EF4-FFF2-40B4-BE49-F238E27FC236}">
+                <a16:creationId xmlns:a16="http://schemas.microsoft.com/office/drawing/2014/main" id="{24D1DA43-EE31-4CC6-9C4E-F1F62A1D326C}"/>
+              </a:ext>
+            </a:extLst>
+          </p:cNvPr>
+          <p:cNvPicPr>
+            <a:picLocks noGrp="1" noChangeAspect="1"/>
+          </p:cNvPicPr>
+          <p:nvPr>
+            <p:ph idx="1"/>
+          </p:nvPr>
+        </p:nvPicPr>
+        <p:blipFill>
+          <a:blip r:embed="rId2">
+            <a:extLst>
+              <a:ext uri="{28A0092B-C50C-407E-A947-70E740481C1C}">
+                <a14:useLocalDpi xmlns:a14="http://schemas.microsoft.com/office/drawing/2010/main" val="0"/>
+              </a:ext>
+            </a:extLst>
+          </a:blip>
+          <a:stretch>
+            <a:fillRect/>
+          </a:stretch>
+        </p:blipFill>
+        <p:spPr>
+          <a:xfrm>
+            <a:off x="4737697" y="1519060"/>
+            <a:ext cx="7366844" cy="3401850"/>
+          </a:xfrm>
+        </p:spPr>
+      </p:pic>
+    </p:spTree>
+    <p:extLst>
+      <p:ext uri="{BB962C8B-B14F-4D97-AF65-F5344CB8AC3E}">
+        <p14:creationId xmlns:p14="http://schemas.microsoft.com/office/powerpoint/2010/main" val="446938341"/>
+      </p:ext>
+    </p:extLst>
+  </p:cSld>
+  <p:clrMapOvr>
+    <a:masterClrMapping/>
+  </p:clrMapOvr>
+  <mc:AlternateContent xmlns:mc="http://schemas.openxmlformats.org/markup-compatibility/2006" xmlns:p14="http://schemas.microsoft.com/office/powerpoint/2010/main">
+    <mc:Choice Requires="p14">
+      <p:transition spd="med" p14:dur="700">
+        <p:fade/>
+      </p:transition>
+    </mc:Choice>
+    <mc:Fallback xmlns="">
+      <p:transition spd="med">
+        <p:fade/>
+      </p:transition>
+    </mc:Fallback>
+  </mc:AlternateContent>
+</p:sld>
+</file>
+
+<file path=ppt/slides/slide5.xml><?xml version="1.0" encoding="utf-8"?>
 <p:sld xmlns:a="http://schemas.openxmlformats.org/drawingml/2006/main" xmlns:r="http://schemas.openxmlformats.org/officeDocument/2006/relationships" xmlns:p="http://schemas.openxmlformats.org/presentationml/2006/main">
   <p:cSld>
     <p:spTree>
@@ -4919,8 +7970,8 @@
 </p:sld>
 </file>
 
-<file path=ppt/slides/slide8.xml><?xml version="1.0" encoding="utf-8"?>
-<p:sld xmlns:a="http://schemas.openxmlformats.org/drawingml/2006/main" xmlns:r="http://schemas.openxmlformats.org/officeDocument/2006/relationships" xmlns:p="http://schemas.openxmlformats.org/presentationml/2006/main">
+<file path=ppt/slides/slide6.xml><?xml version="1.0" encoding="utf-8"?>
+<p:sld xmlns:a="http://schemas.openxmlformats.org/drawingml/2006/main" xmlns:r="http://schemas.openxmlformats.org/officeDocument/2006/relationships" xmlns:p="http://schemas.openxmlformats.org/presentationml/2006/main" show="0">
   <p:cSld>
     <p:spTree>
       <p:nvGrpSpPr>
@@ -10438,7 +13489,7 @@
                     <a:p>
                       <a:pPr algn="l" fontAlgn="b"/>
                       <a:r>
-                        <a:rPr lang="en-US" sz="700" b="0" i="0" u="none" strike="noStrike">
+                        <a:rPr lang="en-US" sz="700" b="0" i="0" u="none" strike="noStrike" dirty="0">
                           <a:solidFill>
                             <a:srgbClr val="000000"/>
                           </a:solidFill>
@@ -10958,7 +14009,7 @@
                     <a:p>
                       <a:pPr algn="r" fontAlgn="b"/>
                       <a:r>
-                        <a:rPr lang="en-US" sz="700" b="0" i="0" u="none" strike="noStrike">
+                        <a:rPr lang="en-US" sz="700" b="0" i="0" u="none" strike="noStrike" dirty="0">
                           <a:solidFill>
                             <a:srgbClr val="000000"/>
                           </a:solidFill>
@@ -14575,13 +17626,13 @@
   <p:clrMapOvr>
     <a:masterClrMapping/>
   </p:clrMapOvr>
-  <mc:AlternateContent xmlns:mc="http://schemas.openxmlformats.org/markup-compatibility/2006">
-    <mc:Choice xmlns:p159="http://schemas.microsoft.com/office/powerpoint/2015/09/main" Requires="p159">
+  <mc:AlternateContent xmlns:mc="http://schemas.openxmlformats.org/markup-compatibility/2006" xmlns:p159="http://schemas.microsoft.com/office/powerpoint/2015/09/main">
+    <mc:Choice Requires="p159">
       <p:transition xmlns:p14="http://schemas.microsoft.com/office/powerpoint/2010/main" spd="slow" p14:dur="2000">
         <p159:morph option="byObject"/>
       </p:transition>
     </mc:Choice>
-    <mc:Fallback>
+    <mc:Fallback xmlns="">
       <p:transition spd="slow">
         <p:fade/>
       </p:transition>
@@ -14590,9 +17641,17 @@
 </p:sld>
 </file>
 
-<file path=ppt/slides/slide9.xml><?xml version="1.0" encoding="utf-8"?>
+<file path=ppt/slides/slide7.xml><?xml version="1.0" encoding="utf-8"?>
 <p:sld xmlns:a="http://schemas.openxmlformats.org/drawingml/2006/main" xmlns:r="http://schemas.openxmlformats.org/officeDocument/2006/relationships" xmlns:p="http://schemas.openxmlformats.org/presentationml/2006/main">
   <p:cSld>
+    <p:bg>
+      <p:bgPr>
+        <a:solidFill>
+          <a:schemeClr val="bg1"/>
+        </a:solidFill>
+        <a:effectLst/>
+      </p:bgPr>
+    </p:bg>
     <p:spTree>
       <p:nvGrpSpPr>
         <p:cNvPr id="1" name=""/>
@@ -14609,6 +17668,126 @@
       </p:grpSpPr>
       <p:sp>
         <p:nvSpPr>
+          <p:cNvPr id="11" name="Rectangle 7">
+            <a:extLst>
+              <a:ext uri="{FF2B5EF4-FFF2-40B4-BE49-F238E27FC236}">
+                <a16:creationId xmlns:a16="http://schemas.microsoft.com/office/drawing/2014/main" id="{8D70B121-56F4-4848-B38B-182089D909FA}"/>
+              </a:ext>
+              <a:ext uri="{C183D7F6-B498-43B3-948B-1728B52AA6E4}">
+                <adec:decorative xmlns:adec="http://schemas.microsoft.com/office/drawing/2017/decorative" val="1"/>
+              </a:ext>
+            </a:extLst>
+          </p:cNvPr>
+          <p:cNvSpPr>
+            <a:spLocks noGrp="1" noRot="1" noChangeAspect="1" noMove="1" noResize="1" noEditPoints="1" noAdjustHandles="1" noChangeArrowheads="1" noChangeShapeType="1" noTextEdit="1"/>
+          </p:cNvSpPr>
+          <p:nvPr>
+            <p:extLst>
+              <p:ext uri="{386F3935-93C4-4BCD-93E2-E3B085C9AB24}">
+                <p16:designElem xmlns:p16="http://schemas.microsoft.com/office/powerpoint/2015/main" val="1"/>
+              </p:ext>
+            </p:extLst>
+          </p:nvPr>
+        </p:nvSpPr>
+        <p:spPr bwMode="ltGray">
+          <a:xfrm>
+            <a:off x="321564" y="320040"/>
+            <a:ext cx="11548872" cy="6217920"/>
+          </a:xfrm>
+          <a:prstGeom prst="rect">
+            <a:avLst/>
+          </a:prstGeom>
+          <a:solidFill>
+            <a:schemeClr val="tx1">
+              <a:alpha val="8000"/>
+            </a:schemeClr>
+          </a:solidFill>
+          <a:ln w="127000" cap="sq" cmpd="thinThick">
+            <a:noFill/>
+          </a:ln>
+        </p:spPr>
+        <p:style>
+          <a:lnRef idx="2">
+            <a:schemeClr val="accent1">
+              <a:shade val="50000"/>
+            </a:schemeClr>
+          </a:lnRef>
+          <a:fillRef idx="1">
+            <a:schemeClr val="accent1"/>
+          </a:fillRef>
+          <a:effectRef idx="0">
+            <a:schemeClr val="accent1"/>
+          </a:effectRef>
+          <a:fontRef idx="minor">
+            <a:schemeClr val="lt1"/>
+          </a:fontRef>
+        </p:style>
+        <p:txBody>
+          <a:bodyPr rtlCol="0" anchor="ctr"/>
+          <a:lstStyle/>
+          <a:p>
+            <a:pPr algn="ctr"/>
+            <a:endParaRPr lang="en-US"/>
+          </a:p>
+        </p:txBody>
+      </p:sp>
+      <p:cxnSp>
+        <p:nvCxnSpPr>
+          <p:cNvPr id="10" name="Straight Connector 9">
+            <a:extLst>
+              <a:ext uri="{FF2B5EF4-FFF2-40B4-BE49-F238E27FC236}">
+                <a16:creationId xmlns:a16="http://schemas.microsoft.com/office/drawing/2014/main" id="{2D72A2C9-F3CA-4216-8BAD-FA4C970C3C4E}"/>
+              </a:ext>
+              <a:ext uri="{C183D7F6-B498-43B3-948B-1728B52AA6E4}">
+                <adec:decorative xmlns:adec="http://schemas.microsoft.com/office/drawing/2017/decorative" val="1"/>
+              </a:ext>
+            </a:extLst>
+          </p:cNvPr>
+          <p:cNvCxnSpPr>
+            <a:cxnSpLocks noGrp="1" noRot="1" noChangeAspect="1" noMove="1" noResize="1" noEditPoints="1" noAdjustHandles="1" noChangeArrowheads="1" noChangeShapeType="1"/>
+          </p:cNvCxnSpPr>
+          <p:nvPr>
+            <p:extLst>
+              <p:ext uri="{386F3935-93C4-4BCD-93E2-E3B085C9AB24}">
+                <p16:designElem xmlns:p16="http://schemas.microsoft.com/office/powerpoint/2015/main" val="1"/>
+              </p:ext>
+            </p:extLst>
+          </p:nvPr>
+        </p:nvCxnSpPr>
+        <p:spPr>
+          <a:xfrm>
+            <a:off x="4654296" y="2057400"/>
+            <a:ext cx="0" cy="2743200"/>
+          </a:xfrm>
+          <a:prstGeom prst="line">
+            <a:avLst/>
+          </a:prstGeom>
+          <a:ln w="19050">
+            <a:solidFill>
+              <a:schemeClr val="tx1">
+                <a:lumMod val="85000"/>
+                <a:lumOff val="15000"/>
+              </a:schemeClr>
+            </a:solidFill>
+          </a:ln>
+        </p:spPr>
+        <p:style>
+          <a:lnRef idx="1">
+            <a:schemeClr val="accent1"/>
+          </a:lnRef>
+          <a:fillRef idx="0">
+            <a:schemeClr val="accent1"/>
+          </a:fillRef>
+          <a:effectRef idx="0">
+            <a:schemeClr val="accent1"/>
+          </a:effectRef>
+          <a:fontRef idx="minor">
+            <a:schemeClr val="tx1"/>
+          </a:fontRef>
+        </p:style>
+      </p:cxnSp>
+      <p:sp>
+        <p:nvSpPr>
           <p:cNvPr id="2" name="Title 1">
             <a:extLst>
               <a:ext uri="{FF2B5EF4-FFF2-40B4-BE49-F238E27FC236}">
@@ -14623,20 +17802,40 @@
             <p:ph type="title"/>
           </p:nvPr>
         </p:nvSpPr>
-        <p:spPr/>
+        <p:spPr>
+          <a:xfrm>
+            <a:off x="838200" y="963877"/>
+            <a:ext cx="3494362" cy="4930246"/>
+          </a:xfrm>
+        </p:spPr>
         <p:txBody>
-          <a:bodyPr/>
+          <a:bodyPr>
+            <a:normAutofit/>
+          </a:bodyPr>
           <a:lstStyle/>
           <a:p>
+            <a:pPr algn="r"/>
             <a:r>
-              <a:rPr lang="en-US" dirty="0"/>
+              <a:rPr lang="en-US" dirty="0">
+                <a:solidFill>
+                  <a:schemeClr val="accent1"/>
+                </a:solidFill>
+              </a:rPr>
               <a:t>Exploration of our </a:t>
             </a:r>
             <a:r>
-              <a:rPr lang="en-US" dirty="0" err="1"/>
+              <a:rPr lang="en-US" dirty="0" err="1">
+                <a:solidFill>
+                  <a:schemeClr val="accent1"/>
+                </a:solidFill>
+              </a:rPr>
               <a:t>DataSet</a:t>
             </a:r>
-            <a:endParaRPr lang="en-US" dirty="0"/>
+            <a:endParaRPr lang="en-US" dirty="0">
+              <a:solidFill>
+                <a:schemeClr val="accent1"/>
+              </a:solidFill>
+            </a:endParaRPr>
           </a:p>
         </p:txBody>
       </p:sp>
@@ -14656,38 +17855,94 @@
             <p:ph idx="1"/>
           </p:nvPr>
         </p:nvSpPr>
-        <p:spPr/>
+        <p:spPr>
+          <a:xfrm>
+            <a:off x="4976031" y="963877"/>
+            <a:ext cx="6377769" cy="4930246"/>
+          </a:xfrm>
+        </p:spPr>
         <p:txBody>
-          <a:bodyPr/>
+          <a:bodyPr anchor="ctr">
+            <a:normAutofit/>
+          </a:bodyPr>
           <a:lstStyle/>
           <a:p>
             <a:r>
-              <a:rPr lang="en-US" dirty="0"/>
+              <a:rPr lang="en-US" sz="2400" dirty="0"/>
               <a:t>Challenges with the </a:t>
             </a:r>
             <a:r>
-              <a:rPr lang="en-US" dirty="0" err="1"/>
+              <a:rPr lang="en-US" sz="2400" dirty="0" err="1"/>
               <a:t>DataSet</a:t>
             </a:r>
             <a:r>
-              <a:rPr lang="en-US" dirty="0"/>
+              <a:rPr lang="en-US" sz="2400" dirty="0"/>
               <a:t>…</a:t>
             </a:r>
           </a:p>
           <a:p>
-            <a:endParaRPr lang="en-US" dirty="0"/>
-          </a:p>
-          <a:p>
-            <a:endParaRPr lang="en-US" dirty="0"/>
-          </a:p>
-          <a:p>
-            <a:endParaRPr lang="en-US" dirty="0"/>
-          </a:p>
-          <a:p>
+            <a:pPr lvl="1"/>
             <a:r>
               <a:rPr lang="en-US" dirty="0"/>
-              <a:t>Our Solutions …</a:t>
+              <a:t>Data without values (Nan)</a:t>
             </a:r>
+          </a:p>
+          <a:p>
+            <a:pPr lvl="1"/>
+            <a:r>
+              <a:rPr lang="en-US" dirty="0"/>
+              <a:t>Strings instead of numerical values</a:t>
+            </a:r>
+          </a:p>
+          <a:p>
+            <a:pPr lvl="1"/>
+            <a:r>
+              <a:rPr lang="en-US" dirty="0"/>
+              <a:t>No continuous variables</a:t>
+            </a:r>
+          </a:p>
+          <a:p>
+            <a:pPr lvl="2"/>
+            <a:r>
+              <a:rPr lang="en-US" sz="2400" dirty="0"/>
+              <a:t>Too Categorical</a:t>
+            </a:r>
+          </a:p>
+          <a:p>
+            <a:pPr lvl="2"/>
+            <a:r>
+              <a:rPr lang="en-US" sz="2400" dirty="0"/>
+              <a:t>Limited Graph types</a:t>
+            </a:r>
+          </a:p>
+          <a:p>
+            <a:r>
+              <a:rPr lang="en-US" sz="2400" dirty="0"/>
+              <a:t>Solutions…</a:t>
+            </a:r>
+          </a:p>
+          <a:p>
+            <a:pPr lvl="1"/>
+            <a:r>
+              <a:rPr lang="en-US" sz="2000" dirty="0"/>
+              <a:t>Divided influences based on those categories</a:t>
+            </a:r>
+          </a:p>
+          <a:p>
+            <a:pPr lvl="1"/>
+            <a:r>
+              <a:rPr lang="en-US" sz="2000" dirty="0"/>
+              <a:t>Created complete </a:t>
+            </a:r>
+            <a:r>
+              <a:rPr lang="en-US" sz="2000" dirty="0" err="1"/>
+              <a:t>DataSet</a:t>
+            </a:r>
+            <a:endParaRPr lang="en-US" sz="2000" dirty="0"/>
+          </a:p>
+          <a:p>
+            <a:pPr lvl="2"/>
+            <a:endParaRPr lang="en-US" sz="2400" dirty="0"/>
           </a:p>
         </p:txBody>
       </p:sp>
@@ -14851,7 +18106,7 @@
                                         <p:tgtEl>
                                           <p:spTgt spid="3">
                                             <p:txEl>
-                                              <p:pRg st="4" end="4"/>
+                                              <p:pRg st="1" end="1"/>
                                             </p:txEl>
                                           </p:spTgt>
                                         </p:tgtEl>
@@ -14869,7 +18124,434 @@
                                         <p:tgtEl>
                                           <p:spTgt spid="3">
                                             <p:txEl>
+                                              <p:pRg st="1" end="1"/>
+                                            </p:txEl>
+                                          </p:spTgt>
+                                        </p:tgtEl>
+                                      </p:cBhvr>
+                                    </p:animEffect>
+                                  </p:childTnLst>
+                                </p:cTn>
+                              </p:par>
+                            </p:childTnLst>
+                          </p:cTn>
+                        </p:par>
+                      </p:childTnLst>
+                    </p:cTn>
+                  </p:par>
+                  <p:par>
+                    <p:cTn id="18" fill="hold">
+                      <p:stCondLst>
+                        <p:cond delay="indefinite"/>
+                      </p:stCondLst>
+                      <p:childTnLst>
+                        <p:par>
+                          <p:cTn id="19" fill="hold">
+                            <p:stCondLst>
+                              <p:cond delay="0"/>
+                            </p:stCondLst>
+                            <p:childTnLst>
+                              <p:par>
+                                <p:cTn id="20" presetID="22" presetClass="entr" presetSubtype="4" fill="hold" nodeType="clickEffect">
+                                  <p:stCondLst>
+                                    <p:cond delay="0"/>
+                                  </p:stCondLst>
+                                  <p:childTnLst>
+                                    <p:set>
+                                      <p:cBhvr>
+                                        <p:cTn id="21" dur="1" fill="hold">
+                                          <p:stCondLst>
+                                            <p:cond delay="0"/>
+                                          </p:stCondLst>
+                                        </p:cTn>
+                                        <p:tgtEl>
+                                          <p:spTgt spid="3">
+                                            <p:txEl>
+                                              <p:pRg st="2" end="2"/>
+                                            </p:txEl>
+                                          </p:spTgt>
+                                        </p:tgtEl>
+                                        <p:attrNameLst>
+                                          <p:attrName>style.visibility</p:attrName>
+                                        </p:attrNameLst>
+                                      </p:cBhvr>
+                                      <p:to>
+                                        <p:strVal val="visible"/>
+                                      </p:to>
+                                    </p:set>
+                                    <p:animEffect transition="in" filter="wipe(down)">
+                                      <p:cBhvr>
+                                        <p:cTn id="22" dur="500"/>
+                                        <p:tgtEl>
+                                          <p:spTgt spid="3">
+                                            <p:txEl>
+                                              <p:pRg st="2" end="2"/>
+                                            </p:txEl>
+                                          </p:spTgt>
+                                        </p:tgtEl>
+                                      </p:cBhvr>
+                                    </p:animEffect>
+                                  </p:childTnLst>
+                                </p:cTn>
+                              </p:par>
+                            </p:childTnLst>
+                          </p:cTn>
+                        </p:par>
+                      </p:childTnLst>
+                    </p:cTn>
+                  </p:par>
+                  <p:par>
+                    <p:cTn id="23" fill="hold">
+                      <p:stCondLst>
+                        <p:cond delay="indefinite"/>
+                      </p:stCondLst>
+                      <p:childTnLst>
+                        <p:par>
+                          <p:cTn id="24" fill="hold">
+                            <p:stCondLst>
+                              <p:cond delay="0"/>
+                            </p:stCondLst>
+                            <p:childTnLst>
+                              <p:par>
+                                <p:cTn id="25" presetID="22" presetClass="entr" presetSubtype="4" fill="hold" nodeType="clickEffect">
+                                  <p:stCondLst>
+                                    <p:cond delay="0"/>
+                                  </p:stCondLst>
+                                  <p:childTnLst>
+                                    <p:set>
+                                      <p:cBhvr>
+                                        <p:cTn id="26" dur="1" fill="hold">
+                                          <p:stCondLst>
+                                            <p:cond delay="0"/>
+                                          </p:stCondLst>
+                                        </p:cTn>
+                                        <p:tgtEl>
+                                          <p:spTgt spid="3">
+                                            <p:txEl>
+                                              <p:pRg st="3" end="3"/>
+                                            </p:txEl>
+                                          </p:spTgt>
+                                        </p:tgtEl>
+                                        <p:attrNameLst>
+                                          <p:attrName>style.visibility</p:attrName>
+                                        </p:attrNameLst>
+                                      </p:cBhvr>
+                                      <p:to>
+                                        <p:strVal val="visible"/>
+                                      </p:to>
+                                    </p:set>
+                                    <p:animEffect transition="in" filter="wipe(down)">
+                                      <p:cBhvr>
+                                        <p:cTn id="27" dur="500"/>
+                                        <p:tgtEl>
+                                          <p:spTgt spid="3">
+                                            <p:txEl>
+                                              <p:pRg st="3" end="3"/>
+                                            </p:txEl>
+                                          </p:spTgt>
+                                        </p:tgtEl>
+                                      </p:cBhvr>
+                                    </p:animEffect>
+                                  </p:childTnLst>
+                                </p:cTn>
+                              </p:par>
+                            </p:childTnLst>
+                          </p:cTn>
+                        </p:par>
+                      </p:childTnLst>
+                    </p:cTn>
+                  </p:par>
+                  <p:par>
+                    <p:cTn id="28" fill="hold">
+                      <p:stCondLst>
+                        <p:cond delay="indefinite"/>
+                      </p:stCondLst>
+                      <p:childTnLst>
+                        <p:par>
+                          <p:cTn id="29" fill="hold">
+                            <p:stCondLst>
+                              <p:cond delay="0"/>
+                            </p:stCondLst>
+                            <p:childTnLst>
+                              <p:par>
+                                <p:cTn id="30" presetID="22" presetClass="entr" presetSubtype="4" fill="hold" nodeType="clickEffect">
+                                  <p:stCondLst>
+                                    <p:cond delay="0"/>
+                                  </p:stCondLst>
+                                  <p:childTnLst>
+                                    <p:set>
+                                      <p:cBhvr>
+                                        <p:cTn id="31" dur="1" fill="hold">
+                                          <p:stCondLst>
+                                            <p:cond delay="0"/>
+                                          </p:stCondLst>
+                                        </p:cTn>
+                                        <p:tgtEl>
+                                          <p:spTgt spid="3">
+                                            <p:txEl>
                                               <p:pRg st="4" end="4"/>
+                                            </p:txEl>
+                                          </p:spTgt>
+                                        </p:tgtEl>
+                                        <p:attrNameLst>
+                                          <p:attrName>style.visibility</p:attrName>
+                                        </p:attrNameLst>
+                                      </p:cBhvr>
+                                      <p:to>
+                                        <p:strVal val="visible"/>
+                                      </p:to>
+                                    </p:set>
+                                    <p:animEffect transition="in" filter="wipe(down)">
+                                      <p:cBhvr>
+                                        <p:cTn id="32" dur="500"/>
+                                        <p:tgtEl>
+                                          <p:spTgt spid="3">
+                                            <p:txEl>
+                                              <p:pRg st="4" end="4"/>
+                                            </p:txEl>
+                                          </p:spTgt>
+                                        </p:tgtEl>
+                                      </p:cBhvr>
+                                    </p:animEffect>
+                                  </p:childTnLst>
+                                </p:cTn>
+                              </p:par>
+                            </p:childTnLst>
+                          </p:cTn>
+                        </p:par>
+                      </p:childTnLst>
+                    </p:cTn>
+                  </p:par>
+                  <p:par>
+                    <p:cTn id="33" fill="hold">
+                      <p:stCondLst>
+                        <p:cond delay="indefinite"/>
+                      </p:stCondLst>
+                      <p:childTnLst>
+                        <p:par>
+                          <p:cTn id="34" fill="hold">
+                            <p:stCondLst>
+                              <p:cond delay="0"/>
+                            </p:stCondLst>
+                            <p:childTnLst>
+                              <p:par>
+                                <p:cTn id="35" presetID="22" presetClass="entr" presetSubtype="4" fill="hold" nodeType="clickEffect">
+                                  <p:stCondLst>
+                                    <p:cond delay="0"/>
+                                  </p:stCondLst>
+                                  <p:childTnLst>
+                                    <p:set>
+                                      <p:cBhvr>
+                                        <p:cTn id="36" dur="1" fill="hold">
+                                          <p:stCondLst>
+                                            <p:cond delay="0"/>
+                                          </p:stCondLst>
+                                        </p:cTn>
+                                        <p:tgtEl>
+                                          <p:spTgt spid="3">
+                                            <p:txEl>
+                                              <p:pRg st="5" end="5"/>
+                                            </p:txEl>
+                                          </p:spTgt>
+                                        </p:tgtEl>
+                                        <p:attrNameLst>
+                                          <p:attrName>style.visibility</p:attrName>
+                                        </p:attrNameLst>
+                                      </p:cBhvr>
+                                      <p:to>
+                                        <p:strVal val="visible"/>
+                                      </p:to>
+                                    </p:set>
+                                    <p:animEffect transition="in" filter="wipe(down)">
+                                      <p:cBhvr>
+                                        <p:cTn id="37" dur="500"/>
+                                        <p:tgtEl>
+                                          <p:spTgt spid="3">
+                                            <p:txEl>
+                                              <p:pRg st="5" end="5"/>
+                                            </p:txEl>
+                                          </p:spTgt>
+                                        </p:tgtEl>
+                                      </p:cBhvr>
+                                    </p:animEffect>
+                                  </p:childTnLst>
+                                </p:cTn>
+                              </p:par>
+                            </p:childTnLst>
+                          </p:cTn>
+                        </p:par>
+                      </p:childTnLst>
+                    </p:cTn>
+                  </p:par>
+                  <p:par>
+                    <p:cTn id="38" fill="hold">
+                      <p:stCondLst>
+                        <p:cond delay="indefinite"/>
+                      </p:stCondLst>
+                      <p:childTnLst>
+                        <p:par>
+                          <p:cTn id="39" fill="hold">
+                            <p:stCondLst>
+                              <p:cond delay="0"/>
+                            </p:stCondLst>
+                            <p:childTnLst>
+                              <p:par>
+                                <p:cTn id="40" presetID="22" presetClass="entr" presetSubtype="4" fill="hold" nodeType="clickEffect">
+                                  <p:stCondLst>
+                                    <p:cond delay="0"/>
+                                  </p:stCondLst>
+                                  <p:childTnLst>
+                                    <p:set>
+                                      <p:cBhvr>
+                                        <p:cTn id="41" dur="1" fill="hold">
+                                          <p:stCondLst>
+                                            <p:cond delay="0"/>
+                                          </p:stCondLst>
+                                        </p:cTn>
+                                        <p:tgtEl>
+                                          <p:spTgt spid="3">
+                                            <p:txEl>
+                                              <p:pRg st="6" end="6"/>
+                                            </p:txEl>
+                                          </p:spTgt>
+                                        </p:tgtEl>
+                                        <p:attrNameLst>
+                                          <p:attrName>style.visibility</p:attrName>
+                                        </p:attrNameLst>
+                                      </p:cBhvr>
+                                      <p:to>
+                                        <p:strVal val="visible"/>
+                                      </p:to>
+                                    </p:set>
+                                    <p:animEffect transition="in" filter="wipe(down)">
+                                      <p:cBhvr>
+                                        <p:cTn id="42" dur="500"/>
+                                        <p:tgtEl>
+                                          <p:spTgt spid="3">
+                                            <p:txEl>
+                                              <p:pRg st="6" end="6"/>
+                                            </p:txEl>
+                                          </p:spTgt>
+                                        </p:tgtEl>
+                                      </p:cBhvr>
+                                    </p:animEffect>
+                                  </p:childTnLst>
+                                </p:cTn>
+                              </p:par>
+                            </p:childTnLst>
+                          </p:cTn>
+                        </p:par>
+                      </p:childTnLst>
+                    </p:cTn>
+                  </p:par>
+                  <p:par>
+                    <p:cTn id="43" fill="hold">
+                      <p:stCondLst>
+                        <p:cond delay="indefinite"/>
+                      </p:stCondLst>
+                      <p:childTnLst>
+                        <p:par>
+                          <p:cTn id="44" fill="hold">
+                            <p:stCondLst>
+                              <p:cond delay="0"/>
+                            </p:stCondLst>
+                            <p:childTnLst>
+                              <p:par>
+                                <p:cTn id="45" presetID="22" presetClass="entr" presetSubtype="4" fill="hold" nodeType="clickEffect">
+                                  <p:stCondLst>
+                                    <p:cond delay="0"/>
+                                  </p:stCondLst>
+                                  <p:childTnLst>
+                                    <p:set>
+                                      <p:cBhvr>
+                                        <p:cTn id="46" dur="1" fill="hold">
+                                          <p:stCondLst>
+                                            <p:cond delay="0"/>
+                                          </p:stCondLst>
+                                        </p:cTn>
+                                        <p:tgtEl>
+                                          <p:spTgt spid="3">
+                                            <p:txEl>
+                                              <p:pRg st="7" end="7"/>
+                                            </p:txEl>
+                                          </p:spTgt>
+                                        </p:tgtEl>
+                                        <p:attrNameLst>
+                                          <p:attrName>style.visibility</p:attrName>
+                                        </p:attrNameLst>
+                                      </p:cBhvr>
+                                      <p:to>
+                                        <p:strVal val="visible"/>
+                                      </p:to>
+                                    </p:set>
+                                    <p:animEffect transition="in" filter="wipe(down)">
+                                      <p:cBhvr>
+                                        <p:cTn id="47" dur="500"/>
+                                        <p:tgtEl>
+                                          <p:spTgt spid="3">
+                                            <p:txEl>
+                                              <p:pRg st="7" end="7"/>
+                                            </p:txEl>
+                                          </p:spTgt>
+                                        </p:tgtEl>
+                                      </p:cBhvr>
+                                    </p:animEffect>
+                                  </p:childTnLst>
+                                </p:cTn>
+                              </p:par>
+                            </p:childTnLst>
+                          </p:cTn>
+                        </p:par>
+                      </p:childTnLst>
+                    </p:cTn>
+                  </p:par>
+                  <p:par>
+                    <p:cTn id="48" fill="hold">
+                      <p:stCondLst>
+                        <p:cond delay="indefinite"/>
+                      </p:stCondLst>
+                      <p:childTnLst>
+                        <p:par>
+                          <p:cTn id="49" fill="hold">
+                            <p:stCondLst>
+                              <p:cond delay="0"/>
+                            </p:stCondLst>
+                            <p:childTnLst>
+                              <p:par>
+                                <p:cTn id="50" presetID="22" presetClass="entr" presetSubtype="4" fill="hold" nodeType="clickEffect">
+                                  <p:stCondLst>
+                                    <p:cond delay="0"/>
+                                  </p:stCondLst>
+                                  <p:childTnLst>
+                                    <p:set>
+                                      <p:cBhvr>
+                                        <p:cTn id="51" dur="1" fill="hold">
+                                          <p:stCondLst>
+                                            <p:cond delay="0"/>
+                                          </p:stCondLst>
+                                        </p:cTn>
+                                        <p:tgtEl>
+                                          <p:spTgt spid="3">
+                                            <p:txEl>
+                                              <p:pRg st="8" end="8"/>
+                                            </p:txEl>
+                                          </p:spTgt>
+                                        </p:tgtEl>
+                                        <p:attrNameLst>
+                                          <p:attrName>style.visibility</p:attrName>
+                                        </p:attrNameLst>
+                                      </p:cBhvr>
+                                      <p:to>
+                                        <p:strVal val="visible"/>
+                                      </p:to>
+                                    </p:set>
+                                    <p:animEffect transition="in" filter="wipe(down)">
+                                      <p:cBhvr>
+                                        <p:cTn id="52" dur="500"/>
+                                        <p:tgtEl>
+                                          <p:spTgt spid="3">
+                                            <p:txEl>
+                                              <p:pRg st="8" end="8"/>
                                             </p:txEl>
                                           </p:spTgt>
                                         </p:tgtEl>
@@ -14909,6 +18591,341 @@
       <p:bldP spid="2" grpId="0"/>
     </p:bldLst>
   </p:timing>
+</p:sld>
+</file>
+
+<file path=ppt/slides/slide8.xml><?xml version="1.0" encoding="utf-8"?>
+<p:sld xmlns:a="http://schemas.openxmlformats.org/drawingml/2006/main" xmlns:r="http://schemas.openxmlformats.org/officeDocument/2006/relationships" xmlns:p="http://schemas.openxmlformats.org/presentationml/2006/main">
+  <p:cSld>
+    <p:bg>
+      <p:bgPr>
+        <a:solidFill>
+          <a:schemeClr val="bg1"/>
+        </a:solidFill>
+        <a:effectLst/>
+      </p:bgPr>
+    </p:bg>
+    <p:spTree>
+      <p:nvGrpSpPr>
+        <p:cNvPr id="1" name=""/>
+        <p:cNvGrpSpPr/>
+        <p:nvPr/>
+      </p:nvGrpSpPr>
+      <p:grpSpPr>
+        <a:xfrm>
+          <a:off x="0" y="0"/>
+          <a:ext cx="0" cy="0"/>
+          <a:chOff x="0" y="0"/>
+          <a:chExt cx="0" cy="0"/>
+        </a:xfrm>
+      </p:grpSpPr>
+      <p:pic>
+        <p:nvPicPr>
+          <p:cNvPr id="6" name="Picture Placeholder 5" descr="A close up of a logo&#10;&#10;Description generated with high confidence">
+            <a:extLst>
+              <a:ext uri="{FF2B5EF4-FFF2-40B4-BE49-F238E27FC236}">
+                <a16:creationId xmlns:a16="http://schemas.microsoft.com/office/drawing/2014/main" id="{FE9BDD9E-55BB-4D80-8C14-7AF66F9D54A1}"/>
+              </a:ext>
+            </a:extLst>
+          </p:cNvPr>
+          <p:cNvPicPr>
+            <a:picLocks noGrp="1" noChangeAspect="1"/>
+          </p:cNvPicPr>
+          <p:nvPr>
+            <p:ph type="pic" idx="1"/>
+          </p:nvPr>
+        </p:nvPicPr>
+        <p:blipFill rotWithShape="1">
+          <a:blip r:embed="rId2">
+            <a:extLst>
+              <a:ext uri="{28A0092B-C50C-407E-A947-70E740481C1C}">
+                <a14:useLocalDpi xmlns:a14="http://schemas.microsoft.com/office/drawing/2010/main" val="0"/>
+              </a:ext>
+            </a:extLst>
+          </a:blip>
+          <a:srcRect t="5549" r="1" b="13805"/>
+          <a:stretch/>
+        </p:blipFill>
+        <p:spPr>
+          <a:xfrm>
+            <a:off x="4980039" y="640082"/>
+            <a:ext cx="6572298" cy="5300385"/>
+          </a:xfrm>
+          <a:prstGeom prst="rect">
+            <a:avLst/>
+          </a:prstGeom>
+          <a:effectLst/>
+        </p:spPr>
+      </p:pic>
+      <p:sp>
+        <p:nvSpPr>
+          <p:cNvPr id="2" name="Title 1">
+            <a:extLst>
+              <a:ext uri="{FF2B5EF4-FFF2-40B4-BE49-F238E27FC236}">
+                <a16:creationId xmlns:a16="http://schemas.microsoft.com/office/drawing/2014/main" id="{A1D09C05-4514-4DAD-B636-6D905416501A}"/>
+              </a:ext>
+            </a:extLst>
+          </p:cNvPr>
+          <p:cNvSpPr>
+            <a:spLocks noGrp="1"/>
+          </p:cNvSpPr>
+          <p:nvPr>
+            <p:ph type="title"/>
+          </p:nvPr>
+        </p:nvSpPr>
+        <p:spPr>
+          <a:xfrm>
+            <a:off x="648929" y="629266"/>
+            <a:ext cx="3667039" cy="1676603"/>
+          </a:xfrm>
+        </p:spPr>
+        <p:txBody>
+          <a:bodyPr vert="horz" lIns="91440" tIns="45720" rIns="91440" bIns="45720" rtlCol="0" anchor="ctr">
+            <a:normAutofit fontScale="90000"/>
+          </a:bodyPr>
+          <a:lstStyle/>
+          <a:p>
+            <a:pPr algn="ctr"/>
+            <a:r>
+              <a:rPr lang="en-US" sz="4400" dirty="0"/>
+              <a:t>Respondent Reported Health </a:t>
+            </a:r>
+          </a:p>
+        </p:txBody>
+      </p:sp>
+      <p:sp>
+        <p:nvSpPr>
+          <p:cNvPr id="3" name="Content Placeholder 2">
+            <a:extLst>
+              <a:ext uri="{FF2B5EF4-FFF2-40B4-BE49-F238E27FC236}">
+                <a16:creationId xmlns:a16="http://schemas.microsoft.com/office/drawing/2014/main" id="{91D2AC1E-2B90-45FA-B291-5985BFA2EFAE}"/>
+              </a:ext>
+            </a:extLst>
+          </p:cNvPr>
+          <p:cNvSpPr>
+            <a:spLocks noGrp="1"/>
+          </p:cNvSpPr>
+          <p:nvPr>
+            <p:ph sz="half" idx="2"/>
+          </p:nvPr>
+        </p:nvSpPr>
+        <p:spPr>
+          <a:xfrm>
+            <a:off x="648930" y="2438400"/>
+            <a:ext cx="3667037" cy="3785419"/>
+          </a:xfrm>
+        </p:spPr>
+        <p:txBody>
+          <a:bodyPr vert="horz" lIns="91440" tIns="45720" rIns="91440" bIns="45720" rtlCol="0">
+            <a:normAutofit/>
+          </a:bodyPr>
+          <a:lstStyle/>
+          <a:p>
+            <a:r>
+              <a:rPr lang="en-US" sz="1800" b="1" dirty="0"/>
+              <a:t>32.6% - Good Health</a:t>
+            </a:r>
+          </a:p>
+          <a:p>
+            <a:r>
+              <a:rPr lang="en-US" sz="1800" b="1" dirty="0"/>
+              <a:t>25.5 % - Very Good Health</a:t>
+            </a:r>
+          </a:p>
+          <a:p>
+            <a:r>
+              <a:rPr lang="en-US" sz="1800" b="1" dirty="0"/>
+              <a:t>18.3% - Excellent Health</a:t>
+            </a:r>
+          </a:p>
+          <a:p>
+            <a:r>
+              <a:rPr lang="en-US" sz="1800" b="1" dirty="0"/>
+              <a:t>16.4% - Fair Health</a:t>
+            </a:r>
+          </a:p>
+          <a:p>
+            <a:r>
+              <a:rPr lang="en-US" sz="1800" b="1" dirty="0"/>
+              <a:t>7.2% - Poor Health</a:t>
+            </a:r>
+          </a:p>
+          <a:p>
+            <a:endParaRPr lang="en-US" sz="1800" b="1" dirty="0"/>
+          </a:p>
+          <a:p>
+            <a:pPr marL="0"/>
+            <a:r>
+              <a:rPr lang="en-US" sz="1800" b="1" dirty="0"/>
+              <a:t>Majority of the NY survey-takers are considered to have between Good to Very Good Health</a:t>
+            </a:r>
+          </a:p>
+        </p:txBody>
+      </p:sp>
+    </p:spTree>
+    <p:extLst>
+      <p:ext uri="{BB962C8B-B14F-4D97-AF65-F5344CB8AC3E}">
+        <p14:creationId xmlns:p14="http://schemas.microsoft.com/office/powerpoint/2010/main" val="3690725587"/>
+      </p:ext>
+    </p:extLst>
+  </p:cSld>
+  <p:clrMapOvr>
+    <a:masterClrMapping/>
+  </p:clrMapOvr>
+  <mc:AlternateContent xmlns:mc="http://schemas.openxmlformats.org/markup-compatibility/2006" xmlns:p14="http://schemas.microsoft.com/office/powerpoint/2010/main">
+    <mc:Choice Requires="p14">
+      <p:transition spd="med" p14:dur="700">
+        <p:fade/>
+      </p:transition>
+    </mc:Choice>
+    <mc:Fallback xmlns="">
+      <p:transition spd="med">
+        <p:fade/>
+      </p:transition>
+    </mc:Fallback>
+  </mc:AlternateContent>
+</p:sld>
+</file>
+
+<file path=ppt/slides/slide9.xml><?xml version="1.0" encoding="utf-8"?>
+<p:sld xmlns:a="http://schemas.openxmlformats.org/drawingml/2006/main" xmlns:r="http://schemas.openxmlformats.org/officeDocument/2006/relationships" xmlns:p="http://schemas.openxmlformats.org/presentationml/2006/main">
+  <p:cSld>
+    <p:spTree>
+      <p:nvGrpSpPr>
+        <p:cNvPr id="1" name=""/>
+        <p:cNvGrpSpPr/>
+        <p:nvPr/>
+      </p:nvGrpSpPr>
+      <p:grpSpPr>
+        <a:xfrm>
+          <a:off x="0" y="0"/>
+          <a:ext cx="0" cy="0"/>
+          <a:chOff x="0" y="0"/>
+          <a:chExt cx="0" cy="0"/>
+        </a:xfrm>
+      </p:grpSpPr>
+      <p:sp>
+        <p:nvSpPr>
+          <p:cNvPr id="15" name="Title 14">
+            <a:extLst>
+              <a:ext uri="{FF2B5EF4-FFF2-40B4-BE49-F238E27FC236}">
+                <a16:creationId xmlns:a16="http://schemas.microsoft.com/office/drawing/2014/main" id="{8315A751-6BA8-4C20-94B6-2411FD3D106B}"/>
+              </a:ext>
+            </a:extLst>
+          </p:cNvPr>
+          <p:cNvSpPr>
+            <a:spLocks noGrp="1"/>
+          </p:cNvSpPr>
+          <p:nvPr>
+            <p:ph type="title"/>
+          </p:nvPr>
+        </p:nvSpPr>
+        <p:spPr>
+          <a:xfrm>
+            <a:off x="838200" y="365125"/>
+            <a:ext cx="10515600" cy="885451"/>
+          </a:xfrm>
+        </p:spPr>
+        <p:txBody>
+          <a:bodyPr/>
+          <a:lstStyle/>
+          <a:p>
+            <a:r>
+              <a:rPr lang="en-US"/>
+              <a:t>Age Group</a:t>
+            </a:r>
+            <a:endParaRPr lang="en-US" dirty="0"/>
+          </a:p>
+        </p:txBody>
+      </p:sp>
+      <p:sp>
+        <p:nvSpPr>
+          <p:cNvPr id="17" name="Content Placeholder 16">
+            <a:extLst>
+              <a:ext uri="{FF2B5EF4-FFF2-40B4-BE49-F238E27FC236}">
+                <a16:creationId xmlns:a16="http://schemas.microsoft.com/office/drawing/2014/main" id="{286A55AE-A257-4DC0-BC79-2EEC6B244ED3}"/>
+              </a:ext>
+            </a:extLst>
+          </p:cNvPr>
+          <p:cNvSpPr>
+            <a:spLocks noGrp="1"/>
+          </p:cNvSpPr>
+          <p:nvPr>
+            <p:ph sz="half" idx="2"/>
+          </p:nvPr>
+        </p:nvSpPr>
+        <p:spPr>
+          <a:xfrm>
+            <a:off x="7974106" y="1381874"/>
+            <a:ext cx="3379694" cy="4572000"/>
+          </a:xfrm>
+        </p:spPr>
+        <p:txBody>
+          <a:bodyPr/>
+          <a:lstStyle/>
+          <a:p>
+            <a:r>
+              <a:rPr lang="en-US"/>
+              <a:t>Age distribution is proportionally similar across all health categories.</a:t>
+            </a:r>
+          </a:p>
+          <a:p>
+            <a:r>
+              <a:rPr lang="en-US"/>
+              <a:t>There is a spike in poor health for those over 65.</a:t>
+            </a:r>
+          </a:p>
+          <a:p>
+            <a:endParaRPr lang="en-US" dirty="0"/>
+          </a:p>
+        </p:txBody>
+      </p:sp>
+      <p:pic>
+        <p:nvPicPr>
+          <p:cNvPr id="4" name="Picture Placeholder 3">
+            <a:extLst>
+              <a:ext uri="{FF2B5EF4-FFF2-40B4-BE49-F238E27FC236}">
+                <a16:creationId xmlns:a16="http://schemas.microsoft.com/office/drawing/2014/main" id="{AA5D49BB-B4A9-1948-B1F0-053BB4B98219}"/>
+              </a:ext>
+            </a:extLst>
+          </p:cNvPr>
+          <p:cNvPicPr>
+            <a:picLocks noGrp="1" noChangeAspect="1"/>
+          </p:cNvPicPr>
+          <p:nvPr>
+            <p:ph type="pic" idx="1"/>
+          </p:nvPr>
+        </p:nvPicPr>
+        <p:blipFill>
+          <a:blip r:embed="rId2">
+            <a:extLst>
+              <a:ext uri="{28A0092B-C50C-407E-A947-70E740481C1C}">
+                <a14:useLocalDpi xmlns:a14="http://schemas.microsoft.com/office/drawing/2010/main" val="0"/>
+              </a:ext>
+            </a:extLst>
+          </a:blip>
+          <a:srcRect/>
+          <a:stretch>
+            <a:fillRect/>
+          </a:stretch>
+        </p:blipFill>
+        <p:spPr>
+          <a:xfrm>
+            <a:off x="693471" y="1216659"/>
+            <a:ext cx="7105823" cy="4737215"/>
+          </a:xfrm>
+        </p:spPr>
+      </p:pic>
+    </p:spTree>
+    <p:extLst>
+      <p:ext uri="{BB962C8B-B14F-4D97-AF65-F5344CB8AC3E}">
+        <p14:creationId xmlns:p14="http://schemas.microsoft.com/office/powerpoint/2010/main" val="2910215703"/>
+      </p:ext>
+    </p:extLst>
+  </p:cSld>
+  <p:clrMapOvr>
+    <a:masterClrMapping/>
+  </p:clrMapOvr>
 </p:sld>
 </file>
 
@@ -15205,4 +19222,299 @@
     </a:ext>
   </a:extLst>
 </a:theme>
+</file>
+
+<file path=ppt/theme/theme2.xml><?xml version="1.0" encoding="utf-8"?>
+<a:theme xmlns:a="http://schemas.openxmlformats.org/drawingml/2006/main" name="Office Theme">
+  <a:themeElements>
+    <a:clrScheme name="Office">
+      <a:dk1>
+        <a:sysClr val="windowText" lastClr="000000"/>
+      </a:dk1>
+      <a:lt1>
+        <a:sysClr val="window" lastClr="FFFFFF"/>
+      </a:lt1>
+      <a:dk2>
+        <a:srgbClr val="44546A"/>
+      </a:dk2>
+      <a:lt2>
+        <a:srgbClr val="E7E6E6"/>
+      </a:lt2>
+      <a:accent1>
+        <a:srgbClr val="4472C4"/>
+      </a:accent1>
+      <a:accent2>
+        <a:srgbClr val="ED7D31"/>
+      </a:accent2>
+      <a:accent3>
+        <a:srgbClr val="A5A5A5"/>
+      </a:accent3>
+      <a:accent4>
+        <a:srgbClr val="FFC000"/>
+      </a:accent4>
+      <a:accent5>
+        <a:srgbClr val="5B9BD5"/>
+      </a:accent5>
+      <a:accent6>
+        <a:srgbClr val="70AD47"/>
+      </a:accent6>
+      <a:hlink>
+        <a:srgbClr val="0563C1"/>
+      </a:hlink>
+      <a:folHlink>
+        <a:srgbClr val="954F72"/>
+      </a:folHlink>
+    </a:clrScheme>
+    <a:fontScheme name="Office">
+      <a:majorFont>
+        <a:latin typeface="Calibri Light" panose="020F0302020204030204"/>
+        <a:ea typeface=""/>
+        <a:cs typeface=""/>
+        <a:font script="Jpan" typeface="游ゴシック Light"/>
+        <a:font script="Hang" typeface="맑은 고딕"/>
+        <a:font script="Hans" typeface="等线 Light"/>
+        <a:font script="Hant" typeface="新細明體"/>
+        <a:font script="Arab" typeface="Times New Roman"/>
+        <a:font script="Hebr" typeface="Times New Roman"/>
+        <a:font script="Thai" typeface="Angsana New"/>
+        <a:font script="Ethi" typeface="Nyala"/>
+        <a:font script="Beng" typeface="Vrinda"/>
+        <a:font script="Gujr" typeface="Shruti"/>
+        <a:font script="Khmr" typeface="MoolBoran"/>
+        <a:font script="Knda" typeface="Tunga"/>
+        <a:font script="Guru" typeface="Raavi"/>
+        <a:font script="Cans" typeface="Euphemia"/>
+        <a:font script="Cher" typeface="Plantagenet Cherokee"/>
+        <a:font script="Yiii" typeface="Microsoft Yi Baiti"/>
+        <a:font script="Tibt" typeface="Microsoft Himalaya"/>
+        <a:font script="Thaa" typeface="MV Boli"/>
+        <a:font script="Deva" typeface="Mangal"/>
+        <a:font script="Telu" typeface="Gautami"/>
+        <a:font script="Taml" typeface="Latha"/>
+        <a:font script="Syrc" typeface="Estrangelo Edessa"/>
+        <a:font script="Orya" typeface="Kalinga"/>
+        <a:font script="Mlym" typeface="Kartika"/>
+        <a:font script="Laoo" typeface="DokChampa"/>
+        <a:font script="Sinh" typeface="Iskoola Pota"/>
+        <a:font script="Mong" typeface="Mongolian Baiti"/>
+        <a:font script="Viet" typeface="Times New Roman"/>
+        <a:font script="Uigh" typeface="Microsoft Uighur"/>
+        <a:font script="Geor" typeface="Sylfaen"/>
+        <a:font script="Armn" typeface="Arial"/>
+        <a:font script="Bugi" typeface="Leelawadee UI"/>
+        <a:font script="Bopo" typeface="Microsoft JhengHei"/>
+        <a:font script="Java" typeface="Javanese Text"/>
+        <a:font script="Lisu" typeface="Segoe UI"/>
+        <a:font script="Mymr" typeface="Myanmar Text"/>
+        <a:font script="Nkoo" typeface="Ebrima"/>
+        <a:font script="Olck" typeface="Nirmala UI"/>
+        <a:font script="Osma" typeface="Ebrima"/>
+        <a:font script="Phag" typeface="Phagspa"/>
+        <a:font script="Syrn" typeface="Estrangelo Edessa"/>
+        <a:font script="Syrj" typeface="Estrangelo Edessa"/>
+        <a:font script="Syre" typeface="Estrangelo Edessa"/>
+        <a:font script="Sora" typeface="Nirmala UI"/>
+        <a:font script="Tale" typeface="Microsoft Tai Le"/>
+        <a:font script="Talu" typeface="Microsoft New Tai Lue"/>
+        <a:font script="Tfng" typeface="Ebrima"/>
+      </a:majorFont>
+      <a:minorFont>
+        <a:latin typeface="Calibri" panose="020F0502020204030204"/>
+        <a:ea typeface=""/>
+        <a:cs typeface=""/>
+        <a:font script="Jpan" typeface="游ゴシック"/>
+        <a:font script="Hang" typeface="맑은 고딕"/>
+        <a:font script="Hans" typeface="等线"/>
+        <a:font script="Hant" typeface="新細明體"/>
+        <a:font script="Arab" typeface="Arial"/>
+        <a:font script="Hebr" typeface="Arial"/>
+        <a:font script="Thai" typeface="Cordia New"/>
+        <a:font script="Ethi" typeface="Nyala"/>
+        <a:font script="Beng" typeface="Vrinda"/>
+        <a:font script="Gujr" typeface="Shruti"/>
+        <a:font script="Khmr" typeface="DaunPenh"/>
+        <a:font script="Knda" typeface="Tunga"/>
+        <a:font script="Guru" typeface="Raavi"/>
+        <a:font script="Cans" typeface="Euphemia"/>
+        <a:font script="Cher" typeface="Plantagenet Cherokee"/>
+        <a:font script="Yiii" typeface="Microsoft Yi Baiti"/>
+        <a:font script="Tibt" typeface="Microsoft Himalaya"/>
+        <a:font script="Thaa" typeface="MV Boli"/>
+        <a:font script="Deva" typeface="Mangal"/>
+        <a:font script="Telu" typeface="Gautami"/>
+        <a:font script="Taml" typeface="Latha"/>
+        <a:font script="Syrc" typeface="Estrangelo Edessa"/>
+        <a:font script="Orya" typeface="Kalinga"/>
+        <a:font script="Mlym" typeface="Kartika"/>
+        <a:font script="Laoo" typeface="DokChampa"/>
+        <a:font script="Sinh" typeface="Iskoola Pota"/>
+        <a:font script="Mong" typeface="Mongolian Baiti"/>
+        <a:font script="Viet" typeface="Arial"/>
+        <a:font script="Uigh" typeface="Microsoft Uighur"/>
+        <a:font script="Geor" typeface="Sylfaen"/>
+        <a:font script="Armn" typeface="Arial"/>
+        <a:font script="Bugi" typeface="Leelawadee UI"/>
+        <a:font script="Bopo" typeface="Microsoft JhengHei"/>
+        <a:font script="Java" typeface="Javanese Text"/>
+        <a:font script="Lisu" typeface="Segoe UI"/>
+        <a:font script="Mymr" typeface="Myanmar Text"/>
+        <a:font script="Nkoo" typeface="Ebrima"/>
+        <a:font script="Olck" typeface="Nirmala UI"/>
+        <a:font script="Osma" typeface="Ebrima"/>
+        <a:font script="Phag" typeface="Phagspa"/>
+        <a:font script="Syrn" typeface="Estrangelo Edessa"/>
+        <a:font script="Syrj" typeface="Estrangelo Edessa"/>
+        <a:font script="Syre" typeface="Estrangelo Edessa"/>
+        <a:font script="Sora" typeface="Nirmala UI"/>
+        <a:font script="Tale" typeface="Microsoft Tai Le"/>
+        <a:font script="Talu" typeface="Microsoft New Tai Lue"/>
+        <a:font script="Tfng" typeface="Ebrima"/>
+      </a:minorFont>
+    </a:fontScheme>
+    <a:fmtScheme name="Office">
+      <a:fillStyleLst>
+        <a:solidFill>
+          <a:schemeClr val="phClr"/>
+        </a:solidFill>
+        <a:gradFill rotWithShape="1">
+          <a:gsLst>
+            <a:gs pos="0">
+              <a:schemeClr val="phClr">
+                <a:lumMod val="110000"/>
+                <a:satMod val="105000"/>
+                <a:tint val="67000"/>
+              </a:schemeClr>
+            </a:gs>
+            <a:gs pos="50000">
+              <a:schemeClr val="phClr">
+                <a:lumMod val="105000"/>
+                <a:satMod val="103000"/>
+                <a:tint val="73000"/>
+              </a:schemeClr>
+            </a:gs>
+            <a:gs pos="100000">
+              <a:schemeClr val="phClr">
+                <a:lumMod val="105000"/>
+                <a:satMod val="109000"/>
+                <a:tint val="81000"/>
+              </a:schemeClr>
+            </a:gs>
+          </a:gsLst>
+          <a:lin ang="5400000" scaled="0"/>
+        </a:gradFill>
+        <a:gradFill rotWithShape="1">
+          <a:gsLst>
+            <a:gs pos="0">
+              <a:schemeClr val="phClr">
+                <a:satMod val="103000"/>
+                <a:lumMod val="102000"/>
+                <a:tint val="94000"/>
+              </a:schemeClr>
+            </a:gs>
+            <a:gs pos="50000">
+              <a:schemeClr val="phClr">
+                <a:satMod val="110000"/>
+                <a:lumMod val="100000"/>
+                <a:shade val="100000"/>
+              </a:schemeClr>
+            </a:gs>
+            <a:gs pos="100000">
+              <a:schemeClr val="phClr">
+                <a:lumMod val="99000"/>
+                <a:satMod val="120000"/>
+                <a:shade val="78000"/>
+              </a:schemeClr>
+            </a:gs>
+          </a:gsLst>
+          <a:lin ang="5400000" scaled="0"/>
+        </a:gradFill>
+      </a:fillStyleLst>
+      <a:lnStyleLst>
+        <a:ln w="6350" cap="flat" cmpd="sng" algn="ctr">
+          <a:solidFill>
+            <a:schemeClr val="phClr"/>
+          </a:solidFill>
+          <a:prstDash val="solid"/>
+          <a:miter lim="800000"/>
+        </a:ln>
+        <a:ln w="12700" cap="flat" cmpd="sng" algn="ctr">
+          <a:solidFill>
+            <a:schemeClr val="phClr"/>
+          </a:solidFill>
+          <a:prstDash val="solid"/>
+          <a:miter lim="800000"/>
+        </a:ln>
+        <a:ln w="19050" cap="flat" cmpd="sng" algn="ctr">
+          <a:solidFill>
+            <a:schemeClr val="phClr"/>
+          </a:solidFill>
+          <a:prstDash val="solid"/>
+          <a:miter lim="800000"/>
+        </a:ln>
+      </a:lnStyleLst>
+      <a:effectStyleLst>
+        <a:effectStyle>
+          <a:effectLst/>
+        </a:effectStyle>
+        <a:effectStyle>
+          <a:effectLst/>
+        </a:effectStyle>
+        <a:effectStyle>
+          <a:effectLst>
+            <a:outerShdw blurRad="57150" dist="19050" dir="5400000" algn="ctr" rotWithShape="0">
+              <a:srgbClr val="000000">
+                <a:alpha val="63000"/>
+              </a:srgbClr>
+            </a:outerShdw>
+          </a:effectLst>
+        </a:effectStyle>
+      </a:effectStyleLst>
+      <a:bgFillStyleLst>
+        <a:solidFill>
+          <a:schemeClr val="phClr"/>
+        </a:solidFill>
+        <a:solidFill>
+          <a:schemeClr val="phClr">
+            <a:tint val="95000"/>
+            <a:satMod val="170000"/>
+          </a:schemeClr>
+        </a:solidFill>
+        <a:gradFill rotWithShape="1">
+          <a:gsLst>
+            <a:gs pos="0">
+              <a:schemeClr val="phClr">
+                <a:tint val="93000"/>
+                <a:satMod val="150000"/>
+                <a:shade val="98000"/>
+                <a:lumMod val="102000"/>
+              </a:schemeClr>
+            </a:gs>
+            <a:gs pos="50000">
+              <a:schemeClr val="phClr">
+                <a:tint val="98000"/>
+                <a:satMod val="130000"/>
+                <a:shade val="90000"/>
+                <a:lumMod val="103000"/>
+              </a:schemeClr>
+            </a:gs>
+            <a:gs pos="100000">
+              <a:schemeClr val="phClr">
+                <a:shade val="63000"/>
+                <a:satMod val="120000"/>
+              </a:schemeClr>
+            </a:gs>
+          </a:gsLst>
+          <a:lin ang="5400000" scaled="0"/>
+        </a:gradFill>
+      </a:bgFillStyleLst>
+    </a:fmtScheme>
+  </a:themeElements>
+  <a:objectDefaults/>
+  <a:extraClrSchemeLst/>
+  <a:extLst>
+    <a:ext uri="{05A4C25C-085E-4340-85A3-A5531E510DB2}">
+      <thm15:themeFamily xmlns:thm15="http://schemas.microsoft.com/office/thememl/2012/main" name="Office Theme" id="{62F939B6-93AF-4DB8-9C6B-D6C7DFDC589F}" vid="{4A3C46E8-61CC-4603-A589-7422A47A8E4A}"/>
+    </a:ext>
+  </a:extLst>
+</a:theme>
 </file>